--- a/presentation/Alveo U200.pptx
+++ b/presentation/Alveo U200.pptx
@@ -5000,7 +5000,7 @@
       </p:grpSpPr>
       <p:sp>
         <p:nvSpPr>
-          <p:cNvPr id="364" name="Google Shape;364;gfe78af8b0c_0_117:notes"/>
+          <p:cNvPr id="364" name="Google Shape;364;g138ca8e9dd4_0_82:notes"/>
           <p:cNvSpPr/>
           <p:nvPr>
             <p:ph idx="2" type="sldImg"/>
@@ -5035,7 +5035,7 @@
       </p:sp>
       <p:sp>
         <p:nvSpPr>
-          <p:cNvPr id="365" name="Google Shape;365;gfe78af8b0c_0_117:notes"/>
+          <p:cNvPr id="365" name="Google Shape;365;g138ca8e9dd4_0_82:notes"/>
           <p:cNvSpPr txBox="1"/>
           <p:nvPr>
             <p:ph idx="1" type="body"/>
@@ -5085,7 +5085,7 @@
   <p:cSld>
     <p:spTree>
       <p:nvGrpSpPr>
-        <p:cNvPr id="370" name="Shape 370"/>
+        <p:cNvPr id="374" name="Shape 374"/>
         <p:cNvGrpSpPr/>
         <p:nvPr/>
       </p:nvGrpSpPr>
@@ -5099,7 +5099,7 @@
       </p:grpSpPr>
       <p:sp>
         <p:nvSpPr>
-          <p:cNvPr id="371" name="Google Shape;371;g138ca8e9dd4_0_9:notes"/>
+          <p:cNvPr id="375" name="Google Shape;375;g138ca8e9dd4_0_129:notes"/>
           <p:cNvSpPr/>
           <p:nvPr>
             <p:ph idx="2" type="sldImg"/>
@@ -5134,7 +5134,7 @@
       </p:sp>
       <p:sp>
         <p:nvSpPr>
-          <p:cNvPr id="372" name="Google Shape;372;g138ca8e9dd4_0_9:notes"/>
+          <p:cNvPr id="376" name="Google Shape;376;g138ca8e9dd4_0_129:notes"/>
           <p:cNvSpPr txBox="1"/>
           <p:nvPr>
             <p:ph idx="1" type="body"/>
@@ -5283,7 +5283,7 @@
   <p:cSld>
     <p:spTree>
       <p:nvGrpSpPr>
-        <p:cNvPr id="379" name="Shape 379"/>
+        <p:cNvPr id="386" name="Shape 386"/>
         <p:cNvGrpSpPr/>
         <p:nvPr/>
       </p:nvGrpSpPr>
@@ -5297,7 +5297,7 @@
       </p:grpSpPr>
       <p:sp>
         <p:nvSpPr>
-          <p:cNvPr id="380" name="Google Shape;380;g138ca8e9dd4_0_51:notes"/>
+          <p:cNvPr id="387" name="Google Shape;387;g138ca8e9dd4_0_160:notes"/>
           <p:cNvSpPr/>
           <p:nvPr>
             <p:ph idx="2" type="sldImg"/>
@@ -5332,7 +5332,7 @@
       </p:sp>
       <p:sp>
         <p:nvSpPr>
-          <p:cNvPr id="381" name="Google Shape;381;g138ca8e9dd4_0_51:notes"/>
+          <p:cNvPr id="388" name="Google Shape;388;g138ca8e9dd4_0_160:notes"/>
           <p:cNvSpPr txBox="1"/>
           <p:nvPr>
             <p:ph idx="1" type="body"/>
@@ -5382,7 +5382,7 @@
   <p:cSld>
     <p:spTree>
       <p:nvGrpSpPr>
-        <p:cNvPr id="390" name="Shape 390"/>
+        <p:cNvPr id="399" name="Shape 399"/>
         <p:cNvGrpSpPr/>
         <p:nvPr/>
       </p:nvGrpSpPr>
@@ -5396,7 +5396,7 @@
       </p:grpSpPr>
       <p:sp>
         <p:nvSpPr>
-          <p:cNvPr id="391" name="Google Shape;391;g138ca8e9dd4_0_37:notes"/>
+          <p:cNvPr id="400" name="Google Shape;400;g138ca8e9dd4_0_175:notes"/>
           <p:cNvSpPr/>
           <p:nvPr>
             <p:ph idx="2" type="sldImg"/>
@@ -5431,7 +5431,7 @@
       </p:sp>
       <p:sp>
         <p:nvSpPr>
-          <p:cNvPr id="392" name="Google Shape;392;g138ca8e9dd4_0_37:notes"/>
+          <p:cNvPr id="401" name="Google Shape;401;g138ca8e9dd4_0_175:notes"/>
           <p:cNvSpPr txBox="1"/>
           <p:nvPr>
             <p:ph idx="1" type="body"/>
@@ -5481,7 +5481,7 @@
   <p:cSld>
     <p:spTree>
       <p:nvGrpSpPr>
-        <p:cNvPr id="403" name="Shape 403"/>
+        <p:cNvPr id="415" name="Shape 415"/>
         <p:cNvGrpSpPr/>
         <p:nvPr/>
       </p:nvGrpSpPr>
@@ -5495,7 +5495,7 @@
       </p:grpSpPr>
       <p:sp>
         <p:nvSpPr>
-          <p:cNvPr id="404" name="Google Shape;404;g138ca8e9dd4_0_23:notes"/>
+          <p:cNvPr id="416" name="Google Shape;416;g138ca8e9dd4_0_190:notes"/>
           <p:cNvSpPr/>
           <p:nvPr>
             <p:ph idx="2" type="sldImg"/>
@@ -5530,7 +5530,7 @@
       </p:sp>
       <p:sp>
         <p:nvSpPr>
-          <p:cNvPr id="405" name="Google Shape;405;g138ca8e9dd4_0_23:notes"/>
+          <p:cNvPr id="417" name="Google Shape;417;g138ca8e9dd4_0_190:notes"/>
           <p:cNvSpPr txBox="1"/>
           <p:nvPr>
             <p:ph idx="1" type="body"/>
@@ -5580,7 +5580,7 @@
   <p:cSld>
     <p:spTree>
       <p:nvGrpSpPr>
-        <p:cNvPr id="418" name="Shape 418"/>
+        <p:cNvPr id="431" name="Shape 431"/>
         <p:cNvGrpSpPr/>
         <p:nvPr/>
       </p:nvGrpSpPr>
@@ -5594,7 +5594,7 @@
       </p:grpSpPr>
       <p:sp>
         <p:nvSpPr>
-          <p:cNvPr id="419" name="Google Shape;419;g138ca8e9dd4_0_65:notes"/>
+          <p:cNvPr id="432" name="Google Shape;432;gfe78af8b0c_0_117:notes"/>
           <p:cNvSpPr/>
           <p:nvPr>
             <p:ph idx="2" type="sldImg"/>
@@ -5629,7 +5629,7 @@
       </p:sp>
       <p:sp>
         <p:nvSpPr>
-          <p:cNvPr id="420" name="Google Shape;420;g138ca8e9dd4_0_65:notes"/>
+          <p:cNvPr id="433" name="Google Shape;433;gfe78af8b0c_0_117:notes"/>
           <p:cNvSpPr txBox="1"/>
           <p:nvPr>
             <p:ph idx="1" type="body"/>
@@ -5679,7 +5679,7 @@
   <p:cSld>
     <p:spTree>
       <p:nvGrpSpPr>
-        <p:cNvPr id="436" name="Shape 436"/>
+        <p:cNvPr id="438" name="Shape 438"/>
         <p:cNvGrpSpPr/>
         <p:nvPr/>
       </p:nvGrpSpPr>
@@ -5693,7 +5693,7 @@
       </p:grpSpPr>
       <p:sp>
         <p:nvSpPr>
-          <p:cNvPr id="437" name="Google Shape;437;g138ca8e9dd4_0_82:notes"/>
+          <p:cNvPr id="439" name="Google Shape;439;g138ca8e9dd4_0_9:notes"/>
           <p:cNvSpPr/>
           <p:nvPr>
             <p:ph idx="2" type="sldImg"/>
@@ -5728,7 +5728,7 @@
       </p:sp>
       <p:sp>
         <p:nvSpPr>
-          <p:cNvPr id="438" name="Google Shape;438;g138ca8e9dd4_0_82:notes"/>
+          <p:cNvPr id="440" name="Google Shape;440;g138ca8e9dd4_0_9:notes"/>
           <p:cNvSpPr txBox="1"/>
           <p:nvPr>
             <p:ph idx="1" type="body"/>
@@ -5792,7 +5792,7 @@
       </p:grpSpPr>
       <p:sp>
         <p:nvSpPr>
-          <p:cNvPr id="448" name="Google Shape;448;g138ca8e9dd4_0_129:notes"/>
+          <p:cNvPr id="448" name="Google Shape;448;g138ca8e9dd4_0_51:notes"/>
           <p:cNvSpPr/>
           <p:nvPr>
             <p:ph idx="2" type="sldImg"/>
@@ -5827,7 +5827,7 @@
       </p:sp>
       <p:sp>
         <p:nvSpPr>
-          <p:cNvPr id="449" name="Google Shape;449;g138ca8e9dd4_0_129:notes"/>
+          <p:cNvPr id="449" name="Google Shape;449;g138ca8e9dd4_0_51:notes"/>
           <p:cNvSpPr txBox="1"/>
           <p:nvPr>
             <p:ph idx="1" type="body"/>
@@ -5877,7 +5877,7 @@
   <p:cSld>
     <p:spTree>
       <p:nvGrpSpPr>
-        <p:cNvPr id="459" name="Shape 459"/>
+        <p:cNvPr id="458" name="Shape 458"/>
         <p:cNvGrpSpPr/>
         <p:nvPr/>
       </p:nvGrpSpPr>
@@ -5891,7 +5891,7 @@
       </p:grpSpPr>
       <p:sp>
         <p:nvSpPr>
-          <p:cNvPr id="460" name="Google Shape;460;g138ca8e9dd4_0_160:notes"/>
+          <p:cNvPr id="459" name="Google Shape;459;g138ca8e9dd4_0_37:notes"/>
           <p:cNvSpPr/>
           <p:nvPr>
             <p:ph idx="2" type="sldImg"/>
@@ -5926,7 +5926,7 @@
       </p:sp>
       <p:sp>
         <p:nvSpPr>
-          <p:cNvPr id="461" name="Google Shape;461;g138ca8e9dd4_0_160:notes"/>
+          <p:cNvPr id="460" name="Google Shape;460;g138ca8e9dd4_0_37:notes"/>
           <p:cNvSpPr txBox="1"/>
           <p:nvPr>
             <p:ph idx="1" type="body"/>
@@ -5976,7 +5976,7 @@
   <p:cSld>
     <p:spTree>
       <p:nvGrpSpPr>
-        <p:cNvPr id="472" name="Shape 472"/>
+        <p:cNvPr id="471" name="Shape 471"/>
         <p:cNvGrpSpPr/>
         <p:nvPr/>
       </p:nvGrpSpPr>
@@ -5990,7 +5990,7 @@
       </p:grpSpPr>
       <p:sp>
         <p:nvSpPr>
-          <p:cNvPr id="473" name="Google Shape;473;g138ca8e9dd4_0_175:notes"/>
+          <p:cNvPr id="472" name="Google Shape;472;g138ca8e9dd4_0_23:notes"/>
           <p:cNvSpPr/>
           <p:nvPr>
             <p:ph idx="2" type="sldImg"/>
@@ -6025,7 +6025,7 @@
       </p:sp>
       <p:sp>
         <p:nvSpPr>
-          <p:cNvPr id="474" name="Google Shape;474;g138ca8e9dd4_0_175:notes"/>
+          <p:cNvPr id="473" name="Google Shape;473;g138ca8e9dd4_0_23:notes"/>
           <p:cNvSpPr txBox="1"/>
           <p:nvPr>
             <p:ph idx="1" type="body"/>
@@ -6075,7 +6075,7 @@
   <p:cSld>
     <p:spTree>
       <p:nvGrpSpPr>
-        <p:cNvPr id="488" name="Shape 488"/>
+        <p:cNvPr id="486" name="Shape 486"/>
         <p:cNvGrpSpPr/>
         <p:nvPr/>
       </p:nvGrpSpPr>
@@ -6089,7 +6089,7 @@
       </p:grpSpPr>
       <p:sp>
         <p:nvSpPr>
-          <p:cNvPr id="489" name="Google Shape;489;g138ca8e9dd4_0_190:notes"/>
+          <p:cNvPr id="487" name="Google Shape;487;g138ca8e9dd4_0_65:notes"/>
           <p:cNvSpPr/>
           <p:nvPr>
             <p:ph idx="2" type="sldImg"/>
@@ -6124,7 +6124,7 @@
       </p:sp>
       <p:sp>
         <p:nvSpPr>
-          <p:cNvPr id="490" name="Google Shape;490;g138ca8e9dd4_0_190:notes"/>
+          <p:cNvPr id="488" name="Google Shape;488;g138ca8e9dd4_0_65:notes"/>
           <p:cNvSpPr txBox="1"/>
           <p:nvPr>
             <p:ph idx="1" type="body"/>
@@ -14623,7 +14623,19 @@
                 <a:cs typeface="Inconsolata"/>
                 <a:sym typeface="Inconsolata"/>
               </a:rPr>
-              <a:t># Reset the card</a:t>
+              <a:t># Reset the card with id </a:t>
+            </a:r>
+            <a:r>
+              <a:rPr lang="en">
+                <a:solidFill>
+                  <a:srgbClr val="0B5394"/>
+                </a:solidFill>
+                <a:latin typeface="Inconsolata"/>
+                <a:ea typeface="Inconsolata"/>
+                <a:cs typeface="Inconsolata"/>
+                <a:sym typeface="Inconsolata"/>
+              </a:rPr>
+              <a:t>0000:17:00.1</a:t>
             </a:r>
             <a:endParaRPr>
               <a:solidFill>
@@ -19486,7 +19498,31 @@
             </a:pPr>
             <a:r>
               <a:rPr lang="en"/>
-              <a:t>Quantization is the process of converting a 32-bit floating point model into an INT8 representation.</a:t>
+              <a:t>Quantization is the process of converting a </a:t>
+            </a:r>
+            <a:r>
+              <a:rPr b="1" lang="en">
+                <a:solidFill>
+                  <a:srgbClr val="980000"/>
+                </a:solidFill>
+              </a:rPr>
+              <a:t>32-bit floating point model</a:t>
+            </a:r>
+            <a:r>
+              <a:rPr lang="en"/>
+              <a:t> into an </a:t>
+            </a:r>
+            <a:r>
+              <a:rPr b="1" lang="en">
+                <a:solidFill>
+                  <a:srgbClr val="980000"/>
+                </a:solidFill>
+              </a:rPr>
+              <a:t>INT8 representation</a:t>
+            </a:r>
+            <a:r>
+              <a:rPr lang="en"/>
+              <a:t>.</a:t>
             </a:r>
             <a:endParaRPr/>
           </a:p>
@@ -19971,8 +20007,8 @@
         </p:blipFill>
         <p:spPr>
           <a:xfrm>
-            <a:off x="1305846" y="1352434"/>
-            <a:ext cx="6532300" cy="3016475"/>
+            <a:off x="1567575" y="1017725"/>
+            <a:ext cx="6008843" cy="3820976"/>
           </a:xfrm>
           <a:prstGeom prst="rect">
             <a:avLst/>
@@ -21147,2671 +21183,6 @@
             </a:pPr>
             <a:r>
               <a:rPr lang="en"/>
-              <a:t>5. Deployment: API Levels</a:t>
-            </a:r>
-            <a:endParaRPr/>
-          </a:p>
-        </p:txBody>
-      </p:sp>
-      <p:sp>
-        <p:nvSpPr>
-          <p:cNvPr id="368" name="Google Shape;368;p60"/>
-          <p:cNvSpPr txBox="1"/>
-          <p:nvPr>
-            <p:ph idx="1" type="body"/>
-          </p:nvPr>
-        </p:nvSpPr>
-        <p:spPr>
-          <a:xfrm>
-            <a:off x="311700" y="1152475"/>
-            <a:ext cx="8520600" cy="3416400"/>
-          </a:xfrm>
-          <a:prstGeom prst="rect">
-            <a:avLst/>
-          </a:prstGeom>
-        </p:spPr>
-        <p:txBody>
-          <a:bodyPr anchorCtr="0" anchor="t" bIns="91425" lIns="91425" spcFirstLastPara="1" rIns="91425" wrap="square" tIns="91425">
-            <a:normAutofit/>
-          </a:bodyPr>
-          <a:lstStyle/>
-          <a:p>
-            <a:pPr indent="0" lvl="0" marL="0" rtl="0" algn="l">
-              <a:spcBef>
-                <a:spcPts val="0"/>
-              </a:spcBef>
-              <a:spcAft>
-                <a:spcPts val="1200"/>
-              </a:spcAft>
-              <a:buNone/>
-            </a:pPr>
-            <a:r>
-              <a:t/>
-            </a:r>
-            <a:endParaRPr/>
-          </a:p>
-        </p:txBody>
-      </p:sp>
-      <p:pic>
-        <p:nvPicPr>
-          <p:cNvPr id="369" name="Google Shape;369;p60"/>
-          <p:cNvPicPr preferRelativeResize="0"/>
-          <p:nvPr/>
-        </p:nvPicPr>
-        <p:blipFill>
-          <a:blip r:embed="rId3">
-            <a:alphaModFix/>
-          </a:blip>
-          <a:stretch>
-            <a:fillRect/>
-          </a:stretch>
-        </p:blipFill>
-        <p:spPr>
-          <a:xfrm>
-            <a:off x="921171" y="1628750"/>
-            <a:ext cx="2289075" cy="2635925"/>
-          </a:xfrm>
-          <a:prstGeom prst="rect">
-            <a:avLst/>
-          </a:prstGeom>
-          <a:noFill/>
-          <a:ln>
-            <a:noFill/>
-          </a:ln>
-        </p:spPr>
-      </p:pic>
-    </p:spTree>
-  </p:cSld>
-  <p:clrMapOvr>
-    <a:masterClrMapping/>
-  </p:clrMapOvr>
-</p:sld>
-</file>
-
-<file path=ppt/slides/slide49.xml><?xml version="1.0" encoding="utf-8"?>
-<p:sld xmlns:a="http://schemas.openxmlformats.org/drawingml/2006/main" xmlns:r="http://schemas.openxmlformats.org/officeDocument/2006/relationships" xmlns:mc="http://schemas.openxmlformats.org/markup-compatibility/2006" xmlns:mv="urn:schemas-microsoft-com:mac:vml" xmlns:p="http://schemas.openxmlformats.org/presentationml/2006/main" xmlns:c="http://schemas.openxmlformats.org/drawingml/2006/chart" xmlns:dgm="http://schemas.openxmlformats.org/drawingml/2006/diagram" xmlns:o="urn:schemas-microsoft-com:office:office" xmlns:v="urn:schemas-microsoft-com:vml" xmlns:pvml="urn:schemas-microsoft-com:office:powerpoint" xmlns:com="http://schemas.openxmlformats.org/drawingml/2006/compatibility" xmlns:p14="http://schemas.microsoft.com/office/powerpoint/2010/main" xmlns:p15="http://schemas.microsoft.com/office/powerpoint/2012/main" xmlns:ahyp="http://schemas.microsoft.com/office/drawing/2018/hyperlinkcolor">
-  <p:cSld>
-    <p:spTree>
-      <p:nvGrpSpPr>
-        <p:cNvPr id="373" name="Shape 373"/>
-        <p:cNvGrpSpPr/>
-        <p:nvPr/>
-      </p:nvGrpSpPr>
-      <p:grpSpPr>
-        <a:xfrm>
-          <a:off x="0" y="0"/>
-          <a:ext cx="0" cy="0"/>
-          <a:chOff x="0" y="0"/>
-          <a:chExt cx="0" cy="0"/>
-        </a:xfrm>
-      </p:grpSpPr>
-      <p:sp>
-        <p:nvSpPr>
-          <p:cNvPr id="374" name="Google Shape;374;p61"/>
-          <p:cNvSpPr txBox="1"/>
-          <p:nvPr>
-            <p:ph type="title"/>
-          </p:nvPr>
-        </p:nvSpPr>
-        <p:spPr>
-          <a:xfrm>
-            <a:off x="311700" y="445025"/>
-            <a:ext cx="8520600" cy="572700"/>
-          </a:xfrm>
-          <a:prstGeom prst="rect">
-            <a:avLst/>
-          </a:prstGeom>
-        </p:spPr>
-        <p:txBody>
-          <a:bodyPr anchorCtr="0" anchor="t" bIns="91425" lIns="91425" spcFirstLastPara="1" rIns="91425" wrap="square" tIns="91425">
-            <a:normAutofit fontScale="90000"/>
-          </a:bodyPr>
-          <a:lstStyle/>
-          <a:p>
-            <a:pPr indent="0" lvl="0" marL="0" rtl="0" algn="l">
-              <a:spcBef>
-                <a:spcPts val="0"/>
-              </a:spcBef>
-              <a:spcAft>
-                <a:spcPts val="0"/>
-              </a:spcAft>
-              <a:buNone/>
-            </a:pPr>
-            <a:r>
-              <a:rPr lang="en"/>
-              <a:t>5. Deployment: API Levels</a:t>
-            </a:r>
-            <a:endParaRPr/>
-          </a:p>
-        </p:txBody>
-      </p:sp>
-      <p:sp>
-        <p:nvSpPr>
-          <p:cNvPr id="375" name="Google Shape;375;p61"/>
-          <p:cNvSpPr txBox="1"/>
-          <p:nvPr>
-            <p:ph idx="1" type="body"/>
-          </p:nvPr>
-        </p:nvSpPr>
-        <p:spPr>
-          <a:xfrm>
-            <a:off x="311700" y="1152475"/>
-            <a:ext cx="8520600" cy="3416400"/>
-          </a:xfrm>
-          <a:prstGeom prst="rect">
-            <a:avLst/>
-          </a:prstGeom>
-        </p:spPr>
-        <p:txBody>
-          <a:bodyPr anchorCtr="0" anchor="t" bIns="91425" lIns="91425" spcFirstLastPara="1" rIns="91425" wrap="square" tIns="91425">
-            <a:normAutofit/>
-          </a:bodyPr>
-          <a:lstStyle/>
-          <a:p>
-            <a:pPr indent="0" lvl="0" marL="0" rtl="0" algn="l">
-              <a:spcBef>
-                <a:spcPts val="0"/>
-              </a:spcBef>
-              <a:spcAft>
-                <a:spcPts val="1200"/>
-              </a:spcAft>
-              <a:buNone/>
-            </a:pPr>
-            <a:r>
-              <a:t/>
-            </a:r>
-            <a:endParaRPr/>
-          </a:p>
-        </p:txBody>
-      </p:sp>
-      <p:pic>
-        <p:nvPicPr>
-          <p:cNvPr id="376" name="Google Shape;376;p61"/>
-          <p:cNvPicPr preferRelativeResize="0"/>
-          <p:nvPr/>
-        </p:nvPicPr>
-        <p:blipFill>
-          <a:blip r:embed="rId3">
-            <a:alphaModFix/>
-          </a:blip>
-          <a:stretch>
-            <a:fillRect/>
-          </a:stretch>
-        </p:blipFill>
-        <p:spPr>
-          <a:xfrm>
-            <a:off x="921171" y="1628750"/>
-            <a:ext cx="2289075" cy="2635925"/>
-          </a:xfrm>
-          <a:prstGeom prst="rect">
-            <a:avLst/>
-          </a:prstGeom>
-          <a:noFill/>
-          <a:ln>
-            <a:noFill/>
-          </a:ln>
-        </p:spPr>
-      </p:pic>
-      <p:sp>
-        <p:nvSpPr>
-          <p:cNvPr id="377" name="Google Shape;377;p61"/>
-          <p:cNvSpPr/>
-          <p:nvPr/>
-        </p:nvSpPr>
-        <p:spPr>
-          <a:xfrm>
-            <a:off x="3683175" y="3795550"/>
-            <a:ext cx="2878500" cy="405900"/>
-          </a:xfrm>
-          <a:prstGeom prst="rect">
-            <a:avLst/>
-          </a:prstGeom>
-          <a:solidFill>
-            <a:schemeClr val="lt2"/>
-          </a:solidFill>
-          <a:ln cap="flat" cmpd="sng" w="9525">
-            <a:solidFill>
-              <a:schemeClr val="dk2"/>
-            </a:solidFill>
-            <a:prstDash val="solid"/>
-            <a:round/>
-            <a:headEnd len="sm" w="sm" type="none"/>
-            <a:tailEnd len="sm" w="sm" type="none"/>
-          </a:ln>
-        </p:spPr>
-        <p:txBody>
-          <a:bodyPr anchorCtr="0" anchor="ctr" bIns="91425" lIns="91425" spcFirstLastPara="1" rIns="91425" wrap="square" tIns="91425">
-            <a:noAutofit/>
-          </a:bodyPr>
-          <a:lstStyle/>
-          <a:p>
-            <a:pPr indent="0" lvl="0" marL="0" rtl="0" algn="ctr">
-              <a:spcBef>
-                <a:spcPts val="0"/>
-              </a:spcBef>
-              <a:spcAft>
-                <a:spcPts val="0"/>
-              </a:spcAft>
-              <a:buNone/>
-            </a:pPr>
-            <a:r>
-              <a:rPr lang="en" sz="1300"/>
-              <a:t>Host machine</a:t>
-            </a:r>
-            <a:endParaRPr sz="1300"/>
-          </a:p>
-        </p:txBody>
-      </p:sp>
-      <p:sp>
-        <p:nvSpPr>
-          <p:cNvPr id="378" name="Google Shape;378;p61"/>
-          <p:cNvSpPr/>
-          <p:nvPr/>
-        </p:nvSpPr>
-        <p:spPr>
-          <a:xfrm>
-            <a:off x="3210250" y="3965900"/>
-            <a:ext cx="391800" cy="126300"/>
-          </a:xfrm>
-          <a:prstGeom prst="leftArrow">
-            <a:avLst>
-              <a:gd fmla="val 50000" name="adj1"/>
-              <a:gd fmla="val 50000" name="adj2"/>
-            </a:avLst>
-          </a:prstGeom>
-          <a:solidFill>
-            <a:schemeClr val="lt2"/>
-          </a:solidFill>
-          <a:ln cap="flat" cmpd="sng" w="9525">
-            <a:solidFill>
-              <a:schemeClr val="dk2"/>
-            </a:solidFill>
-            <a:prstDash val="solid"/>
-            <a:round/>
-            <a:headEnd len="sm" w="sm" type="none"/>
-            <a:tailEnd len="sm" w="sm" type="none"/>
-          </a:ln>
-        </p:spPr>
-        <p:txBody>
-          <a:bodyPr anchorCtr="0" anchor="ctr" bIns="91425" lIns="91425" spcFirstLastPara="1" rIns="91425" wrap="square" tIns="91425">
-            <a:noAutofit/>
-          </a:bodyPr>
-          <a:lstStyle/>
-          <a:p>
-            <a:pPr indent="0" lvl="0" marL="0" rtl="0" algn="l">
-              <a:spcBef>
-                <a:spcPts val="0"/>
-              </a:spcBef>
-              <a:spcAft>
-                <a:spcPts val="0"/>
-              </a:spcAft>
-              <a:buNone/>
-            </a:pPr>
-            <a:r>
-              <a:t/>
-            </a:r>
-            <a:endParaRPr/>
-          </a:p>
-        </p:txBody>
-      </p:sp>
-    </p:spTree>
-  </p:cSld>
-  <p:clrMapOvr>
-    <a:masterClrMapping/>
-  </p:clrMapOvr>
-</p:sld>
-</file>
-
-<file path=ppt/slides/slide5.xml><?xml version="1.0" encoding="utf-8"?>
-<p:sld xmlns:a="http://schemas.openxmlformats.org/drawingml/2006/main" xmlns:r="http://schemas.openxmlformats.org/officeDocument/2006/relationships" xmlns:mc="http://schemas.openxmlformats.org/markup-compatibility/2006" xmlns:mv="urn:schemas-microsoft-com:mac:vml" xmlns:p="http://schemas.openxmlformats.org/presentationml/2006/main" xmlns:c="http://schemas.openxmlformats.org/drawingml/2006/chart" xmlns:dgm="http://schemas.openxmlformats.org/drawingml/2006/diagram" xmlns:o="urn:schemas-microsoft-com:office:office" xmlns:v="urn:schemas-microsoft-com:vml" xmlns:pvml="urn:schemas-microsoft-com:office:powerpoint" xmlns:com="http://schemas.openxmlformats.org/drawingml/2006/compatibility" xmlns:p14="http://schemas.microsoft.com/office/powerpoint/2010/main" xmlns:p15="http://schemas.microsoft.com/office/powerpoint/2012/main" xmlns:ahyp="http://schemas.microsoft.com/office/drawing/2018/hyperlinkcolor">
-  <p:cSld>
-    <p:spTree>
-      <p:nvGrpSpPr>
-        <p:cNvPr id="76" name="Shape 76"/>
-        <p:cNvGrpSpPr/>
-        <p:nvPr/>
-      </p:nvGrpSpPr>
-      <p:grpSpPr>
-        <a:xfrm>
-          <a:off x="0" y="0"/>
-          <a:ext cx="0" cy="0"/>
-          <a:chOff x="0" y="0"/>
-          <a:chExt cx="0" cy="0"/>
-        </a:xfrm>
-      </p:grpSpPr>
-      <p:sp>
-        <p:nvSpPr>
-          <p:cNvPr id="77" name="Google Shape;77;p17"/>
-          <p:cNvSpPr txBox="1"/>
-          <p:nvPr>
-            <p:ph type="title"/>
-          </p:nvPr>
-        </p:nvSpPr>
-        <p:spPr>
-          <a:xfrm>
-            <a:off x="311700" y="445025"/>
-            <a:ext cx="8520600" cy="572700"/>
-          </a:xfrm>
-          <a:prstGeom prst="rect">
-            <a:avLst/>
-          </a:prstGeom>
-        </p:spPr>
-        <p:txBody>
-          <a:bodyPr anchorCtr="0" anchor="t" bIns="91425" lIns="91425" spcFirstLastPara="1" rIns="91425" wrap="square" tIns="91425">
-            <a:normAutofit fontScale="90000"/>
-          </a:bodyPr>
-          <a:lstStyle/>
-          <a:p>
-            <a:pPr indent="0" lvl="0" marL="0" rtl="0" algn="l">
-              <a:spcBef>
-                <a:spcPts val="0"/>
-              </a:spcBef>
-              <a:spcAft>
-                <a:spcPts val="0"/>
-              </a:spcAft>
-              <a:buNone/>
-            </a:pPr>
-            <a:r>
-              <a:rPr lang="en"/>
-              <a:t>Alveo U200</a:t>
-            </a:r>
-            <a:endParaRPr/>
-          </a:p>
-        </p:txBody>
-      </p:sp>
-      <p:sp>
-        <p:nvSpPr>
-          <p:cNvPr id="78" name="Google Shape;78;p17"/>
-          <p:cNvSpPr txBox="1"/>
-          <p:nvPr>
-            <p:ph idx="1" type="body"/>
-          </p:nvPr>
-        </p:nvSpPr>
-        <p:spPr>
-          <a:xfrm>
-            <a:off x="311700" y="1152475"/>
-            <a:ext cx="3999900" cy="3416400"/>
-          </a:xfrm>
-          <a:prstGeom prst="rect">
-            <a:avLst/>
-          </a:prstGeom>
-        </p:spPr>
-        <p:txBody>
-          <a:bodyPr anchorCtr="0" anchor="t" bIns="91425" lIns="91425" spcFirstLastPara="1" rIns="91425" wrap="square" tIns="91425">
-            <a:normAutofit/>
-          </a:bodyPr>
-          <a:lstStyle/>
-          <a:p>
-            <a:pPr indent="0" lvl="0" marL="0" rtl="0" algn="l">
-              <a:spcBef>
-                <a:spcPts val="0"/>
-              </a:spcBef>
-              <a:spcAft>
-                <a:spcPts val="1200"/>
-              </a:spcAft>
-              <a:buNone/>
-            </a:pPr>
-            <a:r>
-              <a:t/>
-            </a:r>
-            <a:endParaRPr/>
-          </a:p>
-        </p:txBody>
-      </p:sp>
-      <p:sp>
-        <p:nvSpPr>
-          <p:cNvPr id="79" name="Google Shape;79;p17"/>
-          <p:cNvSpPr txBox="1"/>
-          <p:nvPr>
-            <p:ph idx="2" type="body"/>
-          </p:nvPr>
-        </p:nvSpPr>
-        <p:spPr>
-          <a:xfrm>
-            <a:off x="4832400" y="1152475"/>
-            <a:ext cx="3999900" cy="3416400"/>
-          </a:xfrm>
-          <a:prstGeom prst="rect">
-            <a:avLst/>
-          </a:prstGeom>
-        </p:spPr>
-        <p:txBody>
-          <a:bodyPr anchorCtr="0" anchor="t" bIns="91425" lIns="91425" spcFirstLastPara="1" rIns="91425" wrap="square" tIns="91425">
-            <a:normAutofit/>
-          </a:bodyPr>
-          <a:lstStyle/>
-          <a:p>
-            <a:pPr indent="-336550" lvl="0" marL="457200" rtl="0" algn="l">
-              <a:spcBef>
-                <a:spcPts val="0"/>
-              </a:spcBef>
-              <a:spcAft>
-                <a:spcPts val="0"/>
-              </a:spcAft>
-              <a:buSzPts val="1700"/>
-              <a:buChar char="●"/>
-            </a:pPr>
-            <a:r>
-              <a:rPr lang="en" sz="1700"/>
-              <a:t>Xilinx 16nm UltraScale™ architecture</a:t>
-            </a:r>
-            <a:endParaRPr sz="1700"/>
-          </a:p>
-          <a:p>
-            <a:pPr indent="-336550" lvl="0" marL="457200" rtl="0" algn="l">
-              <a:spcBef>
-                <a:spcPts val="1000"/>
-              </a:spcBef>
-              <a:spcAft>
-                <a:spcPts val="0"/>
-              </a:spcAft>
-              <a:buSzPts val="1700"/>
-              <a:buChar char="●"/>
-            </a:pPr>
-            <a:r>
-              <a:rPr lang="en" sz="1700"/>
-              <a:t>Adaptable to any workload</a:t>
-            </a:r>
-            <a:endParaRPr sz="1700"/>
-          </a:p>
-          <a:p>
-            <a:pPr indent="-323850" lvl="1" marL="914400" rtl="0" algn="l">
-              <a:spcBef>
-                <a:spcPts val="0"/>
-              </a:spcBef>
-              <a:spcAft>
-                <a:spcPts val="0"/>
-              </a:spcAft>
-              <a:buSzPts val="1500"/>
-              <a:buChar char="○"/>
-            </a:pPr>
-            <a:r>
-              <a:rPr lang="en" sz="1500"/>
-              <a:t>Database Search &amp; Analytics</a:t>
-            </a:r>
-            <a:endParaRPr sz="1500"/>
-          </a:p>
-          <a:p>
-            <a:pPr indent="-323850" lvl="1" marL="914400" rtl="0" algn="l">
-              <a:spcBef>
-                <a:spcPts val="0"/>
-              </a:spcBef>
-              <a:spcAft>
-                <a:spcPts val="0"/>
-              </a:spcAft>
-              <a:buSzPts val="1500"/>
-              <a:buChar char="○"/>
-            </a:pPr>
-            <a:r>
-              <a:rPr lang="en" sz="1500"/>
-              <a:t>Financial Computing</a:t>
-            </a:r>
-            <a:endParaRPr sz="1500"/>
-          </a:p>
-          <a:p>
-            <a:pPr indent="-323850" lvl="1" marL="914400" rtl="0" algn="l">
-              <a:spcBef>
-                <a:spcPts val="0"/>
-              </a:spcBef>
-              <a:spcAft>
-                <a:spcPts val="0"/>
-              </a:spcAft>
-              <a:buSzPts val="1500"/>
-              <a:buChar char="○"/>
-            </a:pPr>
-            <a:r>
-              <a:rPr lang="en" sz="1500"/>
-              <a:t>Machine Learning</a:t>
-            </a:r>
-            <a:endParaRPr sz="1500"/>
-          </a:p>
-          <a:p>
-            <a:pPr indent="-323850" lvl="1" marL="914400" rtl="0" algn="l">
-              <a:spcBef>
-                <a:spcPts val="0"/>
-              </a:spcBef>
-              <a:spcAft>
-                <a:spcPts val="0"/>
-              </a:spcAft>
-              <a:buSzPts val="1500"/>
-              <a:buChar char="○"/>
-            </a:pPr>
-            <a:r>
-              <a:rPr lang="en" sz="1500"/>
-              <a:t>Storage Compression</a:t>
-            </a:r>
-            <a:endParaRPr sz="1500"/>
-          </a:p>
-          <a:p>
-            <a:pPr indent="-323850" lvl="1" marL="914400" rtl="0" algn="l">
-              <a:spcBef>
-                <a:spcPts val="0"/>
-              </a:spcBef>
-              <a:spcAft>
-                <a:spcPts val="0"/>
-              </a:spcAft>
-              <a:buSzPts val="1500"/>
-              <a:buChar char="○"/>
-            </a:pPr>
-            <a:r>
-              <a:rPr lang="en" sz="1500"/>
-              <a:t>Video Processing/Transcoding</a:t>
-            </a:r>
-            <a:endParaRPr sz="1500"/>
-          </a:p>
-          <a:p>
-            <a:pPr indent="-323850" lvl="1" marL="914400" rtl="0" algn="l">
-              <a:spcBef>
-                <a:spcPts val="0"/>
-              </a:spcBef>
-              <a:spcAft>
-                <a:spcPts val="0"/>
-              </a:spcAft>
-              <a:buSzPts val="1500"/>
-              <a:buChar char="○"/>
-            </a:pPr>
-            <a:r>
-              <a:rPr lang="en" sz="1500"/>
-              <a:t>Genomics</a:t>
-            </a:r>
-            <a:endParaRPr sz="2000">
-              <a:solidFill>
-                <a:schemeClr val="dk1"/>
-              </a:solidFill>
-            </a:endParaRPr>
-          </a:p>
-        </p:txBody>
-      </p:sp>
-      <p:pic>
-        <p:nvPicPr>
-          <p:cNvPr id="80" name="Google Shape;80;p17"/>
-          <p:cNvPicPr preferRelativeResize="0"/>
-          <p:nvPr/>
-        </p:nvPicPr>
-        <p:blipFill>
-          <a:blip r:embed="rId3">
-            <a:alphaModFix/>
-          </a:blip>
-          <a:stretch>
-            <a:fillRect/>
-          </a:stretch>
-        </p:blipFill>
-        <p:spPr>
-          <a:xfrm>
-            <a:off x="311700" y="1268713"/>
-            <a:ext cx="3999900" cy="3183923"/>
-          </a:xfrm>
-          <a:prstGeom prst="rect">
-            <a:avLst/>
-          </a:prstGeom>
-          <a:noFill/>
-          <a:ln>
-            <a:noFill/>
-          </a:ln>
-        </p:spPr>
-      </p:pic>
-    </p:spTree>
-  </p:cSld>
-  <p:clrMapOvr>
-    <a:masterClrMapping/>
-  </p:clrMapOvr>
-</p:sld>
-</file>
-
-<file path=ppt/slides/slide50.xml><?xml version="1.0" encoding="utf-8"?>
-<p:sld xmlns:a="http://schemas.openxmlformats.org/drawingml/2006/main" xmlns:r="http://schemas.openxmlformats.org/officeDocument/2006/relationships" xmlns:mc="http://schemas.openxmlformats.org/markup-compatibility/2006" xmlns:mv="urn:schemas-microsoft-com:mac:vml" xmlns:p="http://schemas.openxmlformats.org/presentationml/2006/main" xmlns:c="http://schemas.openxmlformats.org/drawingml/2006/chart" xmlns:dgm="http://schemas.openxmlformats.org/drawingml/2006/diagram" xmlns:o="urn:schemas-microsoft-com:office:office" xmlns:v="urn:schemas-microsoft-com:vml" xmlns:pvml="urn:schemas-microsoft-com:office:powerpoint" xmlns:com="http://schemas.openxmlformats.org/drawingml/2006/compatibility" xmlns:p14="http://schemas.microsoft.com/office/powerpoint/2010/main" xmlns:p15="http://schemas.microsoft.com/office/powerpoint/2012/main" xmlns:ahyp="http://schemas.microsoft.com/office/drawing/2018/hyperlinkcolor">
-  <p:cSld>
-    <p:spTree>
-      <p:nvGrpSpPr>
-        <p:cNvPr id="382" name="Shape 382"/>
-        <p:cNvGrpSpPr/>
-        <p:nvPr/>
-      </p:nvGrpSpPr>
-      <p:grpSpPr>
-        <a:xfrm>
-          <a:off x="0" y="0"/>
-          <a:ext cx="0" cy="0"/>
-          <a:chOff x="0" y="0"/>
-          <a:chExt cx="0" cy="0"/>
-        </a:xfrm>
-      </p:grpSpPr>
-      <p:sp>
-        <p:nvSpPr>
-          <p:cNvPr id="383" name="Google Shape;383;p62"/>
-          <p:cNvSpPr txBox="1"/>
-          <p:nvPr>
-            <p:ph type="title"/>
-          </p:nvPr>
-        </p:nvSpPr>
-        <p:spPr>
-          <a:xfrm>
-            <a:off x="311700" y="445025"/>
-            <a:ext cx="8520600" cy="572700"/>
-          </a:xfrm>
-          <a:prstGeom prst="rect">
-            <a:avLst/>
-          </a:prstGeom>
-        </p:spPr>
-        <p:txBody>
-          <a:bodyPr anchorCtr="0" anchor="t" bIns="91425" lIns="91425" spcFirstLastPara="1" rIns="91425" wrap="square" tIns="91425">
-            <a:normAutofit fontScale="90000"/>
-          </a:bodyPr>
-          <a:lstStyle/>
-          <a:p>
-            <a:pPr indent="0" lvl="0" marL="0" rtl="0" algn="l">
-              <a:spcBef>
-                <a:spcPts val="0"/>
-              </a:spcBef>
-              <a:spcAft>
-                <a:spcPts val="0"/>
-              </a:spcAft>
-              <a:buNone/>
-            </a:pPr>
-            <a:r>
-              <a:rPr lang="en"/>
-              <a:t>5. Deployment: API Levels</a:t>
-            </a:r>
-            <a:endParaRPr/>
-          </a:p>
-        </p:txBody>
-      </p:sp>
-      <p:sp>
-        <p:nvSpPr>
-          <p:cNvPr id="384" name="Google Shape;384;p62"/>
-          <p:cNvSpPr txBox="1"/>
-          <p:nvPr>
-            <p:ph idx="1" type="body"/>
-          </p:nvPr>
-        </p:nvSpPr>
-        <p:spPr>
-          <a:xfrm>
-            <a:off x="311700" y="1152475"/>
-            <a:ext cx="8520600" cy="3416400"/>
-          </a:xfrm>
-          <a:prstGeom prst="rect">
-            <a:avLst/>
-          </a:prstGeom>
-        </p:spPr>
-        <p:txBody>
-          <a:bodyPr anchorCtr="0" anchor="t" bIns="91425" lIns="91425" spcFirstLastPara="1" rIns="91425" wrap="square" tIns="91425">
-            <a:normAutofit/>
-          </a:bodyPr>
-          <a:lstStyle/>
-          <a:p>
-            <a:pPr indent="0" lvl="0" marL="0" rtl="0" algn="l">
-              <a:spcBef>
-                <a:spcPts val="0"/>
-              </a:spcBef>
-              <a:spcAft>
-                <a:spcPts val="1200"/>
-              </a:spcAft>
-              <a:buNone/>
-            </a:pPr>
-            <a:r>
-              <a:t/>
-            </a:r>
-            <a:endParaRPr/>
-          </a:p>
-        </p:txBody>
-      </p:sp>
-      <p:pic>
-        <p:nvPicPr>
-          <p:cNvPr id="385" name="Google Shape;385;p62"/>
-          <p:cNvPicPr preferRelativeResize="0"/>
-          <p:nvPr/>
-        </p:nvPicPr>
-        <p:blipFill>
-          <a:blip r:embed="rId3">
-            <a:alphaModFix/>
-          </a:blip>
-          <a:stretch>
-            <a:fillRect/>
-          </a:stretch>
-        </p:blipFill>
-        <p:spPr>
-          <a:xfrm>
-            <a:off x="921171" y="1628750"/>
-            <a:ext cx="2289075" cy="2635925"/>
-          </a:xfrm>
-          <a:prstGeom prst="rect">
-            <a:avLst/>
-          </a:prstGeom>
-          <a:noFill/>
-          <a:ln>
-            <a:noFill/>
-          </a:ln>
-        </p:spPr>
-      </p:pic>
-      <p:sp>
-        <p:nvSpPr>
-          <p:cNvPr id="386" name="Google Shape;386;p62"/>
-          <p:cNvSpPr/>
-          <p:nvPr/>
-        </p:nvSpPr>
-        <p:spPr>
-          <a:xfrm>
-            <a:off x="3683175" y="3795550"/>
-            <a:ext cx="2878500" cy="405900"/>
-          </a:xfrm>
-          <a:prstGeom prst="rect">
-            <a:avLst/>
-          </a:prstGeom>
-          <a:solidFill>
-            <a:schemeClr val="lt2"/>
-          </a:solidFill>
-          <a:ln cap="flat" cmpd="sng" w="9525">
-            <a:solidFill>
-              <a:schemeClr val="dk2"/>
-            </a:solidFill>
-            <a:prstDash val="solid"/>
-            <a:round/>
-            <a:headEnd len="sm" w="sm" type="none"/>
-            <a:tailEnd len="sm" w="sm" type="none"/>
-          </a:ln>
-        </p:spPr>
-        <p:txBody>
-          <a:bodyPr anchorCtr="0" anchor="ctr" bIns="91425" lIns="91425" spcFirstLastPara="1" rIns="91425" wrap="square" tIns="91425">
-            <a:noAutofit/>
-          </a:bodyPr>
-          <a:lstStyle/>
-          <a:p>
-            <a:pPr indent="0" lvl="0" marL="0" rtl="0" algn="ctr">
-              <a:spcBef>
-                <a:spcPts val="0"/>
-              </a:spcBef>
-              <a:spcAft>
-                <a:spcPts val="0"/>
-              </a:spcAft>
-              <a:buNone/>
-            </a:pPr>
-            <a:r>
-              <a:rPr lang="en" sz="1300"/>
-              <a:t>Host machine</a:t>
-            </a:r>
-            <a:endParaRPr sz="1300"/>
-          </a:p>
-        </p:txBody>
-      </p:sp>
-      <p:sp>
-        <p:nvSpPr>
-          <p:cNvPr id="387" name="Google Shape;387;p62"/>
-          <p:cNvSpPr/>
-          <p:nvPr/>
-        </p:nvSpPr>
-        <p:spPr>
-          <a:xfrm>
-            <a:off x="3210250" y="3965900"/>
-            <a:ext cx="391800" cy="126300"/>
-          </a:xfrm>
-          <a:prstGeom prst="leftArrow">
-            <a:avLst>
-              <a:gd fmla="val 50000" name="adj1"/>
-              <a:gd fmla="val 50000" name="adj2"/>
-            </a:avLst>
-          </a:prstGeom>
-          <a:solidFill>
-            <a:schemeClr val="lt2"/>
-          </a:solidFill>
-          <a:ln cap="flat" cmpd="sng" w="9525">
-            <a:solidFill>
-              <a:schemeClr val="dk2"/>
-            </a:solidFill>
-            <a:prstDash val="solid"/>
-            <a:round/>
-            <a:headEnd len="sm" w="sm" type="none"/>
-            <a:tailEnd len="sm" w="sm" type="none"/>
-          </a:ln>
-        </p:spPr>
-        <p:txBody>
-          <a:bodyPr anchorCtr="0" anchor="ctr" bIns="91425" lIns="91425" spcFirstLastPara="1" rIns="91425" wrap="square" tIns="91425">
-            <a:noAutofit/>
-          </a:bodyPr>
-          <a:lstStyle/>
-          <a:p>
-            <a:pPr indent="0" lvl="0" marL="0" rtl="0" algn="l">
-              <a:spcBef>
-                <a:spcPts val="0"/>
-              </a:spcBef>
-              <a:spcAft>
-                <a:spcPts val="0"/>
-              </a:spcAft>
-              <a:buNone/>
-            </a:pPr>
-            <a:r>
-              <a:t/>
-            </a:r>
-            <a:endParaRPr/>
-          </a:p>
-        </p:txBody>
-      </p:sp>
-      <p:sp>
-        <p:nvSpPr>
-          <p:cNvPr id="388" name="Google Shape;388;p62"/>
-          <p:cNvSpPr/>
-          <p:nvPr/>
-        </p:nvSpPr>
-        <p:spPr>
-          <a:xfrm>
-            <a:off x="3683175" y="3054525"/>
-            <a:ext cx="2923800" cy="405900"/>
-          </a:xfrm>
-          <a:prstGeom prst="rect">
-            <a:avLst/>
-          </a:prstGeom>
-          <a:solidFill>
-            <a:schemeClr val="lt2"/>
-          </a:solidFill>
-          <a:ln cap="flat" cmpd="sng" w="9525">
-            <a:solidFill>
-              <a:schemeClr val="dk2"/>
-            </a:solidFill>
-            <a:prstDash val="solid"/>
-            <a:round/>
-            <a:headEnd len="sm" w="sm" type="none"/>
-            <a:tailEnd len="sm" w="sm" type="none"/>
-          </a:ln>
-        </p:spPr>
-        <p:txBody>
-          <a:bodyPr anchorCtr="0" anchor="ctr" bIns="91425" lIns="91425" spcFirstLastPara="1" rIns="91425" wrap="square" tIns="91425">
-            <a:noAutofit/>
-          </a:bodyPr>
-          <a:lstStyle/>
-          <a:p>
-            <a:pPr indent="0" lvl="0" marL="0" rtl="0" algn="ctr">
-              <a:spcBef>
-                <a:spcPts val="0"/>
-              </a:spcBef>
-              <a:spcAft>
-                <a:spcPts val="0"/>
-              </a:spcAft>
-              <a:buNone/>
-            </a:pPr>
-            <a:r>
-              <a:rPr lang="en" sz="1300"/>
-              <a:t>When creating a complete new model</a:t>
-            </a:r>
-            <a:endParaRPr sz="1300"/>
-          </a:p>
-        </p:txBody>
-      </p:sp>
-      <p:sp>
-        <p:nvSpPr>
-          <p:cNvPr id="389" name="Google Shape;389;p62"/>
-          <p:cNvSpPr/>
-          <p:nvPr/>
-        </p:nvSpPr>
-        <p:spPr>
-          <a:xfrm>
-            <a:off x="3210250" y="3224950"/>
-            <a:ext cx="391800" cy="126300"/>
-          </a:xfrm>
-          <a:prstGeom prst="leftArrow">
-            <a:avLst>
-              <a:gd fmla="val 50000" name="adj1"/>
-              <a:gd fmla="val 50000" name="adj2"/>
-            </a:avLst>
-          </a:prstGeom>
-          <a:solidFill>
-            <a:schemeClr val="lt2"/>
-          </a:solidFill>
-          <a:ln cap="flat" cmpd="sng" w="9525">
-            <a:solidFill>
-              <a:schemeClr val="dk2"/>
-            </a:solidFill>
-            <a:prstDash val="solid"/>
-            <a:round/>
-            <a:headEnd len="sm" w="sm" type="none"/>
-            <a:tailEnd len="sm" w="sm" type="none"/>
-          </a:ln>
-        </p:spPr>
-        <p:txBody>
-          <a:bodyPr anchorCtr="0" anchor="ctr" bIns="91425" lIns="91425" spcFirstLastPara="1" rIns="91425" wrap="square" tIns="91425">
-            <a:noAutofit/>
-          </a:bodyPr>
-          <a:lstStyle/>
-          <a:p>
-            <a:pPr indent="0" lvl="0" marL="0" rtl="0" algn="l">
-              <a:spcBef>
-                <a:spcPts val="0"/>
-              </a:spcBef>
-              <a:spcAft>
-                <a:spcPts val="0"/>
-              </a:spcAft>
-              <a:buNone/>
-            </a:pPr>
-            <a:r>
-              <a:t/>
-            </a:r>
-            <a:endParaRPr/>
-          </a:p>
-        </p:txBody>
-      </p:sp>
-    </p:spTree>
-  </p:cSld>
-  <p:clrMapOvr>
-    <a:masterClrMapping/>
-  </p:clrMapOvr>
-</p:sld>
-</file>
-
-<file path=ppt/slides/slide51.xml><?xml version="1.0" encoding="utf-8"?>
-<p:sld xmlns:a="http://schemas.openxmlformats.org/drawingml/2006/main" xmlns:r="http://schemas.openxmlformats.org/officeDocument/2006/relationships" xmlns:mc="http://schemas.openxmlformats.org/markup-compatibility/2006" xmlns:mv="urn:schemas-microsoft-com:mac:vml" xmlns:p="http://schemas.openxmlformats.org/presentationml/2006/main" xmlns:c="http://schemas.openxmlformats.org/drawingml/2006/chart" xmlns:dgm="http://schemas.openxmlformats.org/drawingml/2006/diagram" xmlns:o="urn:schemas-microsoft-com:office:office" xmlns:v="urn:schemas-microsoft-com:vml" xmlns:pvml="urn:schemas-microsoft-com:office:powerpoint" xmlns:com="http://schemas.openxmlformats.org/drawingml/2006/compatibility" xmlns:p14="http://schemas.microsoft.com/office/powerpoint/2010/main" xmlns:p15="http://schemas.microsoft.com/office/powerpoint/2012/main" xmlns:ahyp="http://schemas.microsoft.com/office/drawing/2018/hyperlinkcolor">
-  <p:cSld>
-    <p:spTree>
-      <p:nvGrpSpPr>
-        <p:cNvPr id="393" name="Shape 393"/>
-        <p:cNvGrpSpPr/>
-        <p:nvPr/>
-      </p:nvGrpSpPr>
-      <p:grpSpPr>
-        <a:xfrm>
-          <a:off x="0" y="0"/>
-          <a:ext cx="0" cy="0"/>
-          <a:chOff x="0" y="0"/>
-          <a:chExt cx="0" cy="0"/>
-        </a:xfrm>
-      </p:grpSpPr>
-      <p:sp>
-        <p:nvSpPr>
-          <p:cNvPr id="394" name="Google Shape;394;p63"/>
-          <p:cNvSpPr txBox="1"/>
-          <p:nvPr>
-            <p:ph type="title"/>
-          </p:nvPr>
-        </p:nvSpPr>
-        <p:spPr>
-          <a:xfrm>
-            <a:off x="311700" y="445025"/>
-            <a:ext cx="8520600" cy="572700"/>
-          </a:xfrm>
-          <a:prstGeom prst="rect">
-            <a:avLst/>
-          </a:prstGeom>
-        </p:spPr>
-        <p:txBody>
-          <a:bodyPr anchorCtr="0" anchor="t" bIns="91425" lIns="91425" spcFirstLastPara="1" rIns="91425" wrap="square" tIns="91425">
-            <a:normAutofit fontScale="90000"/>
-          </a:bodyPr>
-          <a:lstStyle/>
-          <a:p>
-            <a:pPr indent="0" lvl="0" marL="0" rtl="0" algn="l">
-              <a:spcBef>
-                <a:spcPts val="0"/>
-              </a:spcBef>
-              <a:spcAft>
-                <a:spcPts val="0"/>
-              </a:spcAft>
-              <a:buNone/>
-            </a:pPr>
-            <a:r>
-              <a:rPr lang="en"/>
-              <a:t>5. Deployment: API Levels</a:t>
-            </a:r>
-            <a:endParaRPr/>
-          </a:p>
-        </p:txBody>
-      </p:sp>
-      <p:sp>
-        <p:nvSpPr>
-          <p:cNvPr id="395" name="Google Shape;395;p63"/>
-          <p:cNvSpPr txBox="1"/>
-          <p:nvPr>
-            <p:ph idx="1" type="body"/>
-          </p:nvPr>
-        </p:nvSpPr>
-        <p:spPr>
-          <a:xfrm>
-            <a:off x="311700" y="1152475"/>
-            <a:ext cx="8520600" cy="3416400"/>
-          </a:xfrm>
-          <a:prstGeom prst="rect">
-            <a:avLst/>
-          </a:prstGeom>
-        </p:spPr>
-        <p:txBody>
-          <a:bodyPr anchorCtr="0" anchor="t" bIns="91425" lIns="91425" spcFirstLastPara="1" rIns="91425" wrap="square" tIns="91425">
-            <a:normAutofit/>
-          </a:bodyPr>
-          <a:lstStyle/>
-          <a:p>
-            <a:pPr indent="0" lvl="0" marL="0" rtl="0" algn="l">
-              <a:spcBef>
-                <a:spcPts val="0"/>
-              </a:spcBef>
-              <a:spcAft>
-                <a:spcPts val="1200"/>
-              </a:spcAft>
-              <a:buNone/>
-            </a:pPr>
-            <a:r>
-              <a:t/>
-            </a:r>
-            <a:endParaRPr/>
-          </a:p>
-        </p:txBody>
-      </p:sp>
-      <p:pic>
-        <p:nvPicPr>
-          <p:cNvPr id="396" name="Google Shape;396;p63"/>
-          <p:cNvPicPr preferRelativeResize="0"/>
-          <p:nvPr/>
-        </p:nvPicPr>
-        <p:blipFill>
-          <a:blip r:embed="rId3">
-            <a:alphaModFix/>
-          </a:blip>
-          <a:stretch>
-            <a:fillRect/>
-          </a:stretch>
-        </p:blipFill>
-        <p:spPr>
-          <a:xfrm>
-            <a:off x="921171" y="1628750"/>
-            <a:ext cx="2289075" cy="2635925"/>
-          </a:xfrm>
-          <a:prstGeom prst="rect">
-            <a:avLst/>
-          </a:prstGeom>
-          <a:noFill/>
-          <a:ln>
-            <a:noFill/>
-          </a:ln>
-        </p:spPr>
-      </p:pic>
-      <p:sp>
-        <p:nvSpPr>
-          <p:cNvPr id="397" name="Google Shape;397;p63"/>
-          <p:cNvSpPr/>
-          <p:nvPr/>
-        </p:nvSpPr>
-        <p:spPr>
-          <a:xfrm>
-            <a:off x="3683175" y="3795550"/>
-            <a:ext cx="2878500" cy="405900"/>
-          </a:xfrm>
-          <a:prstGeom prst="rect">
-            <a:avLst/>
-          </a:prstGeom>
-          <a:solidFill>
-            <a:schemeClr val="lt2"/>
-          </a:solidFill>
-          <a:ln cap="flat" cmpd="sng" w="9525">
-            <a:solidFill>
-              <a:schemeClr val="dk2"/>
-            </a:solidFill>
-            <a:prstDash val="solid"/>
-            <a:round/>
-            <a:headEnd len="sm" w="sm" type="none"/>
-            <a:tailEnd len="sm" w="sm" type="none"/>
-          </a:ln>
-        </p:spPr>
-        <p:txBody>
-          <a:bodyPr anchorCtr="0" anchor="ctr" bIns="91425" lIns="91425" spcFirstLastPara="1" rIns="91425" wrap="square" tIns="91425">
-            <a:noAutofit/>
-          </a:bodyPr>
-          <a:lstStyle/>
-          <a:p>
-            <a:pPr indent="0" lvl="0" marL="0" rtl="0" algn="ctr">
-              <a:spcBef>
-                <a:spcPts val="0"/>
-              </a:spcBef>
-              <a:spcAft>
-                <a:spcPts val="0"/>
-              </a:spcAft>
-              <a:buNone/>
-            </a:pPr>
-            <a:r>
-              <a:rPr lang="en" sz="1300"/>
-              <a:t>Host machine</a:t>
-            </a:r>
-            <a:endParaRPr sz="1300"/>
-          </a:p>
-        </p:txBody>
-      </p:sp>
-      <p:sp>
-        <p:nvSpPr>
-          <p:cNvPr id="398" name="Google Shape;398;p63"/>
-          <p:cNvSpPr/>
-          <p:nvPr/>
-        </p:nvSpPr>
-        <p:spPr>
-          <a:xfrm>
-            <a:off x="3210250" y="3965900"/>
-            <a:ext cx="391800" cy="126300"/>
-          </a:xfrm>
-          <a:prstGeom prst="leftArrow">
-            <a:avLst>
-              <a:gd fmla="val 50000" name="adj1"/>
-              <a:gd fmla="val 50000" name="adj2"/>
-            </a:avLst>
-          </a:prstGeom>
-          <a:solidFill>
-            <a:schemeClr val="lt2"/>
-          </a:solidFill>
-          <a:ln cap="flat" cmpd="sng" w="9525">
-            <a:solidFill>
-              <a:schemeClr val="dk2"/>
-            </a:solidFill>
-            <a:prstDash val="solid"/>
-            <a:round/>
-            <a:headEnd len="sm" w="sm" type="none"/>
-            <a:tailEnd len="sm" w="sm" type="none"/>
-          </a:ln>
-        </p:spPr>
-        <p:txBody>
-          <a:bodyPr anchorCtr="0" anchor="ctr" bIns="91425" lIns="91425" spcFirstLastPara="1" rIns="91425" wrap="square" tIns="91425">
-            <a:noAutofit/>
-          </a:bodyPr>
-          <a:lstStyle/>
-          <a:p>
-            <a:pPr indent="0" lvl="0" marL="0" rtl="0" algn="l">
-              <a:spcBef>
-                <a:spcPts val="0"/>
-              </a:spcBef>
-              <a:spcAft>
-                <a:spcPts val="0"/>
-              </a:spcAft>
-              <a:buNone/>
-            </a:pPr>
-            <a:r>
-              <a:t/>
-            </a:r>
-            <a:endParaRPr/>
-          </a:p>
-        </p:txBody>
-      </p:sp>
-      <p:sp>
-        <p:nvSpPr>
-          <p:cNvPr id="399" name="Google Shape;399;p63"/>
-          <p:cNvSpPr/>
-          <p:nvPr/>
-        </p:nvSpPr>
-        <p:spPr>
-          <a:xfrm>
-            <a:off x="3683175" y="3054525"/>
-            <a:ext cx="2923800" cy="405900"/>
-          </a:xfrm>
-          <a:prstGeom prst="rect">
-            <a:avLst/>
-          </a:prstGeom>
-          <a:solidFill>
-            <a:schemeClr val="lt2"/>
-          </a:solidFill>
-          <a:ln cap="flat" cmpd="sng" w="9525">
-            <a:solidFill>
-              <a:schemeClr val="dk2"/>
-            </a:solidFill>
-            <a:prstDash val="solid"/>
-            <a:round/>
-            <a:headEnd len="sm" w="sm" type="none"/>
-            <a:tailEnd len="sm" w="sm" type="none"/>
-          </a:ln>
-        </p:spPr>
-        <p:txBody>
-          <a:bodyPr anchorCtr="0" anchor="ctr" bIns="91425" lIns="91425" spcFirstLastPara="1" rIns="91425" wrap="square" tIns="91425">
-            <a:noAutofit/>
-          </a:bodyPr>
-          <a:lstStyle/>
-          <a:p>
-            <a:pPr indent="0" lvl="0" marL="0" rtl="0" algn="ctr">
-              <a:spcBef>
-                <a:spcPts val="0"/>
-              </a:spcBef>
-              <a:spcAft>
-                <a:spcPts val="0"/>
-              </a:spcAft>
-              <a:buNone/>
-            </a:pPr>
-            <a:r>
-              <a:rPr lang="en" sz="1300"/>
-              <a:t>When creating a complete new model</a:t>
-            </a:r>
-            <a:endParaRPr sz="1300"/>
-          </a:p>
-        </p:txBody>
-      </p:sp>
-      <p:sp>
-        <p:nvSpPr>
-          <p:cNvPr id="400" name="Google Shape;400;p63"/>
-          <p:cNvSpPr/>
-          <p:nvPr/>
-        </p:nvSpPr>
-        <p:spPr>
-          <a:xfrm>
-            <a:off x="3210250" y="3224950"/>
-            <a:ext cx="391800" cy="126300"/>
-          </a:xfrm>
-          <a:prstGeom prst="leftArrow">
-            <a:avLst>
-              <a:gd fmla="val 50000" name="adj1"/>
-              <a:gd fmla="val 50000" name="adj2"/>
-            </a:avLst>
-          </a:prstGeom>
-          <a:solidFill>
-            <a:schemeClr val="lt2"/>
-          </a:solidFill>
-          <a:ln cap="flat" cmpd="sng" w="9525">
-            <a:solidFill>
-              <a:schemeClr val="dk2"/>
-            </a:solidFill>
-            <a:prstDash val="solid"/>
-            <a:round/>
-            <a:headEnd len="sm" w="sm" type="none"/>
-            <a:tailEnd len="sm" w="sm" type="none"/>
-          </a:ln>
-        </p:spPr>
-        <p:txBody>
-          <a:bodyPr anchorCtr="0" anchor="ctr" bIns="91425" lIns="91425" spcFirstLastPara="1" rIns="91425" wrap="square" tIns="91425">
-            <a:noAutofit/>
-          </a:bodyPr>
-          <a:lstStyle/>
-          <a:p>
-            <a:pPr indent="0" lvl="0" marL="0" rtl="0" algn="l">
-              <a:spcBef>
-                <a:spcPts val="0"/>
-              </a:spcBef>
-              <a:spcAft>
-                <a:spcPts val="0"/>
-              </a:spcAft>
-              <a:buNone/>
-            </a:pPr>
-            <a:r>
-              <a:t/>
-            </a:r>
-            <a:endParaRPr/>
-          </a:p>
-        </p:txBody>
-      </p:sp>
-      <p:sp>
-        <p:nvSpPr>
-          <p:cNvPr id="401" name="Google Shape;401;p63"/>
-          <p:cNvSpPr/>
-          <p:nvPr/>
-        </p:nvSpPr>
-        <p:spPr>
-          <a:xfrm>
-            <a:off x="3683175" y="2368725"/>
-            <a:ext cx="2923800" cy="405900"/>
-          </a:xfrm>
-          <a:prstGeom prst="rect">
-            <a:avLst/>
-          </a:prstGeom>
-          <a:solidFill>
-            <a:schemeClr val="lt2"/>
-          </a:solidFill>
-          <a:ln cap="flat" cmpd="sng" w="9525">
-            <a:solidFill>
-              <a:schemeClr val="dk2"/>
-            </a:solidFill>
-            <a:prstDash val="solid"/>
-            <a:round/>
-            <a:headEnd len="sm" w="sm" type="none"/>
-            <a:tailEnd len="sm" w="sm" type="none"/>
-          </a:ln>
-        </p:spPr>
-        <p:txBody>
-          <a:bodyPr anchorCtr="0" anchor="ctr" bIns="91425" lIns="91425" spcFirstLastPara="1" rIns="91425" wrap="square" tIns="91425">
-            <a:noAutofit/>
-          </a:bodyPr>
-          <a:lstStyle/>
-          <a:p>
-            <a:pPr indent="0" lvl="0" marL="0" rtl="0" algn="ctr">
-              <a:spcBef>
-                <a:spcPts val="0"/>
-              </a:spcBef>
-              <a:spcAft>
-                <a:spcPts val="0"/>
-              </a:spcAft>
-              <a:buNone/>
-            </a:pPr>
-            <a:r>
-              <a:rPr lang="en" sz="1300"/>
-              <a:t>When creating a complete new model (no preprocess needed)</a:t>
-            </a:r>
-            <a:endParaRPr sz="1300"/>
-          </a:p>
-        </p:txBody>
-      </p:sp>
-      <p:sp>
-        <p:nvSpPr>
-          <p:cNvPr id="402" name="Google Shape;402;p63"/>
-          <p:cNvSpPr/>
-          <p:nvPr/>
-        </p:nvSpPr>
-        <p:spPr>
-          <a:xfrm>
-            <a:off x="3210250" y="2539150"/>
-            <a:ext cx="391800" cy="126300"/>
-          </a:xfrm>
-          <a:prstGeom prst="leftArrow">
-            <a:avLst>
-              <a:gd fmla="val 50000" name="adj1"/>
-              <a:gd fmla="val 50000" name="adj2"/>
-            </a:avLst>
-          </a:prstGeom>
-          <a:solidFill>
-            <a:schemeClr val="lt2"/>
-          </a:solidFill>
-          <a:ln cap="flat" cmpd="sng" w="9525">
-            <a:solidFill>
-              <a:schemeClr val="dk2"/>
-            </a:solidFill>
-            <a:prstDash val="solid"/>
-            <a:round/>
-            <a:headEnd len="sm" w="sm" type="none"/>
-            <a:tailEnd len="sm" w="sm" type="none"/>
-          </a:ln>
-        </p:spPr>
-        <p:txBody>
-          <a:bodyPr anchorCtr="0" anchor="ctr" bIns="91425" lIns="91425" spcFirstLastPara="1" rIns="91425" wrap="square" tIns="91425">
-            <a:noAutofit/>
-          </a:bodyPr>
-          <a:lstStyle/>
-          <a:p>
-            <a:pPr indent="0" lvl="0" marL="0" rtl="0" algn="l">
-              <a:spcBef>
-                <a:spcPts val="0"/>
-              </a:spcBef>
-              <a:spcAft>
-                <a:spcPts val="0"/>
-              </a:spcAft>
-              <a:buNone/>
-            </a:pPr>
-            <a:r>
-              <a:t/>
-            </a:r>
-            <a:endParaRPr/>
-          </a:p>
-        </p:txBody>
-      </p:sp>
-    </p:spTree>
-  </p:cSld>
-  <p:clrMapOvr>
-    <a:masterClrMapping/>
-  </p:clrMapOvr>
-</p:sld>
-</file>
-
-<file path=ppt/slides/slide52.xml><?xml version="1.0" encoding="utf-8"?>
-<p:sld xmlns:a="http://schemas.openxmlformats.org/drawingml/2006/main" xmlns:r="http://schemas.openxmlformats.org/officeDocument/2006/relationships" xmlns:mc="http://schemas.openxmlformats.org/markup-compatibility/2006" xmlns:mv="urn:schemas-microsoft-com:mac:vml" xmlns:p="http://schemas.openxmlformats.org/presentationml/2006/main" xmlns:c="http://schemas.openxmlformats.org/drawingml/2006/chart" xmlns:dgm="http://schemas.openxmlformats.org/drawingml/2006/diagram" xmlns:o="urn:schemas-microsoft-com:office:office" xmlns:v="urn:schemas-microsoft-com:vml" xmlns:pvml="urn:schemas-microsoft-com:office:powerpoint" xmlns:com="http://schemas.openxmlformats.org/drawingml/2006/compatibility" xmlns:p14="http://schemas.microsoft.com/office/powerpoint/2010/main" xmlns:p15="http://schemas.microsoft.com/office/powerpoint/2012/main" xmlns:ahyp="http://schemas.microsoft.com/office/drawing/2018/hyperlinkcolor">
-  <p:cSld>
-    <p:spTree>
-      <p:nvGrpSpPr>
-        <p:cNvPr id="406" name="Shape 406"/>
-        <p:cNvGrpSpPr/>
-        <p:nvPr/>
-      </p:nvGrpSpPr>
-      <p:grpSpPr>
-        <a:xfrm>
-          <a:off x="0" y="0"/>
-          <a:ext cx="0" cy="0"/>
-          <a:chOff x="0" y="0"/>
-          <a:chExt cx="0" cy="0"/>
-        </a:xfrm>
-      </p:grpSpPr>
-      <p:sp>
-        <p:nvSpPr>
-          <p:cNvPr id="407" name="Google Shape;407;p64"/>
-          <p:cNvSpPr txBox="1"/>
-          <p:nvPr>
-            <p:ph type="title"/>
-          </p:nvPr>
-        </p:nvSpPr>
-        <p:spPr>
-          <a:xfrm>
-            <a:off x="311700" y="445025"/>
-            <a:ext cx="8520600" cy="572700"/>
-          </a:xfrm>
-          <a:prstGeom prst="rect">
-            <a:avLst/>
-          </a:prstGeom>
-        </p:spPr>
-        <p:txBody>
-          <a:bodyPr anchorCtr="0" anchor="t" bIns="91425" lIns="91425" spcFirstLastPara="1" rIns="91425" wrap="square" tIns="91425">
-            <a:normAutofit fontScale="90000"/>
-          </a:bodyPr>
-          <a:lstStyle/>
-          <a:p>
-            <a:pPr indent="0" lvl="0" marL="0" rtl="0" algn="l">
-              <a:spcBef>
-                <a:spcPts val="0"/>
-              </a:spcBef>
-              <a:spcAft>
-                <a:spcPts val="0"/>
-              </a:spcAft>
-              <a:buNone/>
-            </a:pPr>
-            <a:r>
-              <a:rPr lang="en"/>
-              <a:t>5. Deployment: API Levels</a:t>
-            </a:r>
-            <a:endParaRPr/>
-          </a:p>
-        </p:txBody>
-      </p:sp>
-      <p:sp>
-        <p:nvSpPr>
-          <p:cNvPr id="408" name="Google Shape;408;p64"/>
-          <p:cNvSpPr txBox="1"/>
-          <p:nvPr>
-            <p:ph idx="1" type="body"/>
-          </p:nvPr>
-        </p:nvSpPr>
-        <p:spPr>
-          <a:xfrm>
-            <a:off x="311700" y="1152475"/>
-            <a:ext cx="8520600" cy="3416400"/>
-          </a:xfrm>
-          <a:prstGeom prst="rect">
-            <a:avLst/>
-          </a:prstGeom>
-        </p:spPr>
-        <p:txBody>
-          <a:bodyPr anchorCtr="0" anchor="t" bIns="91425" lIns="91425" spcFirstLastPara="1" rIns="91425" wrap="square" tIns="91425">
-            <a:normAutofit/>
-          </a:bodyPr>
-          <a:lstStyle/>
-          <a:p>
-            <a:pPr indent="0" lvl="0" marL="0" rtl="0" algn="l">
-              <a:spcBef>
-                <a:spcPts val="0"/>
-              </a:spcBef>
-              <a:spcAft>
-                <a:spcPts val="1200"/>
-              </a:spcAft>
-              <a:buNone/>
-            </a:pPr>
-            <a:r>
-              <a:t/>
-            </a:r>
-            <a:endParaRPr/>
-          </a:p>
-        </p:txBody>
-      </p:sp>
-      <p:pic>
-        <p:nvPicPr>
-          <p:cNvPr id="409" name="Google Shape;409;p64"/>
-          <p:cNvPicPr preferRelativeResize="0"/>
-          <p:nvPr/>
-        </p:nvPicPr>
-        <p:blipFill>
-          <a:blip r:embed="rId3">
-            <a:alphaModFix/>
-          </a:blip>
-          <a:stretch>
-            <a:fillRect/>
-          </a:stretch>
-        </p:blipFill>
-        <p:spPr>
-          <a:xfrm>
-            <a:off x="921171" y="1628750"/>
-            <a:ext cx="2289075" cy="2635925"/>
-          </a:xfrm>
-          <a:prstGeom prst="rect">
-            <a:avLst/>
-          </a:prstGeom>
-          <a:noFill/>
-          <a:ln>
-            <a:noFill/>
-          </a:ln>
-        </p:spPr>
-      </p:pic>
-      <p:sp>
-        <p:nvSpPr>
-          <p:cNvPr id="410" name="Google Shape;410;p64"/>
-          <p:cNvSpPr/>
-          <p:nvPr/>
-        </p:nvSpPr>
-        <p:spPr>
-          <a:xfrm>
-            <a:off x="3683175" y="3795550"/>
-            <a:ext cx="2878500" cy="405900"/>
-          </a:xfrm>
-          <a:prstGeom prst="rect">
-            <a:avLst/>
-          </a:prstGeom>
-          <a:solidFill>
-            <a:schemeClr val="lt2"/>
-          </a:solidFill>
-          <a:ln cap="flat" cmpd="sng" w="9525">
-            <a:solidFill>
-              <a:schemeClr val="dk2"/>
-            </a:solidFill>
-            <a:prstDash val="solid"/>
-            <a:round/>
-            <a:headEnd len="sm" w="sm" type="none"/>
-            <a:tailEnd len="sm" w="sm" type="none"/>
-          </a:ln>
-        </p:spPr>
-        <p:txBody>
-          <a:bodyPr anchorCtr="0" anchor="ctr" bIns="91425" lIns="91425" spcFirstLastPara="1" rIns="91425" wrap="square" tIns="91425">
-            <a:noAutofit/>
-          </a:bodyPr>
-          <a:lstStyle/>
-          <a:p>
-            <a:pPr indent="0" lvl="0" marL="0" rtl="0" algn="ctr">
-              <a:spcBef>
-                <a:spcPts val="0"/>
-              </a:spcBef>
-              <a:spcAft>
-                <a:spcPts val="0"/>
-              </a:spcAft>
-              <a:buNone/>
-            </a:pPr>
-            <a:r>
-              <a:rPr lang="en" sz="1300"/>
-              <a:t>Host machine</a:t>
-            </a:r>
-            <a:endParaRPr sz="1300"/>
-          </a:p>
-        </p:txBody>
-      </p:sp>
-      <p:sp>
-        <p:nvSpPr>
-          <p:cNvPr id="411" name="Google Shape;411;p64"/>
-          <p:cNvSpPr/>
-          <p:nvPr/>
-        </p:nvSpPr>
-        <p:spPr>
-          <a:xfrm>
-            <a:off x="3210250" y="3965900"/>
-            <a:ext cx="391800" cy="126300"/>
-          </a:xfrm>
-          <a:prstGeom prst="leftArrow">
-            <a:avLst>
-              <a:gd fmla="val 50000" name="adj1"/>
-              <a:gd fmla="val 50000" name="adj2"/>
-            </a:avLst>
-          </a:prstGeom>
-          <a:solidFill>
-            <a:schemeClr val="lt2"/>
-          </a:solidFill>
-          <a:ln cap="flat" cmpd="sng" w="9525">
-            <a:solidFill>
-              <a:schemeClr val="dk2"/>
-            </a:solidFill>
-            <a:prstDash val="solid"/>
-            <a:round/>
-            <a:headEnd len="sm" w="sm" type="none"/>
-            <a:tailEnd len="sm" w="sm" type="none"/>
-          </a:ln>
-        </p:spPr>
-        <p:txBody>
-          <a:bodyPr anchorCtr="0" anchor="ctr" bIns="91425" lIns="91425" spcFirstLastPara="1" rIns="91425" wrap="square" tIns="91425">
-            <a:noAutofit/>
-          </a:bodyPr>
-          <a:lstStyle/>
-          <a:p>
-            <a:pPr indent="0" lvl="0" marL="0" rtl="0" algn="l">
-              <a:spcBef>
-                <a:spcPts val="0"/>
-              </a:spcBef>
-              <a:spcAft>
-                <a:spcPts val="0"/>
-              </a:spcAft>
-              <a:buNone/>
-            </a:pPr>
-            <a:r>
-              <a:t/>
-            </a:r>
-            <a:endParaRPr/>
-          </a:p>
-        </p:txBody>
-      </p:sp>
-      <p:sp>
-        <p:nvSpPr>
-          <p:cNvPr id="412" name="Google Shape;412;p64"/>
-          <p:cNvSpPr/>
-          <p:nvPr/>
-        </p:nvSpPr>
-        <p:spPr>
-          <a:xfrm>
-            <a:off x="3683175" y="3054525"/>
-            <a:ext cx="2923800" cy="405900"/>
-          </a:xfrm>
-          <a:prstGeom prst="rect">
-            <a:avLst/>
-          </a:prstGeom>
-          <a:solidFill>
-            <a:schemeClr val="lt2"/>
-          </a:solidFill>
-          <a:ln cap="flat" cmpd="sng" w="9525">
-            <a:solidFill>
-              <a:schemeClr val="dk2"/>
-            </a:solidFill>
-            <a:prstDash val="solid"/>
-            <a:round/>
-            <a:headEnd len="sm" w="sm" type="none"/>
-            <a:tailEnd len="sm" w="sm" type="none"/>
-          </a:ln>
-        </p:spPr>
-        <p:txBody>
-          <a:bodyPr anchorCtr="0" anchor="ctr" bIns="91425" lIns="91425" spcFirstLastPara="1" rIns="91425" wrap="square" tIns="91425">
-            <a:noAutofit/>
-          </a:bodyPr>
-          <a:lstStyle/>
-          <a:p>
-            <a:pPr indent="0" lvl="0" marL="0" rtl="0" algn="ctr">
-              <a:spcBef>
-                <a:spcPts val="0"/>
-              </a:spcBef>
-              <a:spcAft>
-                <a:spcPts val="0"/>
-              </a:spcAft>
-              <a:buNone/>
-            </a:pPr>
-            <a:r>
-              <a:rPr lang="en" sz="1300"/>
-              <a:t>When creating a complete new model</a:t>
-            </a:r>
-            <a:endParaRPr sz="1300"/>
-          </a:p>
-        </p:txBody>
-      </p:sp>
-      <p:sp>
-        <p:nvSpPr>
-          <p:cNvPr id="413" name="Google Shape;413;p64"/>
-          <p:cNvSpPr/>
-          <p:nvPr/>
-        </p:nvSpPr>
-        <p:spPr>
-          <a:xfrm>
-            <a:off x="3210250" y="3224950"/>
-            <a:ext cx="391800" cy="126300"/>
-          </a:xfrm>
-          <a:prstGeom prst="leftArrow">
-            <a:avLst>
-              <a:gd fmla="val 50000" name="adj1"/>
-              <a:gd fmla="val 50000" name="adj2"/>
-            </a:avLst>
-          </a:prstGeom>
-          <a:solidFill>
-            <a:schemeClr val="lt2"/>
-          </a:solidFill>
-          <a:ln cap="flat" cmpd="sng" w="9525">
-            <a:solidFill>
-              <a:schemeClr val="dk2"/>
-            </a:solidFill>
-            <a:prstDash val="solid"/>
-            <a:round/>
-            <a:headEnd len="sm" w="sm" type="none"/>
-            <a:tailEnd len="sm" w="sm" type="none"/>
-          </a:ln>
-        </p:spPr>
-        <p:txBody>
-          <a:bodyPr anchorCtr="0" anchor="ctr" bIns="91425" lIns="91425" spcFirstLastPara="1" rIns="91425" wrap="square" tIns="91425">
-            <a:noAutofit/>
-          </a:bodyPr>
-          <a:lstStyle/>
-          <a:p>
-            <a:pPr indent="0" lvl="0" marL="0" rtl="0" algn="l">
-              <a:spcBef>
-                <a:spcPts val="0"/>
-              </a:spcBef>
-              <a:spcAft>
-                <a:spcPts val="0"/>
-              </a:spcAft>
-              <a:buNone/>
-            </a:pPr>
-            <a:r>
-              <a:t/>
-            </a:r>
-            <a:endParaRPr/>
-          </a:p>
-        </p:txBody>
-      </p:sp>
-      <p:sp>
-        <p:nvSpPr>
-          <p:cNvPr id="414" name="Google Shape;414;p64"/>
-          <p:cNvSpPr/>
-          <p:nvPr/>
-        </p:nvSpPr>
-        <p:spPr>
-          <a:xfrm>
-            <a:off x="3683175" y="2368725"/>
-            <a:ext cx="2923800" cy="405900"/>
-          </a:xfrm>
-          <a:prstGeom prst="rect">
-            <a:avLst/>
-          </a:prstGeom>
-          <a:solidFill>
-            <a:schemeClr val="lt2"/>
-          </a:solidFill>
-          <a:ln cap="flat" cmpd="sng" w="9525">
-            <a:solidFill>
-              <a:schemeClr val="dk2"/>
-            </a:solidFill>
-            <a:prstDash val="solid"/>
-            <a:round/>
-            <a:headEnd len="sm" w="sm" type="none"/>
-            <a:tailEnd len="sm" w="sm" type="none"/>
-          </a:ln>
-        </p:spPr>
-        <p:txBody>
-          <a:bodyPr anchorCtr="0" anchor="ctr" bIns="91425" lIns="91425" spcFirstLastPara="1" rIns="91425" wrap="square" tIns="91425">
-            <a:noAutofit/>
-          </a:bodyPr>
-          <a:lstStyle/>
-          <a:p>
-            <a:pPr indent="0" lvl="0" marL="0" rtl="0" algn="ctr">
-              <a:spcBef>
-                <a:spcPts val="0"/>
-              </a:spcBef>
-              <a:spcAft>
-                <a:spcPts val="0"/>
-              </a:spcAft>
-              <a:buNone/>
-            </a:pPr>
-            <a:r>
-              <a:rPr lang="en" sz="1300"/>
-              <a:t>When creating a complete new model (no preprocess needed)</a:t>
-            </a:r>
-            <a:endParaRPr sz="1300"/>
-          </a:p>
-        </p:txBody>
-      </p:sp>
-      <p:sp>
-        <p:nvSpPr>
-          <p:cNvPr id="415" name="Google Shape;415;p64"/>
-          <p:cNvSpPr/>
-          <p:nvPr/>
-        </p:nvSpPr>
-        <p:spPr>
-          <a:xfrm>
-            <a:off x="3210250" y="2539150"/>
-            <a:ext cx="391800" cy="126300"/>
-          </a:xfrm>
-          <a:prstGeom prst="leftArrow">
-            <a:avLst>
-              <a:gd fmla="val 50000" name="adj1"/>
-              <a:gd fmla="val 50000" name="adj2"/>
-            </a:avLst>
-          </a:prstGeom>
-          <a:solidFill>
-            <a:schemeClr val="lt2"/>
-          </a:solidFill>
-          <a:ln cap="flat" cmpd="sng" w="9525">
-            <a:solidFill>
-              <a:schemeClr val="dk2"/>
-            </a:solidFill>
-            <a:prstDash val="solid"/>
-            <a:round/>
-            <a:headEnd len="sm" w="sm" type="none"/>
-            <a:tailEnd len="sm" w="sm" type="none"/>
-          </a:ln>
-        </p:spPr>
-        <p:txBody>
-          <a:bodyPr anchorCtr="0" anchor="ctr" bIns="91425" lIns="91425" spcFirstLastPara="1" rIns="91425" wrap="square" tIns="91425">
-            <a:noAutofit/>
-          </a:bodyPr>
-          <a:lstStyle/>
-          <a:p>
-            <a:pPr indent="0" lvl="0" marL="0" rtl="0" algn="l">
-              <a:spcBef>
-                <a:spcPts val="0"/>
-              </a:spcBef>
-              <a:spcAft>
-                <a:spcPts val="0"/>
-              </a:spcAft>
-              <a:buNone/>
-            </a:pPr>
-            <a:r>
-              <a:t/>
-            </a:r>
-            <a:endParaRPr/>
-          </a:p>
-        </p:txBody>
-      </p:sp>
-      <p:sp>
-        <p:nvSpPr>
-          <p:cNvPr id="416" name="Google Shape;416;p64"/>
-          <p:cNvSpPr/>
-          <p:nvPr/>
-        </p:nvSpPr>
-        <p:spPr>
-          <a:xfrm>
-            <a:off x="3683175" y="1682925"/>
-            <a:ext cx="2923800" cy="405900"/>
-          </a:xfrm>
-          <a:prstGeom prst="rect">
-            <a:avLst/>
-          </a:prstGeom>
-          <a:solidFill>
-            <a:schemeClr val="lt2"/>
-          </a:solidFill>
-          <a:ln cap="flat" cmpd="sng" w="9525">
-            <a:solidFill>
-              <a:schemeClr val="dk2"/>
-            </a:solidFill>
-            <a:prstDash val="solid"/>
-            <a:round/>
-            <a:headEnd len="sm" w="sm" type="none"/>
-            <a:tailEnd len="sm" w="sm" type="none"/>
-          </a:ln>
-        </p:spPr>
-        <p:txBody>
-          <a:bodyPr anchorCtr="0" anchor="ctr" bIns="91425" lIns="91425" spcFirstLastPara="1" rIns="91425" wrap="square" tIns="91425">
-            <a:noAutofit/>
-          </a:bodyPr>
-          <a:lstStyle/>
-          <a:p>
-            <a:pPr indent="0" lvl="0" marL="0" rtl="0" algn="ctr">
-              <a:spcBef>
-                <a:spcPts val="0"/>
-              </a:spcBef>
-              <a:spcAft>
-                <a:spcPts val="0"/>
-              </a:spcAft>
-              <a:buNone/>
-            </a:pPr>
-            <a:r>
-              <a:rPr lang="en" sz="1300"/>
-              <a:t>For models already available on Vitis AI</a:t>
-            </a:r>
-            <a:endParaRPr sz="1300"/>
-          </a:p>
-        </p:txBody>
-      </p:sp>
-      <p:sp>
-        <p:nvSpPr>
-          <p:cNvPr id="417" name="Google Shape;417;p64"/>
-          <p:cNvSpPr/>
-          <p:nvPr/>
-        </p:nvSpPr>
-        <p:spPr>
-          <a:xfrm>
-            <a:off x="3210250" y="1853350"/>
-            <a:ext cx="391800" cy="126300"/>
-          </a:xfrm>
-          <a:prstGeom prst="leftArrow">
-            <a:avLst>
-              <a:gd fmla="val 50000" name="adj1"/>
-              <a:gd fmla="val 50000" name="adj2"/>
-            </a:avLst>
-          </a:prstGeom>
-          <a:solidFill>
-            <a:schemeClr val="lt2"/>
-          </a:solidFill>
-          <a:ln cap="flat" cmpd="sng" w="9525">
-            <a:solidFill>
-              <a:schemeClr val="dk2"/>
-            </a:solidFill>
-            <a:prstDash val="solid"/>
-            <a:round/>
-            <a:headEnd len="sm" w="sm" type="none"/>
-            <a:tailEnd len="sm" w="sm" type="none"/>
-          </a:ln>
-        </p:spPr>
-        <p:txBody>
-          <a:bodyPr anchorCtr="0" anchor="ctr" bIns="91425" lIns="91425" spcFirstLastPara="1" rIns="91425" wrap="square" tIns="91425">
-            <a:noAutofit/>
-          </a:bodyPr>
-          <a:lstStyle/>
-          <a:p>
-            <a:pPr indent="0" lvl="0" marL="0" rtl="0" algn="l">
-              <a:spcBef>
-                <a:spcPts val="0"/>
-              </a:spcBef>
-              <a:spcAft>
-                <a:spcPts val="0"/>
-              </a:spcAft>
-              <a:buNone/>
-            </a:pPr>
-            <a:r>
-              <a:t/>
-            </a:r>
-            <a:endParaRPr/>
-          </a:p>
-        </p:txBody>
-      </p:sp>
-    </p:spTree>
-  </p:cSld>
-  <p:clrMapOvr>
-    <a:masterClrMapping/>
-  </p:clrMapOvr>
-</p:sld>
-</file>
-
-<file path=ppt/slides/slide53.xml><?xml version="1.0" encoding="utf-8"?>
-<p:sld xmlns:a="http://schemas.openxmlformats.org/drawingml/2006/main" xmlns:r="http://schemas.openxmlformats.org/officeDocument/2006/relationships" xmlns:mc="http://schemas.openxmlformats.org/markup-compatibility/2006" xmlns:mv="urn:schemas-microsoft-com:mac:vml" xmlns:p="http://schemas.openxmlformats.org/presentationml/2006/main" xmlns:c="http://schemas.openxmlformats.org/drawingml/2006/chart" xmlns:dgm="http://schemas.openxmlformats.org/drawingml/2006/diagram" xmlns:o="urn:schemas-microsoft-com:office:office" xmlns:v="urn:schemas-microsoft-com:vml" xmlns:pvml="urn:schemas-microsoft-com:office:powerpoint" xmlns:com="http://schemas.openxmlformats.org/drawingml/2006/compatibility" xmlns:p14="http://schemas.microsoft.com/office/powerpoint/2010/main" xmlns:p15="http://schemas.microsoft.com/office/powerpoint/2012/main" xmlns:ahyp="http://schemas.microsoft.com/office/drawing/2018/hyperlinkcolor">
-  <p:cSld>
-    <p:spTree>
-      <p:nvGrpSpPr>
-        <p:cNvPr id="421" name="Shape 421"/>
-        <p:cNvGrpSpPr/>
-        <p:nvPr/>
-      </p:nvGrpSpPr>
-      <p:grpSpPr>
-        <a:xfrm>
-          <a:off x="0" y="0"/>
-          <a:ext cx="0" cy="0"/>
-          <a:chOff x="0" y="0"/>
-          <a:chExt cx="0" cy="0"/>
-        </a:xfrm>
-      </p:grpSpPr>
-      <p:sp>
-        <p:nvSpPr>
-          <p:cNvPr id="422" name="Google Shape;422;p65"/>
-          <p:cNvSpPr txBox="1"/>
-          <p:nvPr>
-            <p:ph type="title"/>
-          </p:nvPr>
-        </p:nvSpPr>
-        <p:spPr>
-          <a:xfrm>
-            <a:off x="311700" y="445025"/>
-            <a:ext cx="8520600" cy="572700"/>
-          </a:xfrm>
-          <a:prstGeom prst="rect">
-            <a:avLst/>
-          </a:prstGeom>
-        </p:spPr>
-        <p:txBody>
-          <a:bodyPr anchorCtr="0" anchor="t" bIns="91425" lIns="91425" spcFirstLastPara="1" rIns="91425" wrap="square" tIns="91425">
-            <a:normAutofit fontScale="90000"/>
-          </a:bodyPr>
-          <a:lstStyle/>
-          <a:p>
-            <a:pPr indent="0" lvl="0" marL="0" rtl="0" algn="l">
-              <a:spcBef>
-                <a:spcPts val="0"/>
-              </a:spcBef>
-              <a:spcAft>
-                <a:spcPts val="0"/>
-              </a:spcAft>
-              <a:buNone/>
-            </a:pPr>
-            <a:r>
-              <a:rPr lang="en"/>
-              <a:t>5. Deployment: API Levels</a:t>
-            </a:r>
-            <a:endParaRPr/>
-          </a:p>
-        </p:txBody>
-      </p:sp>
-      <p:sp>
-        <p:nvSpPr>
-          <p:cNvPr id="423" name="Google Shape;423;p65"/>
-          <p:cNvSpPr txBox="1"/>
-          <p:nvPr>
-            <p:ph idx="1" type="body"/>
-          </p:nvPr>
-        </p:nvSpPr>
-        <p:spPr>
-          <a:xfrm>
-            <a:off x="311700" y="1152475"/>
-            <a:ext cx="8520600" cy="3416400"/>
-          </a:xfrm>
-          <a:prstGeom prst="rect">
-            <a:avLst/>
-          </a:prstGeom>
-        </p:spPr>
-        <p:txBody>
-          <a:bodyPr anchorCtr="0" anchor="t" bIns="91425" lIns="91425" spcFirstLastPara="1" rIns="91425" wrap="square" tIns="91425">
-            <a:normAutofit/>
-          </a:bodyPr>
-          <a:lstStyle/>
-          <a:p>
-            <a:pPr indent="0" lvl="0" marL="0" rtl="0" algn="l">
-              <a:spcBef>
-                <a:spcPts val="0"/>
-              </a:spcBef>
-              <a:spcAft>
-                <a:spcPts val="1200"/>
-              </a:spcAft>
-              <a:buNone/>
-            </a:pPr>
-            <a:r>
-              <a:t/>
-            </a:r>
-            <a:endParaRPr/>
-          </a:p>
-        </p:txBody>
-      </p:sp>
-      <p:pic>
-        <p:nvPicPr>
-          <p:cNvPr id="424" name="Google Shape;424;p65"/>
-          <p:cNvPicPr preferRelativeResize="0"/>
-          <p:nvPr/>
-        </p:nvPicPr>
-        <p:blipFill>
-          <a:blip r:embed="rId3">
-            <a:alphaModFix/>
-          </a:blip>
-          <a:stretch>
-            <a:fillRect/>
-          </a:stretch>
-        </p:blipFill>
-        <p:spPr>
-          <a:xfrm>
-            <a:off x="921171" y="1628750"/>
-            <a:ext cx="2289075" cy="2635925"/>
-          </a:xfrm>
-          <a:prstGeom prst="rect">
-            <a:avLst/>
-          </a:prstGeom>
-          <a:noFill/>
-          <a:ln>
-            <a:noFill/>
-          </a:ln>
-        </p:spPr>
-      </p:pic>
-      <p:sp>
-        <p:nvSpPr>
-          <p:cNvPr id="425" name="Google Shape;425;p65"/>
-          <p:cNvSpPr/>
-          <p:nvPr/>
-        </p:nvSpPr>
-        <p:spPr>
-          <a:xfrm>
-            <a:off x="3683175" y="3795550"/>
-            <a:ext cx="2878500" cy="405900"/>
-          </a:xfrm>
-          <a:prstGeom prst="rect">
-            <a:avLst/>
-          </a:prstGeom>
-          <a:solidFill>
-            <a:schemeClr val="lt2"/>
-          </a:solidFill>
-          <a:ln cap="flat" cmpd="sng" w="9525">
-            <a:solidFill>
-              <a:schemeClr val="dk2"/>
-            </a:solidFill>
-            <a:prstDash val="solid"/>
-            <a:round/>
-            <a:headEnd len="sm" w="sm" type="none"/>
-            <a:tailEnd len="sm" w="sm" type="none"/>
-          </a:ln>
-        </p:spPr>
-        <p:txBody>
-          <a:bodyPr anchorCtr="0" anchor="ctr" bIns="91425" lIns="91425" spcFirstLastPara="1" rIns="91425" wrap="square" tIns="91425">
-            <a:noAutofit/>
-          </a:bodyPr>
-          <a:lstStyle/>
-          <a:p>
-            <a:pPr indent="0" lvl="0" marL="0" rtl="0" algn="ctr">
-              <a:spcBef>
-                <a:spcPts val="0"/>
-              </a:spcBef>
-              <a:spcAft>
-                <a:spcPts val="0"/>
-              </a:spcAft>
-              <a:buNone/>
-            </a:pPr>
-            <a:r>
-              <a:rPr lang="en" sz="1300"/>
-              <a:t>Host machine</a:t>
-            </a:r>
-            <a:endParaRPr sz="1300"/>
-          </a:p>
-        </p:txBody>
-      </p:sp>
-      <p:sp>
-        <p:nvSpPr>
-          <p:cNvPr id="426" name="Google Shape;426;p65"/>
-          <p:cNvSpPr/>
-          <p:nvPr/>
-        </p:nvSpPr>
-        <p:spPr>
-          <a:xfrm>
-            <a:off x="3210250" y="3965900"/>
-            <a:ext cx="391800" cy="126300"/>
-          </a:xfrm>
-          <a:prstGeom prst="leftArrow">
-            <a:avLst>
-              <a:gd fmla="val 50000" name="adj1"/>
-              <a:gd fmla="val 50000" name="adj2"/>
-            </a:avLst>
-          </a:prstGeom>
-          <a:solidFill>
-            <a:schemeClr val="lt2"/>
-          </a:solidFill>
-          <a:ln cap="flat" cmpd="sng" w="9525">
-            <a:solidFill>
-              <a:schemeClr val="dk2"/>
-            </a:solidFill>
-            <a:prstDash val="solid"/>
-            <a:round/>
-            <a:headEnd len="sm" w="sm" type="none"/>
-            <a:tailEnd len="sm" w="sm" type="none"/>
-          </a:ln>
-        </p:spPr>
-        <p:txBody>
-          <a:bodyPr anchorCtr="0" anchor="ctr" bIns="91425" lIns="91425" spcFirstLastPara="1" rIns="91425" wrap="square" tIns="91425">
-            <a:noAutofit/>
-          </a:bodyPr>
-          <a:lstStyle/>
-          <a:p>
-            <a:pPr indent="0" lvl="0" marL="0" rtl="0" algn="l">
-              <a:spcBef>
-                <a:spcPts val="0"/>
-              </a:spcBef>
-              <a:spcAft>
-                <a:spcPts val="0"/>
-              </a:spcAft>
-              <a:buNone/>
-            </a:pPr>
-            <a:r>
-              <a:t/>
-            </a:r>
-            <a:endParaRPr/>
-          </a:p>
-        </p:txBody>
-      </p:sp>
-      <p:sp>
-        <p:nvSpPr>
-          <p:cNvPr id="427" name="Google Shape;427;p65"/>
-          <p:cNvSpPr/>
-          <p:nvPr/>
-        </p:nvSpPr>
-        <p:spPr>
-          <a:xfrm>
-            <a:off x="3683175" y="3054525"/>
-            <a:ext cx="2923800" cy="405900"/>
-          </a:xfrm>
-          <a:prstGeom prst="rect">
-            <a:avLst/>
-          </a:prstGeom>
-          <a:solidFill>
-            <a:schemeClr val="lt2"/>
-          </a:solidFill>
-          <a:ln cap="flat" cmpd="sng" w="9525">
-            <a:solidFill>
-              <a:schemeClr val="dk2"/>
-            </a:solidFill>
-            <a:prstDash val="solid"/>
-            <a:round/>
-            <a:headEnd len="sm" w="sm" type="none"/>
-            <a:tailEnd len="sm" w="sm" type="none"/>
-          </a:ln>
-        </p:spPr>
-        <p:txBody>
-          <a:bodyPr anchorCtr="0" anchor="ctr" bIns="91425" lIns="91425" spcFirstLastPara="1" rIns="91425" wrap="square" tIns="91425">
-            <a:noAutofit/>
-          </a:bodyPr>
-          <a:lstStyle/>
-          <a:p>
-            <a:pPr indent="0" lvl="0" marL="0" rtl="0" algn="ctr">
-              <a:spcBef>
-                <a:spcPts val="0"/>
-              </a:spcBef>
-              <a:spcAft>
-                <a:spcPts val="0"/>
-              </a:spcAft>
-              <a:buNone/>
-            </a:pPr>
-            <a:r>
-              <a:rPr lang="en" sz="1300"/>
-              <a:t>When creating a complete new model</a:t>
-            </a:r>
-            <a:endParaRPr sz="1300"/>
-          </a:p>
-        </p:txBody>
-      </p:sp>
-      <p:sp>
-        <p:nvSpPr>
-          <p:cNvPr id="428" name="Google Shape;428;p65"/>
-          <p:cNvSpPr/>
-          <p:nvPr/>
-        </p:nvSpPr>
-        <p:spPr>
-          <a:xfrm>
-            <a:off x="3210250" y="3224950"/>
-            <a:ext cx="391800" cy="126300"/>
-          </a:xfrm>
-          <a:prstGeom prst="leftArrow">
-            <a:avLst>
-              <a:gd fmla="val 50000" name="adj1"/>
-              <a:gd fmla="val 50000" name="adj2"/>
-            </a:avLst>
-          </a:prstGeom>
-          <a:solidFill>
-            <a:schemeClr val="lt2"/>
-          </a:solidFill>
-          <a:ln cap="flat" cmpd="sng" w="9525">
-            <a:solidFill>
-              <a:schemeClr val="dk2"/>
-            </a:solidFill>
-            <a:prstDash val="solid"/>
-            <a:round/>
-            <a:headEnd len="sm" w="sm" type="none"/>
-            <a:tailEnd len="sm" w="sm" type="none"/>
-          </a:ln>
-        </p:spPr>
-        <p:txBody>
-          <a:bodyPr anchorCtr="0" anchor="ctr" bIns="91425" lIns="91425" spcFirstLastPara="1" rIns="91425" wrap="square" tIns="91425">
-            <a:noAutofit/>
-          </a:bodyPr>
-          <a:lstStyle/>
-          <a:p>
-            <a:pPr indent="0" lvl="0" marL="0" rtl="0" algn="l">
-              <a:spcBef>
-                <a:spcPts val="0"/>
-              </a:spcBef>
-              <a:spcAft>
-                <a:spcPts val="0"/>
-              </a:spcAft>
-              <a:buNone/>
-            </a:pPr>
-            <a:r>
-              <a:t/>
-            </a:r>
-            <a:endParaRPr/>
-          </a:p>
-        </p:txBody>
-      </p:sp>
-      <p:sp>
-        <p:nvSpPr>
-          <p:cNvPr id="429" name="Google Shape;429;p65"/>
-          <p:cNvSpPr/>
-          <p:nvPr/>
-        </p:nvSpPr>
-        <p:spPr>
-          <a:xfrm>
-            <a:off x="3683175" y="2368725"/>
-            <a:ext cx="2923800" cy="405900"/>
-          </a:xfrm>
-          <a:prstGeom prst="rect">
-            <a:avLst/>
-          </a:prstGeom>
-          <a:solidFill>
-            <a:schemeClr val="lt2"/>
-          </a:solidFill>
-          <a:ln cap="flat" cmpd="sng" w="9525">
-            <a:solidFill>
-              <a:schemeClr val="dk2"/>
-            </a:solidFill>
-            <a:prstDash val="solid"/>
-            <a:round/>
-            <a:headEnd len="sm" w="sm" type="none"/>
-            <a:tailEnd len="sm" w="sm" type="none"/>
-          </a:ln>
-        </p:spPr>
-        <p:txBody>
-          <a:bodyPr anchorCtr="0" anchor="ctr" bIns="91425" lIns="91425" spcFirstLastPara="1" rIns="91425" wrap="square" tIns="91425">
-            <a:noAutofit/>
-          </a:bodyPr>
-          <a:lstStyle/>
-          <a:p>
-            <a:pPr indent="0" lvl="0" marL="0" rtl="0" algn="ctr">
-              <a:spcBef>
-                <a:spcPts val="0"/>
-              </a:spcBef>
-              <a:spcAft>
-                <a:spcPts val="0"/>
-              </a:spcAft>
-              <a:buNone/>
-            </a:pPr>
-            <a:r>
-              <a:rPr lang="en" sz="1300"/>
-              <a:t>When creating a complete new model (no preprocess needed)</a:t>
-            </a:r>
-            <a:endParaRPr sz="1300"/>
-          </a:p>
-        </p:txBody>
-      </p:sp>
-      <p:sp>
-        <p:nvSpPr>
-          <p:cNvPr id="430" name="Google Shape;430;p65"/>
-          <p:cNvSpPr/>
-          <p:nvPr/>
-        </p:nvSpPr>
-        <p:spPr>
-          <a:xfrm>
-            <a:off x="3210250" y="2539150"/>
-            <a:ext cx="391800" cy="126300"/>
-          </a:xfrm>
-          <a:prstGeom prst="leftArrow">
-            <a:avLst>
-              <a:gd fmla="val 50000" name="adj1"/>
-              <a:gd fmla="val 50000" name="adj2"/>
-            </a:avLst>
-          </a:prstGeom>
-          <a:solidFill>
-            <a:schemeClr val="lt2"/>
-          </a:solidFill>
-          <a:ln cap="flat" cmpd="sng" w="9525">
-            <a:solidFill>
-              <a:schemeClr val="dk2"/>
-            </a:solidFill>
-            <a:prstDash val="solid"/>
-            <a:round/>
-            <a:headEnd len="sm" w="sm" type="none"/>
-            <a:tailEnd len="sm" w="sm" type="none"/>
-          </a:ln>
-        </p:spPr>
-        <p:txBody>
-          <a:bodyPr anchorCtr="0" anchor="ctr" bIns="91425" lIns="91425" spcFirstLastPara="1" rIns="91425" wrap="square" tIns="91425">
-            <a:noAutofit/>
-          </a:bodyPr>
-          <a:lstStyle/>
-          <a:p>
-            <a:pPr indent="0" lvl="0" marL="0" rtl="0" algn="l">
-              <a:spcBef>
-                <a:spcPts val="0"/>
-              </a:spcBef>
-              <a:spcAft>
-                <a:spcPts val="0"/>
-              </a:spcAft>
-              <a:buNone/>
-            </a:pPr>
-            <a:r>
-              <a:t/>
-            </a:r>
-            <a:endParaRPr/>
-          </a:p>
-        </p:txBody>
-      </p:sp>
-      <p:sp>
-        <p:nvSpPr>
-          <p:cNvPr id="431" name="Google Shape;431;p65"/>
-          <p:cNvSpPr/>
-          <p:nvPr/>
-        </p:nvSpPr>
-        <p:spPr>
-          <a:xfrm>
-            <a:off x="3683175" y="1682925"/>
-            <a:ext cx="2923800" cy="405900"/>
-          </a:xfrm>
-          <a:prstGeom prst="rect">
-            <a:avLst/>
-          </a:prstGeom>
-          <a:solidFill>
-            <a:schemeClr val="lt2"/>
-          </a:solidFill>
-          <a:ln cap="flat" cmpd="sng" w="9525">
-            <a:solidFill>
-              <a:schemeClr val="dk2"/>
-            </a:solidFill>
-            <a:prstDash val="solid"/>
-            <a:round/>
-            <a:headEnd len="sm" w="sm" type="none"/>
-            <a:tailEnd len="sm" w="sm" type="none"/>
-          </a:ln>
-        </p:spPr>
-        <p:txBody>
-          <a:bodyPr anchorCtr="0" anchor="ctr" bIns="91425" lIns="91425" spcFirstLastPara="1" rIns="91425" wrap="square" tIns="91425">
-            <a:noAutofit/>
-          </a:bodyPr>
-          <a:lstStyle/>
-          <a:p>
-            <a:pPr indent="0" lvl="0" marL="0" rtl="0" algn="ctr">
-              <a:spcBef>
-                <a:spcPts val="0"/>
-              </a:spcBef>
-              <a:spcAft>
-                <a:spcPts val="0"/>
-              </a:spcAft>
-              <a:buNone/>
-            </a:pPr>
-            <a:r>
-              <a:rPr lang="en" sz="1300"/>
-              <a:t>For models already available on Vitis AI</a:t>
-            </a:r>
-            <a:endParaRPr sz="1300"/>
-          </a:p>
-        </p:txBody>
-      </p:sp>
-      <p:sp>
-        <p:nvSpPr>
-          <p:cNvPr id="432" name="Google Shape;432;p65"/>
-          <p:cNvSpPr/>
-          <p:nvPr/>
-        </p:nvSpPr>
-        <p:spPr>
-          <a:xfrm>
-            <a:off x="3210250" y="1853350"/>
-            <a:ext cx="391800" cy="126300"/>
-          </a:xfrm>
-          <a:prstGeom prst="leftArrow">
-            <a:avLst>
-              <a:gd fmla="val 50000" name="adj1"/>
-              <a:gd fmla="val 50000" name="adj2"/>
-            </a:avLst>
-          </a:prstGeom>
-          <a:solidFill>
-            <a:schemeClr val="lt2"/>
-          </a:solidFill>
-          <a:ln cap="flat" cmpd="sng" w="9525">
-            <a:solidFill>
-              <a:schemeClr val="dk2"/>
-            </a:solidFill>
-            <a:prstDash val="solid"/>
-            <a:round/>
-            <a:headEnd len="sm" w="sm" type="none"/>
-            <a:tailEnd len="sm" w="sm" type="none"/>
-          </a:ln>
-        </p:spPr>
-        <p:txBody>
-          <a:bodyPr anchorCtr="0" anchor="ctr" bIns="91425" lIns="91425" spcFirstLastPara="1" rIns="91425" wrap="square" tIns="91425">
-            <a:noAutofit/>
-          </a:bodyPr>
-          <a:lstStyle/>
-          <a:p>
-            <a:pPr indent="0" lvl="0" marL="0" rtl="0" algn="l">
-              <a:spcBef>
-                <a:spcPts val="0"/>
-              </a:spcBef>
-              <a:spcAft>
-                <a:spcPts val="0"/>
-              </a:spcAft>
-              <a:buNone/>
-            </a:pPr>
-            <a:r>
-              <a:t/>
-            </a:r>
-            <a:endParaRPr/>
-          </a:p>
-        </p:txBody>
-      </p:sp>
-      <p:sp>
-        <p:nvSpPr>
-          <p:cNvPr id="433" name="Google Shape;433;p65"/>
-          <p:cNvSpPr/>
-          <p:nvPr/>
-        </p:nvSpPr>
-        <p:spPr>
-          <a:xfrm>
-            <a:off x="822650" y="2910150"/>
-            <a:ext cx="5883600" cy="1506900"/>
-          </a:xfrm>
-          <a:prstGeom prst="rect">
-            <a:avLst/>
-          </a:prstGeom>
-          <a:noFill/>
-          <a:ln cap="flat" cmpd="sng" w="28575">
-            <a:solidFill>
-              <a:srgbClr val="FF0000"/>
-            </a:solidFill>
-            <a:prstDash val="solid"/>
-            <a:round/>
-            <a:headEnd len="sm" w="sm" type="none"/>
-            <a:tailEnd len="sm" w="sm" type="none"/>
-          </a:ln>
-        </p:spPr>
-        <p:txBody>
-          <a:bodyPr anchorCtr="0" anchor="ctr" bIns="91425" lIns="91425" spcFirstLastPara="1" rIns="91425" wrap="square" tIns="91425">
-            <a:noAutofit/>
-          </a:bodyPr>
-          <a:lstStyle/>
-          <a:p>
-            <a:pPr indent="0" lvl="0" marL="0" rtl="0" algn="l">
-              <a:spcBef>
-                <a:spcPts val="0"/>
-              </a:spcBef>
-              <a:spcAft>
-                <a:spcPts val="0"/>
-              </a:spcAft>
-              <a:buNone/>
-            </a:pPr>
-            <a:r>
-              <a:t/>
-            </a:r>
-            <a:endParaRPr/>
-          </a:p>
-        </p:txBody>
-      </p:sp>
-      <p:sp>
-        <p:nvSpPr>
-          <p:cNvPr id="434" name="Google Shape;434;p65"/>
-          <p:cNvSpPr/>
-          <p:nvPr/>
-        </p:nvSpPr>
-        <p:spPr>
-          <a:xfrm>
-            <a:off x="7263200" y="3189900"/>
-            <a:ext cx="1353600" cy="947400"/>
-          </a:xfrm>
-          <a:prstGeom prst="rect">
-            <a:avLst/>
-          </a:prstGeom>
-          <a:solidFill>
-            <a:schemeClr val="lt2"/>
-          </a:solidFill>
-          <a:ln cap="flat" cmpd="sng" w="9525">
-            <a:solidFill>
-              <a:schemeClr val="dk2"/>
-            </a:solidFill>
-            <a:prstDash val="solid"/>
-            <a:round/>
-            <a:headEnd len="sm" w="sm" type="none"/>
-            <a:tailEnd len="sm" w="sm" type="none"/>
-          </a:ln>
-        </p:spPr>
-        <p:txBody>
-          <a:bodyPr anchorCtr="0" anchor="ctr" bIns="91425" lIns="91425" spcFirstLastPara="1" rIns="91425" wrap="square" tIns="91425">
-            <a:noAutofit/>
-          </a:bodyPr>
-          <a:lstStyle/>
-          <a:p>
-            <a:pPr indent="0" lvl="0" marL="0" rtl="0" algn="ctr">
-              <a:spcBef>
-                <a:spcPts val="0"/>
-              </a:spcBef>
-              <a:spcAft>
-                <a:spcPts val="0"/>
-              </a:spcAft>
-              <a:buNone/>
-            </a:pPr>
-            <a:r>
-              <a:rPr lang="en" sz="1300"/>
-              <a:t>We will work at this level</a:t>
-            </a:r>
-            <a:endParaRPr sz="1300"/>
-          </a:p>
-        </p:txBody>
-      </p:sp>
-      <p:sp>
-        <p:nvSpPr>
-          <p:cNvPr id="435" name="Google Shape;435;p65"/>
-          <p:cNvSpPr/>
-          <p:nvPr/>
-        </p:nvSpPr>
-        <p:spPr>
-          <a:xfrm>
-            <a:off x="6782438" y="3568800"/>
-            <a:ext cx="425100" cy="189600"/>
-          </a:xfrm>
-          <a:prstGeom prst="leftArrow">
-            <a:avLst>
-              <a:gd fmla="val 50000" name="adj1"/>
-              <a:gd fmla="val 50000" name="adj2"/>
-            </a:avLst>
-          </a:prstGeom>
-          <a:solidFill>
-            <a:schemeClr val="lt2"/>
-          </a:solidFill>
-          <a:ln cap="flat" cmpd="sng" w="9525">
-            <a:solidFill>
-              <a:schemeClr val="dk2"/>
-            </a:solidFill>
-            <a:prstDash val="solid"/>
-            <a:round/>
-            <a:headEnd len="sm" w="sm" type="none"/>
-            <a:tailEnd len="sm" w="sm" type="none"/>
-          </a:ln>
-        </p:spPr>
-        <p:txBody>
-          <a:bodyPr anchorCtr="0" anchor="ctr" bIns="91425" lIns="91425" spcFirstLastPara="1" rIns="91425" wrap="square" tIns="91425">
-            <a:noAutofit/>
-          </a:bodyPr>
-          <a:lstStyle/>
-          <a:p>
-            <a:pPr indent="0" lvl="0" marL="0" rtl="0" algn="l">
-              <a:spcBef>
-                <a:spcPts val="0"/>
-              </a:spcBef>
-              <a:spcAft>
-                <a:spcPts val="0"/>
-              </a:spcAft>
-              <a:buNone/>
-            </a:pPr>
-            <a:r>
-              <a:t/>
-            </a:r>
-            <a:endParaRPr/>
-          </a:p>
-        </p:txBody>
-      </p:sp>
-    </p:spTree>
-  </p:cSld>
-  <p:clrMapOvr>
-    <a:masterClrMapping/>
-  </p:clrMapOvr>
-</p:sld>
-</file>
-
-<file path=ppt/slides/slide54.xml><?xml version="1.0" encoding="utf-8"?>
-<p:sld xmlns:a="http://schemas.openxmlformats.org/drawingml/2006/main" xmlns:r="http://schemas.openxmlformats.org/officeDocument/2006/relationships" xmlns:mc="http://schemas.openxmlformats.org/markup-compatibility/2006" xmlns:mv="urn:schemas-microsoft-com:mac:vml" xmlns:p="http://schemas.openxmlformats.org/presentationml/2006/main" xmlns:c="http://schemas.openxmlformats.org/drawingml/2006/chart" xmlns:dgm="http://schemas.openxmlformats.org/drawingml/2006/diagram" xmlns:o="urn:schemas-microsoft-com:office:office" xmlns:v="urn:schemas-microsoft-com:vml" xmlns:pvml="urn:schemas-microsoft-com:office:powerpoint" xmlns:com="http://schemas.openxmlformats.org/drawingml/2006/compatibility" xmlns:p14="http://schemas.microsoft.com/office/powerpoint/2010/main" xmlns:p15="http://schemas.microsoft.com/office/powerpoint/2012/main" xmlns:ahyp="http://schemas.microsoft.com/office/drawing/2018/hyperlinkcolor">
-  <p:cSld>
-    <p:spTree>
-      <p:nvGrpSpPr>
-        <p:cNvPr id="439" name="Shape 439"/>
-        <p:cNvGrpSpPr/>
-        <p:nvPr/>
-      </p:nvGrpSpPr>
-      <p:grpSpPr>
-        <a:xfrm>
-          <a:off x="0" y="0"/>
-          <a:ext cx="0" cy="0"/>
-          <a:chOff x="0" y="0"/>
-          <a:chExt cx="0" cy="0"/>
-        </a:xfrm>
-      </p:grpSpPr>
-      <p:sp>
-        <p:nvSpPr>
-          <p:cNvPr id="440" name="Google Shape;440;p66"/>
-          <p:cNvSpPr txBox="1"/>
-          <p:nvPr>
-            <p:ph type="title"/>
-          </p:nvPr>
-        </p:nvSpPr>
-        <p:spPr>
-          <a:xfrm>
-            <a:off x="311700" y="445025"/>
-            <a:ext cx="8520600" cy="572700"/>
-          </a:xfrm>
-          <a:prstGeom prst="rect">
-            <a:avLst/>
-          </a:prstGeom>
-        </p:spPr>
-        <p:txBody>
-          <a:bodyPr anchorCtr="0" anchor="t" bIns="91425" lIns="91425" spcFirstLastPara="1" rIns="91425" wrap="square" tIns="91425">
-            <a:normAutofit fontScale="90000"/>
-          </a:bodyPr>
-          <a:lstStyle/>
-          <a:p>
-            <a:pPr indent="0" lvl="0" marL="0" rtl="0" algn="l">
-              <a:spcBef>
-                <a:spcPts val="0"/>
-              </a:spcBef>
-              <a:spcAft>
-                <a:spcPts val="0"/>
-              </a:spcAft>
-              <a:buNone/>
-            </a:pPr>
-            <a:r>
-              <a:rPr lang="en"/>
               <a:t>5. Deployment: Graph</a:t>
             </a:r>
             <a:endParaRPr/>
@@ -23820,7 +21191,7 @@
       </p:sp>
       <p:grpSp>
         <p:nvGrpSpPr>
-          <p:cNvPr id="441" name="Google Shape;441;p66"/>
+          <p:cNvPr id="368" name="Google Shape;368;p60"/>
           <p:cNvGrpSpPr/>
           <p:nvPr/>
         </p:nvGrpSpPr>
@@ -23834,7 +21205,7 @@
         </p:grpSpPr>
         <p:pic>
           <p:nvPicPr>
-            <p:cNvPr id="442" name="Google Shape;442;p66"/>
+            <p:cNvPr id="369" name="Google Shape;369;p60"/>
             <p:cNvPicPr preferRelativeResize="0"/>
             <p:nvPr/>
           </p:nvPicPr>
@@ -23861,7 +21232,7 @@
         </p:pic>
         <p:pic>
           <p:nvPicPr>
-            <p:cNvPr id="443" name="Google Shape;443;p66"/>
+            <p:cNvPr id="370" name="Google Shape;370;p60"/>
             <p:cNvPicPr preferRelativeResize="0"/>
             <p:nvPr/>
           </p:nvPicPr>
@@ -23888,7 +21259,7 @@
         </p:pic>
         <p:pic>
           <p:nvPicPr>
-            <p:cNvPr id="444" name="Google Shape;444;p66"/>
+            <p:cNvPr id="371" name="Google Shape;371;p60"/>
             <p:cNvPicPr preferRelativeResize="0"/>
             <p:nvPr/>
           </p:nvPicPr>
@@ -23915,7 +21286,7 @@
         </p:pic>
         <p:sp>
           <p:nvSpPr>
-            <p:cNvPr id="445" name="Google Shape;445;p66"/>
+            <p:cNvPr id="372" name="Google Shape;372;p60"/>
             <p:cNvSpPr/>
             <p:nvPr/>
           </p:nvSpPr>
@@ -23957,7 +21328,7 @@
         </p:sp>
         <p:sp>
           <p:nvSpPr>
-            <p:cNvPr id="446" name="Google Shape;446;p66"/>
+            <p:cNvPr id="373" name="Google Shape;373;p60"/>
             <p:cNvSpPr/>
             <p:nvPr/>
           </p:nvSpPr>
@@ -24006,12 +21377,12 @@
 </p:sld>
 </file>
 
-<file path=ppt/slides/slide55.xml><?xml version="1.0" encoding="utf-8"?>
+<file path=ppt/slides/slide49.xml><?xml version="1.0" encoding="utf-8"?>
 <p:sld xmlns:a="http://schemas.openxmlformats.org/drawingml/2006/main" xmlns:r="http://schemas.openxmlformats.org/officeDocument/2006/relationships" xmlns:mc="http://schemas.openxmlformats.org/markup-compatibility/2006" xmlns:mv="urn:schemas-microsoft-com:mac:vml" xmlns:p="http://schemas.openxmlformats.org/presentationml/2006/main" xmlns:c="http://schemas.openxmlformats.org/drawingml/2006/chart" xmlns:dgm="http://schemas.openxmlformats.org/drawingml/2006/diagram" xmlns:o="urn:schemas-microsoft-com:office:office" xmlns:v="urn:schemas-microsoft-com:vml" xmlns:pvml="urn:schemas-microsoft-com:office:powerpoint" xmlns:com="http://schemas.openxmlformats.org/drawingml/2006/compatibility" xmlns:p14="http://schemas.microsoft.com/office/powerpoint/2010/main" xmlns:p15="http://schemas.microsoft.com/office/powerpoint/2012/main" xmlns:ahyp="http://schemas.microsoft.com/office/drawing/2018/hyperlinkcolor">
   <p:cSld>
     <p:spTree>
       <p:nvGrpSpPr>
-        <p:cNvPr id="450" name="Shape 450"/>
+        <p:cNvPr id="377" name="Shape 377"/>
         <p:cNvGrpSpPr/>
         <p:nvPr/>
       </p:nvGrpSpPr>
@@ -24025,7 +21396,7 @@
       </p:grpSpPr>
       <p:sp>
         <p:nvSpPr>
-          <p:cNvPr id="451" name="Google Shape;451;p67"/>
+          <p:cNvPr id="378" name="Google Shape;378;p61"/>
           <p:cNvSpPr txBox="1"/>
           <p:nvPr>
             <p:ph type="title"/>
@@ -24065,7 +21436,7 @@
       </p:sp>
       <p:grpSp>
         <p:nvGrpSpPr>
-          <p:cNvPr id="452" name="Google Shape;452;p67"/>
+          <p:cNvPr id="379" name="Google Shape;379;p61"/>
           <p:cNvGrpSpPr/>
           <p:nvPr/>
         </p:nvGrpSpPr>
@@ -24079,7 +21450,7 @@
         </p:grpSpPr>
         <p:pic>
           <p:nvPicPr>
-            <p:cNvPr id="453" name="Google Shape;453;p67"/>
+            <p:cNvPr id="380" name="Google Shape;380;p61"/>
             <p:cNvPicPr preferRelativeResize="0"/>
             <p:nvPr/>
           </p:nvPicPr>
@@ -24106,7 +21477,7 @@
         </p:pic>
         <p:pic>
           <p:nvPicPr>
-            <p:cNvPr id="454" name="Google Shape;454;p67"/>
+            <p:cNvPr id="381" name="Google Shape;381;p61"/>
             <p:cNvPicPr preferRelativeResize="0"/>
             <p:nvPr/>
           </p:nvPicPr>
@@ -24133,7 +21504,7 @@
         </p:pic>
         <p:pic>
           <p:nvPicPr>
-            <p:cNvPr id="455" name="Google Shape;455;p67"/>
+            <p:cNvPr id="382" name="Google Shape;382;p61"/>
             <p:cNvPicPr preferRelativeResize="0"/>
             <p:nvPr/>
           </p:nvPicPr>
@@ -24160,7 +21531,7 @@
         </p:pic>
         <p:sp>
           <p:nvSpPr>
-            <p:cNvPr id="456" name="Google Shape;456;p67"/>
+            <p:cNvPr id="383" name="Google Shape;383;p61"/>
             <p:cNvSpPr/>
             <p:nvPr/>
           </p:nvSpPr>
@@ -24202,7 +21573,7 @@
         </p:sp>
         <p:sp>
           <p:nvSpPr>
-            <p:cNvPr id="457" name="Google Shape;457;p67"/>
+            <p:cNvPr id="384" name="Google Shape;384;p61"/>
             <p:cNvSpPr/>
             <p:nvPr/>
           </p:nvSpPr>
@@ -24245,7 +21616,7 @@
       </p:grpSp>
       <p:sp>
         <p:nvSpPr>
-          <p:cNvPr id="458" name="Google Shape;458;p67"/>
+          <p:cNvPr id="385" name="Google Shape;385;p61"/>
           <p:cNvSpPr/>
           <p:nvPr/>
         </p:nvSpPr>
@@ -24297,12 +21668,12 @@
 </p:sld>
 </file>
 
-<file path=ppt/slides/slide56.xml><?xml version="1.0" encoding="utf-8"?>
+<file path=ppt/slides/slide5.xml><?xml version="1.0" encoding="utf-8"?>
 <p:sld xmlns:a="http://schemas.openxmlformats.org/drawingml/2006/main" xmlns:r="http://schemas.openxmlformats.org/officeDocument/2006/relationships" xmlns:mc="http://schemas.openxmlformats.org/markup-compatibility/2006" xmlns:mv="urn:schemas-microsoft-com:mac:vml" xmlns:p="http://schemas.openxmlformats.org/presentationml/2006/main" xmlns:c="http://schemas.openxmlformats.org/drawingml/2006/chart" xmlns:dgm="http://schemas.openxmlformats.org/drawingml/2006/diagram" xmlns:o="urn:schemas-microsoft-com:office:office" xmlns:v="urn:schemas-microsoft-com:vml" xmlns:pvml="urn:schemas-microsoft-com:office:powerpoint" xmlns:com="http://schemas.openxmlformats.org/drawingml/2006/compatibility" xmlns:p14="http://schemas.microsoft.com/office/powerpoint/2010/main" xmlns:p15="http://schemas.microsoft.com/office/powerpoint/2012/main" xmlns:ahyp="http://schemas.microsoft.com/office/drawing/2018/hyperlinkcolor">
   <p:cSld>
     <p:spTree>
       <p:nvGrpSpPr>
-        <p:cNvPr id="462" name="Shape 462"/>
+        <p:cNvPr id="76" name="Shape 76"/>
         <p:cNvGrpSpPr/>
         <p:nvPr/>
       </p:nvGrpSpPr>
@@ -24316,7 +21687,7 @@
       </p:grpSpPr>
       <p:sp>
         <p:nvSpPr>
-          <p:cNvPr id="463" name="Google Shape;463;p68"/>
+          <p:cNvPr id="77" name="Google Shape;77;p17"/>
           <p:cNvSpPr txBox="1"/>
           <p:nvPr>
             <p:ph type="title"/>
@@ -24348,6 +21719,302 @@
             </a:pPr>
             <a:r>
               <a:rPr lang="en"/>
+              <a:t>Alveo U200</a:t>
+            </a:r>
+            <a:endParaRPr/>
+          </a:p>
+        </p:txBody>
+      </p:sp>
+      <p:sp>
+        <p:nvSpPr>
+          <p:cNvPr id="78" name="Google Shape;78;p17"/>
+          <p:cNvSpPr txBox="1"/>
+          <p:nvPr>
+            <p:ph idx="1" type="body"/>
+          </p:nvPr>
+        </p:nvSpPr>
+        <p:spPr>
+          <a:xfrm>
+            <a:off x="311700" y="1152475"/>
+            <a:ext cx="3999900" cy="3416400"/>
+          </a:xfrm>
+          <a:prstGeom prst="rect">
+            <a:avLst/>
+          </a:prstGeom>
+        </p:spPr>
+        <p:txBody>
+          <a:bodyPr anchorCtr="0" anchor="t" bIns="91425" lIns="91425" spcFirstLastPara="1" rIns="91425" wrap="square" tIns="91425">
+            <a:normAutofit/>
+          </a:bodyPr>
+          <a:lstStyle/>
+          <a:p>
+            <a:pPr indent="0" lvl="0" marL="0" rtl="0" algn="l">
+              <a:spcBef>
+                <a:spcPts val="0"/>
+              </a:spcBef>
+              <a:spcAft>
+                <a:spcPts val="1200"/>
+              </a:spcAft>
+              <a:buNone/>
+            </a:pPr>
+            <a:r>
+              <a:t/>
+            </a:r>
+            <a:endParaRPr/>
+          </a:p>
+        </p:txBody>
+      </p:sp>
+      <p:sp>
+        <p:nvSpPr>
+          <p:cNvPr id="79" name="Google Shape;79;p17"/>
+          <p:cNvSpPr txBox="1"/>
+          <p:nvPr>
+            <p:ph idx="2" type="body"/>
+          </p:nvPr>
+        </p:nvSpPr>
+        <p:spPr>
+          <a:xfrm>
+            <a:off x="4832400" y="1152475"/>
+            <a:ext cx="3999900" cy="3416400"/>
+          </a:xfrm>
+          <a:prstGeom prst="rect">
+            <a:avLst/>
+          </a:prstGeom>
+        </p:spPr>
+        <p:txBody>
+          <a:bodyPr anchorCtr="0" anchor="t" bIns="91425" lIns="91425" spcFirstLastPara="1" rIns="91425" wrap="square" tIns="91425">
+            <a:normAutofit/>
+          </a:bodyPr>
+          <a:lstStyle/>
+          <a:p>
+            <a:pPr indent="-336550" lvl="0" marL="457200" rtl="0" algn="l">
+              <a:spcBef>
+                <a:spcPts val="0"/>
+              </a:spcBef>
+              <a:spcAft>
+                <a:spcPts val="0"/>
+              </a:spcAft>
+              <a:buSzPts val="1700"/>
+              <a:buChar char="●"/>
+            </a:pPr>
+            <a:r>
+              <a:rPr lang="en" sz="1700"/>
+              <a:t>Xilinx 16nm UltraScale™ architecture</a:t>
+            </a:r>
+            <a:endParaRPr sz="1700"/>
+          </a:p>
+          <a:p>
+            <a:pPr indent="-336550" lvl="0" marL="457200" rtl="0" algn="l">
+              <a:spcBef>
+                <a:spcPts val="1000"/>
+              </a:spcBef>
+              <a:spcAft>
+                <a:spcPts val="0"/>
+              </a:spcAft>
+              <a:buSzPts val="1700"/>
+              <a:buChar char="●"/>
+            </a:pPr>
+            <a:r>
+              <a:rPr lang="en" sz="1700"/>
+              <a:t>Adaptable to any workload</a:t>
+            </a:r>
+            <a:endParaRPr sz="1700"/>
+          </a:p>
+          <a:p>
+            <a:pPr indent="-323850" lvl="1" marL="914400" rtl="0" algn="l">
+              <a:spcBef>
+                <a:spcPts val="0"/>
+              </a:spcBef>
+              <a:spcAft>
+                <a:spcPts val="0"/>
+              </a:spcAft>
+              <a:buSzPts val="1500"/>
+              <a:buChar char="○"/>
+            </a:pPr>
+            <a:r>
+              <a:rPr lang="en" sz="1500"/>
+              <a:t>Database Search &amp; Analytics</a:t>
+            </a:r>
+            <a:endParaRPr sz="1500"/>
+          </a:p>
+          <a:p>
+            <a:pPr indent="-323850" lvl="1" marL="914400" rtl="0" algn="l">
+              <a:spcBef>
+                <a:spcPts val="0"/>
+              </a:spcBef>
+              <a:spcAft>
+                <a:spcPts val="0"/>
+              </a:spcAft>
+              <a:buSzPts val="1500"/>
+              <a:buChar char="○"/>
+            </a:pPr>
+            <a:r>
+              <a:rPr lang="en" sz="1500"/>
+              <a:t>Financial Computing</a:t>
+            </a:r>
+            <a:endParaRPr sz="1500"/>
+          </a:p>
+          <a:p>
+            <a:pPr indent="-323850" lvl="1" marL="914400" rtl="0" algn="l">
+              <a:spcBef>
+                <a:spcPts val="0"/>
+              </a:spcBef>
+              <a:spcAft>
+                <a:spcPts val="0"/>
+              </a:spcAft>
+              <a:buSzPts val="1500"/>
+              <a:buChar char="○"/>
+            </a:pPr>
+            <a:r>
+              <a:rPr lang="en" sz="1500"/>
+              <a:t>Machine Learning</a:t>
+            </a:r>
+            <a:endParaRPr sz="1500"/>
+          </a:p>
+          <a:p>
+            <a:pPr indent="-323850" lvl="1" marL="914400" rtl="0" algn="l">
+              <a:spcBef>
+                <a:spcPts val="0"/>
+              </a:spcBef>
+              <a:spcAft>
+                <a:spcPts val="0"/>
+              </a:spcAft>
+              <a:buSzPts val="1500"/>
+              <a:buChar char="○"/>
+            </a:pPr>
+            <a:r>
+              <a:rPr lang="en" sz="1500"/>
+              <a:t>Storage Compression</a:t>
+            </a:r>
+            <a:endParaRPr sz="1500"/>
+          </a:p>
+          <a:p>
+            <a:pPr indent="-323850" lvl="1" marL="914400" rtl="0" algn="l">
+              <a:spcBef>
+                <a:spcPts val="0"/>
+              </a:spcBef>
+              <a:spcAft>
+                <a:spcPts val="0"/>
+              </a:spcAft>
+              <a:buSzPts val="1500"/>
+              <a:buChar char="○"/>
+            </a:pPr>
+            <a:r>
+              <a:rPr lang="en" sz="1500"/>
+              <a:t>Video Processing/Transcoding</a:t>
+            </a:r>
+            <a:endParaRPr sz="1500"/>
+          </a:p>
+          <a:p>
+            <a:pPr indent="-323850" lvl="1" marL="914400" rtl="0" algn="l">
+              <a:spcBef>
+                <a:spcPts val="0"/>
+              </a:spcBef>
+              <a:spcAft>
+                <a:spcPts val="0"/>
+              </a:spcAft>
+              <a:buSzPts val="1500"/>
+              <a:buChar char="○"/>
+            </a:pPr>
+            <a:r>
+              <a:rPr lang="en" sz="1500"/>
+              <a:t>Genomics</a:t>
+            </a:r>
+            <a:endParaRPr sz="2000">
+              <a:solidFill>
+                <a:schemeClr val="dk1"/>
+              </a:solidFill>
+            </a:endParaRPr>
+          </a:p>
+        </p:txBody>
+      </p:sp>
+      <p:pic>
+        <p:nvPicPr>
+          <p:cNvPr id="80" name="Google Shape;80;p17"/>
+          <p:cNvPicPr preferRelativeResize="0"/>
+          <p:nvPr/>
+        </p:nvPicPr>
+        <p:blipFill>
+          <a:blip r:embed="rId3">
+            <a:alphaModFix/>
+          </a:blip>
+          <a:stretch>
+            <a:fillRect/>
+          </a:stretch>
+        </p:blipFill>
+        <p:spPr>
+          <a:xfrm>
+            <a:off x="311700" y="1268713"/>
+            <a:ext cx="3999900" cy="3183923"/>
+          </a:xfrm>
+          <a:prstGeom prst="rect">
+            <a:avLst/>
+          </a:prstGeom>
+          <a:noFill/>
+          <a:ln>
+            <a:noFill/>
+          </a:ln>
+        </p:spPr>
+      </p:pic>
+    </p:spTree>
+  </p:cSld>
+  <p:clrMapOvr>
+    <a:masterClrMapping/>
+  </p:clrMapOvr>
+</p:sld>
+</file>
+
+<file path=ppt/slides/slide50.xml><?xml version="1.0" encoding="utf-8"?>
+<p:sld xmlns:a="http://schemas.openxmlformats.org/drawingml/2006/main" xmlns:r="http://schemas.openxmlformats.org/officeDocument/2006/relationships" xmlns:mc="http://schemas.openxmlformats.org/markup-compatibility/2006" xmlns:mv="urn:schemas-microsoft-com:mac:vml" xmlns:p="http://schemas.openxmlformats.org/presentationml/2006/main" xmlns:c="http://schemas.openxmlformats.org/drawingml/2006/chart" xmlns:dgm="http://schemas.openxmlformats.org/drawingml/2006/diagram" xmlns:o="urn:schemas-microsoft-com:office:office" xmlns:v="urn:schemas-microsoft-com:vml" xmlns:pvml="urn:schemas-microsoft-com:office:powerpoint" xmlns:com="http://schemas.openxmlformats.org/drawingml/2006/compatibility" xmlns:p14="http://schemas.microsoft.com/office/powerpoint/2010/main" xmlns:p15="http://schemas.microsoft.com/office/powerpoint/2012/main" xmlns:ahyp="http://schemas.microsoft.com/office/drawing/2018/hyperlinkcolor">
+  <p:cSld>
+    <p:spTree>
+      <p:nvGrpSpPr>
+        <p:cNvPr id="389" name="Shape 389"/>
+        <p:cNvGrpSpPr/>
+        <p:nvPr/>
+      </p:nvGrpSpPr>
+      <p:grpSpPr>
+        <a:xfrm>
+          <a:off x="0" y="0"/>
+          <a:ext cx="0" cy="0"/>
+          <a:chOff x="0" y="0"/>
+          <a:chExt cx="0" cy="0"/>
+        </a:xfrm>
+      </p:grpSpPr>
+      <p:sp>
+        <p:nvSpPr>
+          <p:cNvPr id="390" name="Google Shape;390;p62"/>
+          <p:cNvSpPr txBox="1"/>
+          <p:nvPr>
+            <p:ph type="title"/>
+          </p:nvPr>
+        </p:nvSpPr>
+        <p:spPr>
+          <a:xfrm>
+            <a:off x="311700" y="445025"/>
+            <a:ext cx="8520600" cy="572700"/>
+          </a:xfrm>
+          <a:prstGeom prst="rect">
+            <a:avLst/>
+          </a:prstGeom>
+        </p:spPr>
+        <p:txBody>
+          <a:bodyPr anchorCtr="0" anchor="t" bIns="91425" lIns="91425" spcFirstLastPara="1" rIns="91425" wrap="square" tIns="91425">
+            <a:normAutofit fontScale="90000"/>
+          </a:bodyPr>
+          <a:lstStyle/>
+          <a:p>
+            <a:pPr indent="0" lvl="0" marL="0" rtl="0" algn="l">
+              <a:spcBef>
+                <a:spcPts val="0"/>
+              </a:spcBef>
+              <a:spcAft>
+                <a:spcPts val="0"/>
+              </a:spcAft>
+              <a:buNone/>
+            </a:pPr>
+            <a:r>
+              <a:rPr lang="en"/>
               <a:t>5. Deployment: Sub-Graphs</a:t>
             </a:r>
             <a:endParaRPr/>
@@ -24356,7 +22023,7 @@
       </p:sp>
       <p:grpSp>
         <p:nvGrpSpPr>
-          <p:cNvPr id="464" name="Google Shape;464;p68"/>
+          <p:cNvPr id="391" name="Google Shape;391;p62"/>
           <p:cNvGrpSpPr/>
           <p:nvPr/>
         </p:nvGrpSpPr>
@@ -24370,7 +22037,7 @@
         </p:grpSpPr>
         <p:pic>
           <p:nvPicPr>
-            <p:cNvPr id="465" name="Google Shape;465;p68"/>
+            <p:cNvPr id="392" name="Google Shape;392;p62"/>
             <p:cNvPicPr preferRelativeResize="0"/>
             <p:nvPr/>
           </p:nvPicPr>
@@ -24397,7 +22064,7 @@
         </p:pic>
         <p:pic>
           <p:nvPicPr>
-            <p:cNvPr id="466" name="Google Shape;466;p68"/>
+            <p:cNvPr id="393" name="Google Shape;393;p62"/>
             <p:cNvPicPr preferRelativeResize="0"/>
             <p:nvPr/>
           </p:nvPicPr>
@@ -24424,7 +22091,7 @@
         </p:pic>
         <p:pic>
           <p:nvPicPr>
-            <p:cNvPr id="467" name="Google Shape;467;p68"/>
+            <p:cNvPr id="394" name="Google Shape;394;p62"/>
             <p:cNvPicPr preferRelativeResize="0"/>
             <p:nvPr/>
           </p:nvPicPr>
@@ -24451,7 +22118,7 @@
         </p:pic>
         <p:sp>
           <p:nvSpPr>
-            <p:cNvPr id="468" name="Google Shape;468;p68"/>
+            <p:cNvPr id="395" name="Google Shape;395;p62"/>
             <p:cNvSpPr/>
             <p:nvPr/>
           </p:nvSpPr>
@@ -24493,7 +22160,7 @@
         </p:sp>
         <p:sp>
           <p:nvSpPr>
-            <p:cNvPr id="469" name="Google Shape;469;p68"/>
+            <p:cNvPr id="396" name="Google Shape;396;p62"/>
             <p:cNvSpPr/>
             <p:nvPr/>
           </p:nvSpPr>
@@ -24536,7 +22203,7 @@
       </p:grpSp>
       <p:sp>
         <p:nvSpPr>
-          <p:cNvPr id="470" name="Google Shape;470;p68"/>
+          <p:cNvPr id="397" name="Google Shape;397;p62"/>
           <p:cNvSpPr/>
           <p:nvPr/>
         </p:nvSpPr>
@@ -24591,7 +22258,7 @@
       </p:sp>
       <p:sp>
         <p:nvSpPr>
-          <p:cNvPr id="471" name="Google Shape;471;p68"/>
+          <p:cNvPr id="398" name="Google Shape;398;p62"/>
           <p:cNvSpPr/>
           <p:nvPr/>
         </p:nvSpPr>
@@ -24712,12 +22379,12 @@
 </p:sld>
 </file>
 
-<file path=ppt/slides/slide57.xml><?xml version="1.0" encoding="utf-8"?>
+<file path=ppt/slides/slide51.xml><?xml version="1.0" encoding="utf-8"?>
 <p:sld xmlns:a="http://schemas.openxmlformats.org/drawingml/2006/main" xmlns:r="http://schemas.openxmlformats.org/officeDocument/2006/relationships" xmlns:mc="http://schemas.openxmlformats.org/markup-compatibility/2006" xmlns:mv="urn:schemas-microsoft-com:mac:vml" xmlns:p="http://schemas.openxmlformats.org/presentationml/2006/main" xmlns:c="http://schemas.openxmlformats.org/drawingml/2006/chart" xmlns:dgm="http://schemas.openxmlformats.org/drawingml/2006/diagram" xmlns:o="urn:schemas-microsoft-com:office:office" xmlns:v="urn:schemas-microsoft-com:vml" xmlns:pvml="urn:schemas-microsoft-com:office:powerpoint" xmlns:com="http://schemas.openxmlformats.org/drawingml/2006/compatibility" xmlns:p14="http://schemas.microsoft.com/office/powerpoint/2010/main" xmlns:p15="http://schemas.microsoft.com/office/powerpoint/2012/main" xmlns:ahyp="http://schemas.microsoft.com/office/drawing/2018/hyperlinkcolor">
   <p:cSld>
     <p:spTree>
       <p:nvGrpSpPr>
-        <p:cNvPr id="475" name="Shape 475"/>
+        <p:cNvPr id="402" name="Shape 402"/>
         <p:cNvGrpSpPr/>
         <p:nvPr/>
       </p:nvGrpSpPr>
@@ -24731,7 +22398,7 @@
       </p:grpSpPr>
       <p:sp>
         <p:nvSpPr>
-          <p:cNvPr id="476" name="Google Shape;476;p69"/>
+          <p:cNvPr id="403" name="Google Shape;403;p63"/>
           <p:cNvSpPr txBox="1"/>
           <p:nvPr>
             <p:ph type="title"/>
@@ -24771,7 +22438,7 @@
       </p:sp>
       <p:grpSp>
         <p:nvGrpSpPr>
-          <p:cNvPr id="477" name="Google Shape;477;p69"/>
+          <p:cNvPr id="404" name="Google Shape;404;p63"/>
           <p:cNvGrpSpPr/>
           <p:nvPr/>
         </p:nvGrpSpPr>
@@ -24785,7 +22452,7 @@
         </p:grpSpPr>
         <p:pic>
           <p:nvPicPr>
-            <p:cNvPr id="478" name="Google Shape;478;p69"/>
+            <p:cNvPr id="405" name="Google Shape;405;p63"/>
             <p:cNvPicPr preferRelativeResize="0"/>
             <p:nvPr/>
           </p:nvPicPr>
@@ -24812,7 +22479,7 @@
         </p:pic>
         <p:pic>
           <p:nvPicPr>
-            <p:cNvPr id="479" name="Google Shape;479;p69"/>
+            <p:cNvPr id="406" name="Google Shape;406;p63"/>
             <p:cNvPicPr preferRelativeResize="0"/>
             <p:nvPr/>
           </p:nvPicPr>
@@ -24839,7 +22506,7 @@
         </p:pic>
         <p:pic>
           <p:nvPicPr>
-            <p:cNvPr id="480" name="Google Shape;480;p69"/>
+            <p:cNvPr id="407" name="Google Shape;407;p63"/>
             <p:cNvPicPr preferRelativeResize="0"/>
             <p:nvPr/>
           </p:nvPicPr>
@@ -24866,7 +22533,7 @@
         </p:pic>
         <p:sp>
           <p:nvSpPr>
-            <p:cNvPr id="481" name="Google Shape;481;p69"/>
+            <p:cNvPr id="408" name="Google Shape;408;p63"/>
             <p:cNvSpPr/>
             <p:nvPr/>
           </p:nvSpPr>
@@ -24908,7 +22575,7 @@
         </p:sp>
         <p:sp>
           <p:nvSpPr>
-            <p:cNvPr id="482" name="Google Shape;482;p69"/>
+            <p:cNvPr id="409" name="Google Shape;409;p63"/>
             <p:cNvSpPr/>
             <p:nvPr/>
           </p:nvSpPr>
@@ -24951,7 +22618,7 @@
       </p:grpSp>
       <p:sp>
         <p:nvSpPr>
-          <p:cNvPr id="483" name="Google Shape;483;p69"/>
+          <p:cNvPr id="410" name="Google Shape;410;p63"/>
           <p:cNvSpPr/>
           <p:nvPr/>
         </p:nvSpPr>
@@ -25005,7 +22672,7 @@
       </p:sp>
       <p:sp>
         <p:nvSpPr>
-          <p:cNvPr id="484" name="Google Shape;484;p69"/>
+          <p:cNvPr id="411" name="Google Shape;411;p63"/>
           <p:cNvSpPr/>
           <p:nvPr/>
         </p:nvSpPr>
@@ -25050,7 +22717,7 @@
       </p:sp>
       <p:sp>
         <p:nvSpPr>
-          <p:cNvPr id="485" name="Google Shape;485;p69"/>
+          <p:cNvPr id="412" name="Google Shape;412;p63"/>
           <p:cNvSpPr/>
           <p:nvPr/>
         </p:nvSpPr>
@@ -25095,7 +22762,7 @@
       </p:sp>
       <p:sp>
         <p:nvSpPr>
-          <p:cNvPr id="486" name="Google Shape;486;p69"/>
+          <p:cNvPr id="413" name="Google Shape;413;p63"/>
           <p:cNvSpPr/>
           <p:nvPr/>
         </p:nvSpPr>
@@ -25150,7 +22817,7 @@
       </p:sp>
       <p:sp>
         <p:nvSpPr>
-          <p:cNvPr id="487" name="Google Shape;487;p69"/>
+          <p:cNvPr id="414" name="Google Shape;414;p63"/>
           <p:cNvSpPr/>
           <p:nvPr/>
         </p:nvSpPr>
@@ -25271,12 +22938,12 @@
 </p:sld>
 </file>
 
-<file path=ppt/slides/slide58.xml><?xml version="1.0" encoding="utf-8"?>
+<file path=ppt/slides/slide52.xml><?xml version="1.0" encoding="utf-8"?>
 <p:sld xmlns:a="http://schemas.openxmlformats.org/drawingml/2006/main" xmlns:r="http://schemas.openxmlformats.org/officeDocument/2006/relationships" xmlns:mc="http://schemas.openxmlformats.org/markup-compatibility/2006" xmlns:mv="urn:schemas-microsoft-com:mac:vml" xmlns:p="http://schemas.openxmlformats.org/presentationml/2006/main" xmlns:c="http://schemas.openxmlformats.org/drawingml/2006/chart" xmlns:dgm="http://schemas.openxmlformats.org/drawingml/2006/diagram" xmlns:o="urn:schemas-microsoft-com:office:office" xmlns:v="urn:schemas-microsoft-com:vml" xmlns:pvml="urn:schemas-microsoft-com:office:powerpoint" xmlns:com="http://schemas.openxmlformats.org/drawingml/2006/compatibility" xmlns:p14="http://schemas.microsoft.com/office/powerpoint/2010/main" xmlns:p15="http://schemas.microsoft.com/office/powerpoint/2012/main" xmlns:ahyp="http://schemas.microsoft.com/office/drawing/2018/hyperlinkcolor">
   <p:cSld>
     <p:spTree>
       <p:nvGrpSpPr>
-        <p:cNvPr id="491" name="Shape 491"/>
+        <p:cNvPr id="418" name="Shape 418"/>
         <p:cNvGrpSpPr/>
         <p:nvPr/>
       </p:nvGrpSpPr>
@@ -25290,7 +22957,7 @@
       </p:grpSpPr>
       <p:sp>
         <p:nvSpPr>
-          <p:cNvPr id="492" name="Google Shape;492;p70"/>
+          <p:cNvPr id="419" name="Google Shape;419;p64"/>
           <p:cNvSpPr txBox="1"/>
           <p:nvPr>
             <p:ph type="title"/>
@@ -25330,7 +22997,7 @@
       </p:sp>
       <p:grpSp>
         <p:nvGrpSpPr>
-          <p:cNvPr id="493" name="Google Shape;493;p70"/>
+          <p:cNvPr id="420" name="Google Shape;420;p64"/>
           <p:cNvGrpSpPr/>
           <p:nvPr/>
         </p:nvGrpSpPr>
@@ -25344,7 +23011,7 @@
         </p:grpSpPr>
         <p:pic>
           <p:nvPicPr>
-            <p:cNvPr id="494" name="Google Shape;494;p70"/>
+            <p:cNvPr id="421" name="Google Shape;421;p64"/>
             <p:cNvPicPr preferRelativeResize="0"/>
             <p:nvPr/>
           </p:nvPicPr>
@@ -25371,7 +23038,7 @@
         </p:pic>
         <p:pic>
           <p:nvPicPr>
-            <p:cNvPr id="495" name="Google Shape;495;p70"/>
+            <p:cNvPr id="422" name="Google Shape;422;p64"/>
             <p:cNvPicPr preferRelativeResize="0"/>
             <p:nvPr/>
           </p:nvPicPr>
@@ -25398,7 +23065,7 @@
         </p:pic>
         <p:pic>
           <p:nvPicPr>
-            <p:cNvPr id="496" name="Google Shape;496;p70"/>
+            <p:cNvPr id="423" name="Google Shape;423;p64"/>
             <p:cNvPicPr preferRelativeResize="0"/>
             <p:nvPr/>
           </p:nvPicPr>
@@ -25425,7 +23092,7 @@
         </p:pic>
         <p:sp>
           <p:nvSpPr>
-            <p:cNvPr id="497" name="Google Shape;497;p70"/>
+            <p:cNvPr id="424" name="Google Shape;424;p64"/>
             <p:cNvSpPr/>
             <p:nvPr/>
           </p:nvSpPr>
@@ -25467,7 +23134,7 @@
         </p:sp>
         <p:sp>
           <p:nvSpPr>
-            <p:cNvPr id="498" name="Google Shape;498;p70"/>
+            <p:cNvPr id="425" name="Google Shape;425;p64"/>
             <p:cNvSpPr/>
             <p:nvPr/>
           </p:nvSpPr>
@@ -25510,7 +23177,7 @@
       </p:grpSp>
       <p:sp>
         <p:nvSpPr>
-          <p:cNvPr id="499" name="Google Shape;499;p70"/>
+          <p:cNvPr id="426" name="Google Shape;426;p64"/>
           <p:cNvSpPr/>
           <p:nvPr/>
         </p:nvSpPr>
@@ -25576,7 +23243,7 @@
       </p:sp>
       <p:sp>
         <p:nvSpPr>
-          <p:cNvPr id="500" name="Google Shape;500;p70"/>
+          <p:cNvPr id="427" name="Google Shape;427;p64"/>
           <p:cNvSpPr/>
           <p:nvPr/>
         </p:nvSpPr>
@@ -25621,7 +23288,7 @@
       </p:sp>
       <p:sp>
         <p:nvSpPr>
-          <p:cNvPr id="501" name="Google Shape;501;p70"/>
+          <p:cNvPr id="428" name="Google Shape;428;p64"/>
           <p:cNvSpPr/>
           <p:nvPr/>
         </p:nvSpPr>
@@ -25666,7 +23333,7 @@
       </p:sp>
       <p:sp>
         <p:nvSpPr>
-          <p:cNvPr id="502" name="Google Shape;502;p70"/>
+          <p:cNvPr id="429" name="Google Shape;429;p64"/>
           <p:cNvSpPr/>
           <p:nvPr/>
         </p:nvSpPr>
@@ -25728,7 +23395,7 @@
       </p:sp>
       <p:sp>
         <p:nvSpPr>
-          <p:cNvPr id="503" name="Google Shape;503;p70"/>
+          <p:cNvPr id="430" name="Google Shape;430;p64"/>
           <p:cNvSpPr/>
           <p:nvPr/>
         </p:nvSpPr>
@@ -25845,6 +23512,2375 @@
               <a:t>Task</a:t>
             </a:r>
             <a:endParaRPr sz="900"/>
+          </a:p>
+        </p:txBody>
+      </p:sp>
+    </p:spTree>
+  </p:cSld>
+  <p:clrMapOvr>
+    <a:masterClrMapping/>
+  </p:clrMapOvr>
+</p:sld>
+</file>
+
+<file path=ppt/slides/slide53.xml><?xml version="1.0" encoding="utf-8"?>
+<p:sld xmlns:a="http://schemas.openxmlformats.org/drawingml/2006/main" xmlns:r="http://schemas.openxmlformats.org/officeDocument/2006/relationships" xmlns:mc="http://schemas.openxmlformats.org/markup-compatibility/2006" xmlns:mv="urn:schemas-microsoft-com:mac:vml" xmlns:p="http://schemas.openxmlformats.org/presentationml/2006/main" xmlns:c="http://schemas.openxmlformats.org/drawingml/2006/chart" xmlns:dgm="http://schemas.openxmlformats.org/drawingml/2006/diagram" xmlns:o="urn:schemas-microsoft-com:office:office" xmlns:v="urn:schemas-microsoft-com:vml" xmlns:pvml="urn:schemas-microsoft-com:office:powerpoint" xmlns:com="http://schemas.openxmlformats.org/drawingml/2006/compatibility" xmlns:p14="http://schemas.microsoft.com/office/powerpoint/2010/main" xmlns:p15="http://schemas.microsoft.com/office/powerpoint/2012/main" xmlns:ahyp="http://schemas.microsoft.com/office/drawing/2018/hyperlinkcolor">
+  <p:cSld>
+    <p:spTree>
+      <p:nvGrpSpPr>
+        <p:cNvPr id="434" name="Shape 434"/>
+        <p:cNvGrpSpPr/>
+        <p:nvPr/>
+      </p:nvGrpSpPr>
+      <p:grpSpPr>
+        <a:xfrm>
+          <a:off x="0" y="0"/>
+          <a:ext cx="0" cy="0"/>
+          <a:chOff x="0" y="0"/>
+          <a:chExt cx="0" cy="0"/>
+        </a:xfrm>
+      </p:grpSpPr>
+      <p:sp>
+        <p:nvSpPr>
+          <p:cNvPr id="435" name="Google Shape;435;p65"/>
+          <p:cNvSpPr txBox="1"/>
+          <p:nvPr>
+            <p:ph type="title"/>
+          </p:nvPr>
+        </p:nvSpPr>
+        <p:spPr>
+          <a:xfrm>
+            <a:off x="311700" y="445025"/>
+            <a:ext cx="8520600" cy="572700"/>
+          </a:xfrm>
+          <a:prstGeom prst="rect">
+            <a:avLst/>
+          </a:prstGeom>
+        </p:spPr>
+        <p:txBody>
+          <a:bodyPr anchorCtr="0" anchor="t" bIns="91425" lIns="91425" spcFirstLastPara="1" rIns="91425" wrap="square" tIns="91425">
+            <a:normAutofit fontScale="90000"/>
+          </a:bodyPr>
+          <a:lstStyle/>
+          <a:p>
+            <a:pPr indent="0" lvl="0" marL="0" rtl="0" algn="l">
+              <a:spcBef>
+                <a:spcPts val="0"/>
+              </a:spcBef>
+              <a:spcAft>
+                <a:spcPts val="0"/>
+              </a:spcAft>
+              <a:buNone/>
+            </a:pPr>
+            <a:r>
+              <a:rPr lang="en"/>
+              <a:t>5. Deployment: API Levels</a:t>
+            </a:r>
+            <a:endParaRPr/>
+          </a:p>
+        </p:txBody>
+      </p:sp>
+      <p:sp>
+        <p:nvSpPr>
+          <p:cNvPr id="436" name="Google Shape;436;p65"/>
+          <p:cNvSpPr txBox="1"/>
+          <p:nvPr>
+            <p:ph idx="1" type="body"/>
+          </p:nvPr>
+        </p:nvSpPr>
+        <p:spPr>
+          <a:xfrm>
+            <a:off x="311700" y="1152475"/>
+            <a:ext cx="8520600" cy="3416400"/>
+          </a:xfrm>
+          <a:prstGeom prst="rect">
+            <a:avLst/>
+          </a:prstGeom>
+        </p:spPr>
+        <p:txBody>
+          <a:bodyPr anchorCtr="0" anchor="t" bIns="91425" lIns="91425" spcFirstLastPara="1" rIns="91425" wrap="square" tIns="91425">
+            <a:normAutofit/>
+          </a:bodyPr>
+          <a:lstStyle/>
+          <a:p>
+            <a:pPr indent="0" lvl="0" marL="0" rtl="0" algn="l">
+              <a:spcBef>
+                <a:spcPts val="0"/>
+              </a:spcBef>
+              <a:spcAft>
+                <a:spcPts val="1200"/>
+              </a:spcAft>
+              <a:buNone/>
+            </a:pPr>
+            <a:r>
+              <a:t/>
+            </a:r>
+            <a:endParaRPr/>
+          </a:p>
+        </p:txBody>
+      </p:sp>
+      <p:pic>
+        <p:nvPicPr>
+          <p:cNvPr id="437" name="Google Shape;437;p65"/>
+          <p:cNvPicPr preferRelativeResize="0"/>
+          <p:nvPr/>
+        </p:nvPicPr>
+        <p:blipFill>
+          <a:blip r:embed="rId3">
+            <a:alphaModFix/>
+          </a:blip>
+          <a:stretch>
+            <a:fillRect/>
+          </a:stretch>
+        </p:blipFill>
+        <p:spPr>
+          <a:xfrm>
+            <a:off x="921171" y="1628750"/>
+            <a:ext cx="2289075" cy="2635925"/>
+          </a:xfrm>
+          <a:prstGeom prst="rect">
+            <a:avLst/>
+          </a:prstGeom>
+          <a:noFill/>
+          <a:ln>
+            <a:noFill/>
+          </a:ln>
+        </p:spPr>
+      </p:pic>
+    </p:spTree>
+  </p:cSld>
+  <p:clrMapOvr>
+    <a:masterClrMapping/>
+  </p:clrMapOvr>
+</p:sld>
+</file>
+
+<file path=ppt/slides/slide54.xml><?xml version="1.0" encoding="utf-8"?>
+<p:sld xmlns:a="http://schemas.openxmlformats.org/drawingml/2006/main" xmlns:r="http://schemas.openxmlformats.org/officeDocument/2006/relationships" xmlns:mc="http://schemas.openxmlformats.org/markup-compatibility/2006" xmlns:mv="urn:schemas-microsoft-com:mac:vml" xmlns:p="http://schemas.openxmlformats.org/presentationml/2006/main" xmlns:c="http://schemas.openxmlformats.org/drawingml/2006/chart" xmlns:dgm="http://schemas.openxmlformats.org/drawingml/2006/diagram" xmlns:o="urn:schemas-microsoft-com:office:office" xmlns:v="urn:schemas-microsoft-com:vml" xmlns:pvml="urn:schemas-microsoft-com:office:powerpoint" xmlns:com="http://schemas.openxmlformats.org/drawingml/2006/compatibility" xmlns:p14="http://schemas.microsoft.com/office/powerpoint/2010/main" xmlns:p15="http://schemas.microsoft.com/office/powerpoint/2012/main" xmlns:ahyp="http://schemas.microsoft.com/office/drawing/2018/hyperlinkcolor">
+  <p:cSld>
+    <p:spTree>
+      <p:nvGrpSpPr>
+        <p:cNvPr id="441" name="Shape 441"/>
+        <p:cNvGrpSpPr/>
+        <p:nvPr/>
+      </p:nvGrpSpPr>
+      <p:grpSpPr>
+        <a:xfrm>
+          <a:off x="0" y="0"/>
+          <a:ext cx="0" cy="0"/>
+          <a:chOff x="0" y="0"/>
+          <a:chExt cx="0" cy="0"/>
+        </a:xfrm>
+      </p:grpSpPr>
+      <p:sp>
+        <p:nvSpPr>
+          <p:cNvPr id="442" name="Google Shape;442;p66"/>
+          <p:cNvSpPr txBox="1"/>
+          <p:nvPr>
+            <p:ph type="title"/>
+          </p:nvPr>
+        </p:nvSpPr>
+        <p:spPr>
+          <a:xfrm>
+            <a:off x="311700" y="445025"/>
+            <a:ext cx="8520600" cy="572700"/>
+          </a:xfrm>
+          <a:prstGeom prst="rect">
+            <a:avLst/>
+          </a:prstGeom>
+        </p:spPr>
+        <p:txBody>
+          <a:bodyPr anchorCtr="0" anchor="t" bIns="91425" lIns="91425" spcFirstLastPara="1" rIns="91425" wrap="square" tIns="91425">
+            <a:normAutofit fontScale="90000"/>
+          </a:bodyPr>
+          <a:lstStyle/>
+          <a:p>
+            <a:pPr indent="0" lvl="0" marL="0" rtl="0" algn="l">
+              <a:spcBef>
+                <a:spcPts val="0"/>
+              </a:spcBef>
+              <a:spcAft>
+                <a:spcPts val="0"/>
+              </a:spcAft>
+              <a:buNone/>
+            </a:pPr>
+            <a:r>
+              <a:rPr lang="en"/>
+              <a:t>5. Deployment: API Levels</a:t>
+            </a:r>
+            <a:endParaRPr/>
+          </a:p>
+        </p:txBody>
+      </p:sp>
+      <p:sp>
+        <p:nvSpPr>
+          <p:cNvPr id="443" name="Google Shape;443;p66"/>
+          <p:cNvSpPr txBox="1"/>
+          <p:nvPr>
+            <p:ph idx="1" type="body"/>
+          </p:nvPr>
+        </p:nvSpPr>
+        <p:spPr>
+          <a:xfrm>
+            <a:off x="311700" y="1152475"/>
+            <a:ext cx="8520600" cy="3416400"/>
+          </a:xfrm>
+          <a:prstGeom prst="rect">
+            <a:avLst/>
+          </a:prstGeom>
+        </p:spPr>
+        <p:txBody>
+          <a:bodyPr anchorCtr="0" anchor="t" bIns="91425" lIns="91425" spcFirstLastPara="1" rIns="91425" wrap="square" tIns="91425">
+            <a:normAutofit/>
+          </a:bodyPr>
+          <a:lstStyle/>
+          <a:p>
+            <a:pPr indent="0" lvl="0" marL="0" rtl="0" algn="l">
+              <a:spcBef>
+                <a:spcPts val="0"/>
+              </a:spcBef>
+              <a:spcAft>
+                <a:spcPts val="1200"/>
+              </a:spcAft>
+              <a:buNone/>
+            </a:pPr>
+            <a:r>
+              <a:t/>
+            </a:r>
+            <a:endParaRPr/>
+          </a:p>
+        </p:txBody>
+      </p:sp>
+      <p:pic>
+        <p:nvPicPr>
+          <p:cNvPr id="444" name="Google Shape;444;p66"/>
+          <p:cNvPicPr preferRelativeResize="0"/>
+          <p:nvPr/>
+        </p:nvPicPr>
+        <p:blipFill>
+          <a:blip r:embed="rId3">
+            <a:alphaModFix/>
+          </a:blip>
+          <a:stretch>
+            <a:fillRect/>
+          </a:stretch>
+        </p:blipFill>
+        <p:spPr>
+          <a:xfrm>
+            <a:off x="921171" y="1628750"/>
+            <a:ext cx="2289075" cy="2635925"/>
+          </a:xfrm>
+          <a:prstGeom prst="rect">
+            <a:avLst/>
+          </a:prstGeom>
+          <a:noFill/>
+          <a:ln>
+            <a:noFill/>
+          </a:ln>
+        </p:spPr>
+      </p:pic>
+      <p:sp>
+        <p:nvSpPr>
+          <p:cNvPr id="445" name="Google Shape;445;p66"/>
+          <p:cNvSpPr/>
+          <p:nvPr/>
+        </p:nvSpPr>
+        <p:spPr>
+          <a:xfrm>
+            <a:off x="3683175" y="3795550"/>
+            <a:ext cx="2878500" cy="405900"/>
+          </a:xfrm>
+          <a:prstGeom prst="rect">
+            <a:avLst/>
+          </a:prstGeom>
+          <a:solidFill>
+            <a:schemeClr val="lt2"/>
+          </a:solidFill>
+          <a:ln cap="flat" cmpd="sng" w="9525">
+            <a:solidFill>
+              <a:schemeClr val="dk2"/>
+            </a:solidFill>
+            <a:prstDash val="solid"/>
+            <a:round/>
+            <a:headEnd len="sm" w="sm" type="none"/>
+            <a:tailEnd len="sm" w="sm" type="none"/>
+          </a:ln>
+        </p:spPr>
+        <p:txBody>
+          <a:bodyPr anchorCtr="0" anchor="ctr" bIns="91425" lIns="91425" spcFirstLastPara="1" rIns="91425" wrap="square" tIns="91425">
+            <a:noAutofit/>
+          </a:bodyPr>
+          <a:lstStyle/>
+          <a:p>
+            <a:pPr indent="0" lvl="0" marL="0" rtl="0" algn="ctr">
+              <a:spcBef>
+                <a:spcPts val="0"/>
+              </a:spcBef>
+              <a:spcAft>
+                <a:spcPts val="0"/>
+              </a:spcAft>
+              <a:buNone/>
+            </a:pPr>
+            <a:r>
+              <a:rPr lang="en" sz="1300"/>
+              <a:t>Host machine</a:t>
+            </a:r>
+            <a:endParaRPr sz="1300"/>
+          </a:p>
+        </p:txBody>
+      </p:sp>
+      <p:sp>
+        <p:nvSpPr>
+          <p:cNvPr id="446" name="Google Shape;446;p66"/>
+          <p:cNvSpPr/>
+          <p:nvPr/>
+        </p:nvSpPr>
+        <p:spPr>
+          <a:xfrm>
+            <a:off x="3210250" y="3965900"/>
+            <a:ext cx="391800" cy="126300"/>
+          </a:xfrm>
+          <a:prstGeom prst="leftArrow">
+            <a:avLst>
+              <a:gd fmla="val 50000" name="adj1"/>
+              <a:gd fmla="val 50000" name="adj2"/>
+            </a:avLst>
+          </a:prstGeom>
+          <a:solidFill>
+            <a:schemeClr val="lt2"/>
+          </a:solidFill>
+          <a:ln cap="flat" cmpd="sng" w="9525">
+            <a:solidFill>
+              <a:schemeClr val="dk2"/>
+            </a:solidFill>
+            <a:prstDash val="solid"/>
+            <a:round/>
+            <a:headEnd len="sm" w="sm" type="none"/>
+            <a:tailEnd len="sm" w="sm" type="none"/>
+          </a:ln>
+        </p:spPr>
+        <p:txBody>
+          <a:bodyPr anchorCtr="0" anchor="ctr" bIns="91425" lIns="91425" spcFirstLastPara="1" rIns="91425" wrap="square" tIns="91425">
+            <a:noAutofit/>
+          </a:bodyPr>
+          <a:lstStyle/>
+          <a:p>
+            <a:pPr indent="0" lvl="0" marL="0" rtl="0" algn="l">
+              <a:spcBef>
+                <a:spcPts val="0"/>
+              </a:spcBef>
+              <a:spcAft>
+                <a:spcPts val="0"/>
+              </a:spcAft>
+              <a:buNone/>
+            </a:pPr>
+            <a:r>
+              <a:t/>
+            </a:r>
+            <a:endParaRPr/>
+          </a:p>
+        </p:txBody>
+      </p:sp>
+    </p:spTree>
+  </p:cSld>
+  <p:clrMapOvr>
+    <a:masterClrMapping/>
+  </p:clrMapOvr>
+</p:sld>
+</file>
+
+<file path=ppt/slides/slide55.xml><?xml version="1.0" encoding="utf-8"?>
+<p:sld xmlns:a="http://schemas.openxmlformats.org/drawingml/2006/main" xmlns:r="http://schemas.openxmlformats.org/officeDocument/2006/relationships" xmlns:mc="http://schemas.openxmlformats.org/markup-compatibility/2006" xmlns:mv="urn:schemas-microsoft-com:mac:vml" xmlns:p="http://schemas.openxmlformats.org/presentationml/2006/main" xmlns:c="http://schemas.openxmlformats.org/drawingml/2006/chart" xmlns:dgm="http://schemas.openxmlformats.org/drawingml/2006/diagram" xmlns:o="urn:schemas-microsoft-com:office:office" xmlns:v="urn:schemas-microsoft-com:vml" xmlns:pvml="urn:schemas-microsoft-com:office:powerpoint" xmlns:com="http://schemas.openxmlformats.org/drawingml/2006/compatibility" xmlns:p14="http://schemas.microsoft.com/office/powerpoint/2010/main" xmlns:p15="http://schemas.microsoft.com/office/powerpoint/2012/main" xmlns:ahyp="http://schemas.microsoft.com/office/drawing/2018/hyperlinkcolor">
+  <p:cSld>
+    <p:spTree>
+      <p:nvGrpSpPr>
+        <p:cNvPr id="450" name="Shape 450"/>
+        <p:cNvGrpSpPr/>
+        <p:nvPr/>
+      </p:nvGrpSpPr>
+      <p:grpSpPr>
+        <a:xfrm>
+          <a:off x="0" y="0"/>
+          <a:ext cx="0" cy="0"/>
+          <a:chOff x="0" y="0"/>
+          <a:chExt cx="0" cy="0"/>
+        </a:xfrm>
+      </p:grpSpPr>
+      <p:sp>
+        <p:nvSpPr>
+          <p:cNvPr id="451" name="Google Shape;451;p67"/>
+          <p:cNvSpPr txBox="1"/>
+          <p:nvPr>
+            <p:ph type="title"/>
+          </p:nvPr>
+        </p:nvSpPr>
+        <p:spPr>
+          <a:xfrm>
+            <a:off x="311700" y="445025"/>
+            <a:ext cx="8520600" cy="572700"/>
+          </a:xfrm>
+          <a:prstGeom prst="rect">
+            <a:avLst/>
+          </a:prstGeom>
+        </p:spPr>
+        <p:txBody>
+          <a:bodyPr anchorCtr="0" anchor="t" bIns="91425" lIns="91425" spcFirstLastPara="1" rIns="91425" wrap="square" tIns="91425">
+            <a:normAutofit fontScale="90000"/>
+          </a:bodyPr>
+          <a:lstStyle/>
+          <a:p>
+            <a:pPr indent="0" lvl="0" marL="0" rtl="0" algn="l">
+              <a:spcBef>
+                <a:spcPts val="0"/>
+              </a:spcBef>
+              <a:spcAft>
+                <a:spcPts val="0"/>
+              </a:spcAft>
+              <a:buNone/>
+            </a:pPr>
+            <a:r>
+              <a:rPr lang="en"/>
+              <a:t>5. Deployment: API Levels</a:t>
+            </a:r>
+            <a:endParaRPr/>
+          </a:p>
+        </p:txBody>
+      </p:sp>
+      <p:sp>
+        <p:nvSpPr>
+          <p:cNvPr id="452" name="Google Shape;452;p67"/>
+          <p:cNvSpPr txBox="1"/>
+          <p:nvPr>
+            <p:ph idx="1" type="body"/>
+          </p:nvPr>
+        </p:nvSpPr>
+        <p:spPr>
+          <a:xfrm>
+            <a:off x="311700" y="1152475"/>
+            <a:ext cx="8520600" cy="3416400"/>
+          </a:xfrm>
+          <a:prstGeom prst="rect">
+            <a:avLst/>
+          </a:prstGeom>
+        </p:spPr>
+        <p:txBody>
+          <a:bodyPr anchorCtr="0" anchor="t" bIns="91425" lIns="91425" spcFirstLastPara="1" rIns="91425" wrap="square" tIns="91425">
+            <a:normAutofit/>
+          </a:bodyPr>
+          <a:lstStyle/>
+          <a:p>
+            <a:pPr indent="0" lvl="0" marL="0" rtl="0" algn="l">
+              <a:spcBef>
+                <a:spcPts val="0"/>
+              </a:spcBef>
+              <a:spcAft>
+                <a:spcPts val="1200"/>
+              </a:spcAft>
+              <a:buNone/>
+            </a:pPr>
+            <a:r>
+              <a:t/>
+            </a:r>
+            <a:endParaRPr/>
+          </a:p>
+        </p:txBody>
+      </p:sp>
+      <p:pic>
+        <p:nvPicPr>
+          <p:cNvPr id="453" name="Google Shape;453;p67"/>
+          <p:cNvPicPr preferRelativeResize="0"/>
+          <p:nvPr/>
+        </p:nvPicPr>
+        <p:blipFill>
+          <a:blip r:embed="rId3">
+            <a:alphaModFix/>
+          </a:blip>
+          <a:stretch>
+            <a:fillRect/>
+          </a:stretch>
+        </p:blipFill>
+        <p:spPr>
+          <a:xfrm>
+            <a:off x="921171" y="1628750"/>
+            <a:ext cx="2289075" cy="2635925"/>
+          </a:xfrm>
+          <a:prstGeom prst="rect">
+            <a:avLst/>
+          </a:prstGeom>
+          <a:noFill/>
+          <a:ln>
+            <a:noFill/>
+          </a:ln>
+        </p:spPr>
+      </p:pic>
+      <p:sp>
+        <p:nvSpPr>
+          <p:cNvPr id="454" name="Google Shape;454;p67"/>
+          <p:cNvSpPr/>
+          <p:nvPr/>
+        </p:nvSpPr>
+        <p:spPr>
+          <a:xfrm>
+            <a:off x="3683175" y="3795550"/>
+            <a:ext cx="2878500" cy="405900"/>
+          </a:xfrm>
+          <a:prstGeom prst="rect">
+            <a:avLst/>
+          </a:prstGeom>
+          <a:solidFill>
+            <a:schemeClr val="lt2"/>
+          </a:solidFill>
+          <a:ln cap="flat" cmpd="sng" w="9525">
+            <a:solidFill>
+              <a:schemeClr val="dk2"/>
+            </a:solidFill>
+            <a:prstDash val="solid"/>
+            <a:round/>
+            <a:headEnd len="sm" w="sm" type="none"/>
+            <a:tailEnd len="sm" w="sm" type="none"/>
+          </a:ln>
+        </p:spPr>
+        <p:txBody>
+          <a:bodyPr anchorCtr="0" anchor="ctr" bIns="91425" lIns="91425" spcFirstLastPara="1" rIns="91425" wrap="square" tIns="91425">
+            <a:noAutofit/>
+          </a:bodyPr>
+          <a:lstStyle/>
+          <a:p>
+            <a:pPr indent="0" lvl="0" marL="0" rtl="0" algn="ctr">
+              <a:spcBef>
+                <a:spcPts val="0"/>
+              </a:spcBef>
+              <a:spcAft>
+                <a:spcPts val="0"/>
+              </a:spcAft>
+              <a:buNone/>
+            </a:pPr>
+            <a:r>
+              <a:rPr lang="en" sz="1300"/>
+              <a:t>Host machine</a:t>
+            </a:r>
+            <a:endParaRPr sz="1300"/>
+          </a:p>
+        </p:txBody>
+      </p:sp>
+      <p:sp>
+        <p:nvSpPr>
+          <p:cNvPr id="455" name="Google Shape;455;p67"/>
+          <p:cNvSpPr/>
+          <p:nvPr/>
+        </p:nvSpPr>
+        <p:spPr>
+          <a:xfrm>
+            <a:off x="3210250" y="3965900"/>
+            <a:ext cx="391800" cy="126300"/>
+          </a:xfrm>
+          <a:prstGeom prst="leftArrow">
+            <a:avLst>
+              <a:gd fmla="val 50000" name="adj1"/>
+              <a:gd fmla="val 50000" name="adj2"/>
+            </a:avLst>
+          </a:prstGeom>
+          <a:solidFill>
+            <a:schemeClr val="lt2"/>
+          </a:solidFill>
+          <a:ln cap="flat" cmpd="sng" w="9525">
+            <a:solidFill>
+              <a:schemeClr val="dk2"/>
+            </a:solidFill>
+            <a:prstDash val="solid"/>
+            <a:round/>
+            <a:headEnd len="sm" w="sm" type="none"/>
+            <a:tailEnd len="sm" w="sm" type="none"/>
+          </a:ln>
+        </p:spPr>
+        <p:txBody>
+          <a:bodyPr anchorCtr="0" anchor="ctr" bIns="91425" lIns="91425" spcFirstLastPara="1" rIns="91425" wrap="square" tIns="91425">
+            <a:noAutofit/>
+          </a:bodyPr>
+          <a:lstStyle/>
+          <a:p>
+            <a:pPr indent="0" lvl="0" marL="0" rtl="0" algn="l">
+              <a:spcBef>
+                <a:spcPts val="0"/>
+              </a:spcBef>
+              <a:spcAft>
+                <a:spcPts val="0"/>
+              </a:spcAft>
+              <a:buNone/>
+            </a:pPr>
+            <a:r>
+              <a:t/>
+            </a:r>
+            <a:endParaRPr/>
+          </a:p>
+        </p:txBody>
+      </p:sp>
+      <p:sp>
+        <p:nvSpPr>
+          <p:cNvPr id="456" name="Google Shape;456;p67"/>
+          <p:cNvSpPr/>
+          <p:nvPr/>
+        </p:nvSpPr>
+        <p:spPr>
+          <a:xfrm>
+            <a:off x="3683175" y="3054525"/>
+            <a:ext cx="2923800" cy="405900"/>
+          </a:xfrm>
+          <a:prstGeom prst="rect">
+            <a:avLst/>
+          </a:prstGeom>
+          <a:solidFill>
+            <a:schemeClr val="lt2"/>
+          </a:solidFill>
+          <a:ln cap="flat" cmpd="sng" w="9525">
+            <a:solidFill>
+              <a:schemeClr val="dk2"/>
+            </a:solidFill>
+            <a:prstDash val="solid"/>
+            <a:round/>
+            <a:headEnd len="sm" w="sm" type="none"/>
+            <a:tailEnd len="sm" w="sm" type="none"/>
+          </a:ln>
+        </p:spPr>
+        <p:txBody>
+          <a:bodyPr anchorCtr="0" anchor="ctr" bIns="91425" lIns="91425" spcFirstLastPara="1" rIns="91425" wrap="square" tIns="91425">
+            <a:noAutofit/>
+          </a:bodyPr>
+          <a:lstStyle/>
+          <a:p>
+            <a:pPr indent="0" lvl="0" marL="0" rtl="0" algn="ctr">
+              <a:spcBef>
+                <a:spcPts val="0"/>
+              </a:spcBef>
+              <a:spcAft>
+                <a:spcPts val="0"/>
+              </a:spcAft>
+              <a:buNone/>
+            </a:pPr>
+            <a:r>
+              <a:rPr lang="en" sz="1300"/>
+              <a:t>When creating a complete new model</a:t>
+            </a:r>
+            <a:endParaRPr sz="1300"/>
+          </a:p>
+        </p:txBody>
+      </p:sp>
+      <p:sp>
+        <p:nvSpPr>
+          <p:cNvPr id="457" name="Google Shape;457;p67"/>
+          <p:cNvSpPr/>
+          <p:nvPr/>
+        </p:nvSpPr>
+        <p:spPr>
+          <a:xfrm>
+            <a:off x="3210250" y="3224950"/>
+            <a:ext cx="391800" cy="126300"/>
+          </a:xfrm>
+          <a:prstGeom prst="leftArrow">
+            <a:avLst>
+              <a:gd fmla="val 50000" name="adj1"/>
+              <a:gd fmla="val 50000" name="adj2"/>
+            </a:avLst>
+          </a:prstGeom>
+          <a:solidFill>
+            <a:schemeClr val="lt2"/>
+          </a:solidFill>
+          <a:ln cap="flat" cmpd="sng" w="9525">
+            <a:solidFill>
+              <a:schemeClr val="dk2"/>
+            </a:solidFill>
+            <a:prstDash val="solid"/>
+            <a:round/>
+            <a:headEnd len="sm" w="sm" type="none"/>
+            <a:tailEnd len="sm" w="sm" type="none"/>
+          </a:ln>
+        </p:spPr>
+        <p:txBody>
+          <a:bodyPr anchorCtr="0" anchor="ctr" bIns="91425" lIns="91425" spcFirstLastPara="1" rIns="91425" wrap="square" tIns="91425">
+            <a:noAutofit/>
+          </a:bodyPr>
+          <a:lstStyle/>
+          <a:p>
+            <a:pPr indent="0" lvl="0" marL="0" rtl="0" algn="l">
+              <a:spcBef>
+                <a:spcPts val="0"/>
+              </a:spcBef>
+              <a:spcAft>
+                <a:spcPts val="0"/>
+              </a:spcAft>
+              <a:buNone/>
+            </a:pPr>
+            <a:r>
+              <a:t/>
+            </a:r>
+            <a:endParaRPr/>
+          </a:p>
+        </p:txBody>
+      </p:sp>
+    </p:spTree>
+  </p:cSld>
+  <p:clrMapOvr>
+    <a:masterClrMapping/>
+  </p:clrMapOvr>
+</p:sld>
+</file>
+
+<file path=ppt/slides/slide56.xml><?xml version="1.0" encoding="utf-8"?>
+<p:sld xmlns:a="http://schemas.openxmlformats.org/drawingml/2006/main" xmlns:r="http://schemas.openxmlformats.org/officeDocument/2006/relationships" xmlns:mc="http://schemas.openxmlformats.org/markup-compatibility/2006" xmlns:mv="urn:schemas-microsoft-com:mac:vml" xmlns:p="http://schemas.openxmlformats.org/presentationml/2006/main" xmlns:c="http://schemas.openxmlformats.org/drawingml/2006/chart" xmlns:dgm="http://schemas.openxmlformats.org/drawingml/2006/diagram" xmlns:o="urn:schemas-microsoft-com:office:office" xmlns:v="urn:schemas-microsoft-com:vml" xmlns:pvml="urn:schemas-microsoft-com:office:powerpoint" xmlns:com="http://schemas.openxmlformats.org/drawingml/2006/compatibility" xmlns:p14="http://schemas.microsoft.com/office/powerpoint/2010/main" xmlns:p15="http://schemas.microsoft.com/office/powerpoint/2012/main" xmlns:ahyp="http://schemas.microsoft.com/office/drawing/2018/hyperlinkcolor">
+  <p:cSld>
+    <p:spTree>
+      <p:nvGrpSpPr>
+        <p:cNvPr id="461" name="Shape 461"/>
+        <p:cNvGrpSpPr/>
+        <p:nvPr/>
+      </p:nvGrpSpPr>
+      <p:grpSpPr>
+        <a:xfrm>
+          <a:off x="0" y="0"/>
+          <a:ext cx="0" cy="0"/>
+          <a:chOff x="0" y="0"/>
+          <a:chExt cx="0" cy="0"/>
+        </a:xfrm>
+      </p:grpSpPr>
+      <p:sp>
+        <p:nvSpPr>
+          <p:cNvPr id="462" name="Google Shape;462;p68"/>
+          <p:cNvSpPr txBox="1"/>
+          <p:nvPr>
+            <p:ph type="title"/>
+          </p:nvPr>
+        </p:nvSpPr>
+        <p:spPr>
+          <a:xfrm>
+            <a:off x="311700" y="445025"/>
+            <a:ext cx="8520600" cy="572700"/>
+          </a:xfrm>
+          <a:prstGeom prst="rect">
+            <a:avLst/>
+          </a:prstGeom>
+        </p:spPr>
+        <p:txBody>
+          <a:bodyPr anchorCtr="0" anchor="t" bIns="91425" lIns="91425" spcFirstLastPara="1" rIns="91425" wrap="square" tIns="91425">
+            <a:normAutofit fontScale="90000"/>
+          </a:bodyPr>
+          <a:lstStyle/>
+          <a:p>
+            <a:pPr indent="0" lvl="0" marL="0" rtl="0" algn="l">
+              <a:spcBef>
+                <a:spcPts val="0"/>
+              </a:spcBef>
+              <a:spcAft>
+                <a:spcPts val="0"/>
+              </a:spcAft>
+              <a:buNone/>
+            </a:pPr>
+            <a:r>
+              <a:rPr lang="en"/>
+              <a:t>5. Deployment: API Levels</a:t>
+            </a:r>
+            <a:endParaRPr/>
+          </a:p>
+        </p:txBody>
+      </p:sp>
+      <p:sp>
+        <p:nvSpPr>
+          <p:cNvPr id="463" name="Google Shape;463;p68"/>
+          <p:cNvSpPr txBox="1"/>
+          <p:nvPr>
+            <p:ph idx="1" type="body"/>
+          </p:nvPr>
+        </p:nvSpPr>
+        <p:spPr>
+          <a:xfrm>
+            <a:off x="311700" y="1152475"/>
+            <a:ext cx="8520600" cy="3416400"/>
+          </a:xfrm>
+          <a:prstGeom prst="rect">
+            <a:avLst/>
+          </a:prstGeom>
+        </p:spPr>
+        <p:txBody>
+          <a:bodyPr anchorCtr="0" anchor="t" bIns="91425" lIns="91425" spcFirstLastPara="1" rIns="91425" wrap="square" tIns="91425">
+            <a:normAutofit/>
+          </a:bodyPr>
+          <a:lstStyle/>
+          <a:p>
+            <a:pPr indent="0" lvl="0" marL="0" rtl="0" algn="l">
+              <a:spcBef>
+                <a:spcPts val="0"/>
+              </a:spcBef>
+              <a:spcAft>
+                <a:spcPts val="1200"/>
+              </a:spcAft>
+              <a:buNone/>
+            </a:pPr>
+            <a:r>
+              <a:t/>
+            </a:r>
+            <a:endParaRPr/>
+          </a:p>
+        </p:txBody>
+      </p:sp>
+      <p:pic>
+        <p:nvPicPr>
+          <p:cNvPr id="464" name="Google Shape;464;p68"/>
+          <p:cNvPicPr preferRelativeResize="0"/>
+          <p:nvPr/>
+        </p:nvPicPr>
+        <p:blipFill>
+          <a:blip r:embed="rId3">
+            <a:alphaModFix/>
+          </a:blip>
+          <a:stretch>
+            <a:fillRect/>
+          </a:stretch>
+        </p:blipFill>
+        <p:spPr>
+          <a:xfrm>
+            <a:off x="921171" y="1628750"/>
+            <a:ext cx="2289075" cy="2635925"/>
+          </a:xfrm>
+          <a:prstGeom prst="rect">
+            <a:avLst/>
+          </a:prstGeom>
+          <a:noFill/>
+          <a:ln>
+            <a:noFill/>
+          </a:ln>
+        </p:spPr>
+      </p:pic>
+      <p:sp>
+        <p:nvSpPr>
+          <p:cNvPr id="465" name="Google Shape;465;p68"/>
+          <p:cNvSpPr/>
+          <p:nvPr/>
+        </p:nvSpPr>
+        <p:spPr>
+          <a:xfrm>
+            <a:off x="3683175" y="3795550"/>
+            <a:ext cx="2878500" cy="405900"/>
+          </a:xfrm>
+          <a:prstGeom prst="rect">
+            <a:avLst/>
+          </a:prstGeom>
+          <a:solidFill>
+            <a:schemeClr val="lt2"/>
+          </a:solidFill>
+          <a:ln cap="flat" cmpd="sng" w="9525">
+            <a:solidFill>
+              <a:schemeClr val="dk2"/>
+            </a:solidFill>
+            <a:prstDash val="solid"/>
+            <a:round/>
+            <a:headEnd len="sm" w="sm" type="none"/>
+            <a:tailEnd len="sm" w="sm" type="none"/>
+          </a:ln>
+        </p:spPr>
+        <p:txBody>
+          <a:bodyPr anchorCtr="0" anchor="ctr" bIns="91425" lIns="91425" spcFirstLastPara="1" rIns="91425" wrap="square" tIns="91425">
+            <a:noAutofit/>
+          </a:bodyPr>
+          <a:lstStyle/>
+          <a:p>
+            <a:pPr indent="0" lvl="0" marL="0" rtl="0" algn="ctr">
+              <a:spcBef>
+                <a:spcPts val="0"/>
+              </a:spcBef>
+              <a:spcAft>
+                <a:spcPts val="0"/>
+              </a:spcAft>
+              <a:buNone/>
+            </a:pPr>
+            <a:r>
+              <a:rPr lang="en" sz="1300"/>
+              <a:t>Host machine</a:t>
+            </a:r>
+            <a:endParaRPr sz="1300"/>
+          </a:p>
+        </p:txBody>
+      </p:sp>
+      <p:sp>
+        <p:nvSpPr>
+          <p:cNvPr id="466" name="Google Shape;466;p68"/>
+          <p:cNvSpPr/>
+          <p:nvPr/>
+        </p:nvSpPr>
+        <p:spPr>
+          <a:xfrm>
+            <a:off x="3210250" y="3965900"/>
+            <a:ext cx="391800" cy="126300"/>
+          </a:xfrm>
+          <a:prstGeom prst="leftArrow">
+            <a:avLst>
+              <a:gd fmla="val 50000" name="adj1"/>
+              <a:gd fmla="val 50000" name="adj2"/>
+            </a:avLst>
+          </a:prstGeom>
+          <a:solidFill>
+            <a:schemeClr val="lt2"/>
+          </a:solidFill>
+          <a:ln cap="flat" cmpd="sng" w="9525">
+            <a:solidFill>
+              <a:schemeClr val="dk2"/>
+            </a:solidFill>
+            <a:prstDash val="solid"/>
+            <a:round/>
+            <a:headEnd len="sm" w="sm" type="none"/>
+            <a:tailEnd len="sm" w="sm" type="none"/>
+          </a:ln>
+        </p:spPr>
+        <p:txBody>
+          <a:bodyPr anchorCtr="0" anchor="ctr" bIns="91425" lIns="91425" spcFirstLastPara="1" rIns="91425" wrap="square" tIns="91425">
+            <a:noAutofit/>
+          </a:bodyPr>
+          <a:lstStyle/>
+          <a:p>
+            <a:pPr indent="0" lvl="0" marL="0" rtl="0" algn="l">
+              <a:spcBef>
+                <a:spcPts val="0"/>
+              </a:spcBef>
+              <a:spcAft>
+                <a:spcPts val="0"/>
+              </a:spcAft>
+              <a:buNone/>
+            </a:pPr>
+            <a:r>
+              <a:t/>
+            </a:r>
+            <a:endParaRPr/>
+          </a:p>
+        </p:txBody>
+      </p:sp>
+      <p:sp>
+        <p:nvSpPr>
+          <p:cNvPr id="467" name="Google Shape;467;p68"/>
+          <p:cNvSpPr/>
+          <p:nvPr/>
+        </p:nvSpPr>
+        <p:spPr>
+          <a:xfrm>
+            <a:off x="3683175" y="3054525"/>
+            <a:ext cx="2923800" cy="405900"/>
+          </a:xfrm>
+          <a:prstGeom prst="rect">
+            <a:avLst/>
+          </a:prstGeom>
+          <a:solidFill>
+            <a:schemeClr val="lt2"/>
+          </a:solidFill>
+          <a:ln cap="flat" cmpd="sng" w="9525">
+            <a:solidFill>
+              <a:schemeClr val="dk2"/>
+            </a:solidFill>
+            <a:prstDash val="solid"/>
+            <a:round/>
+            <a:headEnd len="sm" w="sm" type="none"/>
+            <a:tailEnd len="sm" w="sm" type="none"/>
+          </a:ln>
+        </p:spPr>
+        <p:txBody>
+          <a:bodyPr anchorCtr="0" anchor="ctr" bIns="91425" lIns="91425" spcFirstLastPara="1" rIns="91425" wrap="square" tIns="91425">
+            <a:noAutofit/>
+          </a:bodyPr>
+          <a:lstStyle/>
+          <a:p>
+            <a:pPr indent="0" lvl="0" marL="0" rtl="0" algn="ctr">
+              <a:spcBef>
+                <a:spcPts val="0"/>
+              </a:spcBef>
+              <a:spcAft>
+                <a:spcPts val="0"/>
+              </a:spcAft>
+              <a:buNone/>
+            </a:pPr>
+            <a:r>
+              <a:rPr lang="en" sz="1300"/>
+              <a:t>When creating a complete new model</a:t>
+            </a:r>
+            <a:endParaRPr sz="1300"/>
+          </a:p>
+        </p:txBody>
+      </p:sp>
+      <p:sp>
+        <p:nvSpPr>
+          <p:cNvPr id="468" name="Google Shape;468;p68"/>
+          <p:cNvSpPr/>
+          <p:nvPr/>
+        </p:nvSpPr>
+        <p:spPr>
+          <a:xfrm>
+            <a:off x="3210250" y="3224950"/>
+            <a:ext cx="391800" cy="126300"/>
+          </a:xfrm>
+          <a:prstGeom prst="leftArrow">
+            <a:avLst>
+              <a:gd fmla="val 50000" name="adj1"/>
+              <a:gd fmla="val 50000" name="adj2"/>
+            </a:avLst>
+          </a:prstGeom>
+          <a:solidFill>
+            <a:schemeClr val="lt2"/>
+          </a:solidFill>
+          <a:ln cap="flat" cmpd="sng" w="9525">
+            <a:solidFill>
+              <a:schemeClr val="dk2"/>
+            </a:solidFill>
+            <a:prstDash val="solid"/>
+            <a:round/>
+            <a:headEnd len="sm" w="sm" type="none"/>
+            <a:tailEnd len="sm" w="sm" type="none"/>
+          </a:ln>
+        </p:spPr>
+        <p:txBody>
+          <a:bodyPr anchorCtr="0" anchor="ctr" bIns="91425" lIns="91425" spcFirstLastPara="1" rIns="91425" wrap="square" tIns="91425">
+            <a:noAutofit/>
+          </a:bodyPr>
+          <a:lstStyle/>
+          <a:p>
+            <a:pPr indent="0" lvl="0" marL="0" rtl="0" algn="l">
+              <a:spcBef>
+                <a:spcPts val="0"/>
+              </a:spcBef>
+              <a:spcAft>
+                <a:spcPts val="0"/>
+              </a:spcAft>
+              <a:buNone/>
+            </a:pPr>
+            <a:r>
+              <a:t/>
+            </a:r>
+            <a:endParaRPr/>
+          </a:p>
+        </p:txBody>
+      </p:sp>
+      <p:sp>
+        <p:nvSpPr>
+          <p:cNvPr id="469" name="Google Shape;469;p68"/>
+          <p:cNvSpPr/>
+          <p:nvPr/>
+        </p:nvSpPr>
+        <p:spPr>
+          <a:xfrm>
+            <a:off x="3683175" y="2368725"/>
+            <a:ext cx="2923800" cy="405900"/>
+          </a:xfrm>
+          <a:prstGeom prst="rect">
+            <a:avLst/>
+          </a:prstGeom>
+          <a:solidFill>
+            <a:schemeClr val="lt2"/>
+          </a:solidFill>
+          <a:ln cap="flat" cmpd="sng" w="9525">
+            <a:solidFill>
+              <a:schemeClr val="dk2"/>
+            </a:solidFill>
+            <a:prstDash val="solid"/>
+            <a:round/>
+            <a:headEnd len="sm" w="sm" type="none"/>
+            <a:tailEnd len="sm" w="sm" type="none"/>
+          </a:ln>
+        </p:spPr>
+        <p:txBody>
+          <a:bodyPr anchorCtr="0" anchor="ctr" bIns="91425" lIns="91425" spcFirstLastPara="1" rIns="91425" wrap="square" tIns="91425">
+            <a:noAutofit/>
+          </a:bodyPr>
+          <a:lstStyle/>
+          <a:p>
+            <a:pPr indent="0" lvl="0" marL="0" rtl="0" algn="ctr">
+              <a:spcBef>
+                <a:spcPts val="0"/>
+              </a:spcBef>
+              <a:spcAft>
+                <a:spcPts val="0"/>
+              </a:spcAft>
+              <a:buNone/>
+            </a:pPr>
+            <a:r>
+              <a:rPr lang="en" sz="1300"/>
+              <a:t>When creating a complete new model (no preprocess needed)</a:t>
+            </a:r>
+            <a:endParaRPr sz="1300"/>
+          </a:p>
+        </p:txBody>
+      </p:sp>
+      <p:sp>
+        <p:nvSpPr>
+          <p:cNvPr id="470" name="Google Shape;470;p68"/>
+          <p:cNvSpPr/>
+          <p:nvPr/>
+        </p:nvSpPr>
+        <p:spPr>
+          <a:xfrm>
+            <a:off x="3210250" y="2539150"/>
+            <a:ext cx="391800" cy="126300"/>
+          </a:xfrm>
+          <a:prstGeom prst="leftArrow">
+            <a:avLst>
+              <a:gd fmla="val 50000" name="adj1"/>
+              <a:gd fmla="val 50000" name="adj2"/>
+            </a:avLst>
+          </a:prstGeom>
+          <a:solidFill>
+            <a:schemeClr val="lt2"/>
+          </a:solidFill>
+          <a:ln cap="flat" cmpd="sng" w="9525">
+            <a:solidFill>
+              <a:schemeClr val="dk2"/>
+            </a:solidFill>
+            <a:prstDash val="solid"/>
+            <a:round/>
+            <a:headEnd len="sm" w="sm" type="none"/>
+            <a:tailEnd len="sm" w="sm" type="none"/>
+          </a:ln>
+        </p:spPr>
+        <p:txBody>
+          <a:bodyPr anchorCtr="0" anchor="ctr" bIns="91425" lIns="91425" spcFirstLastPara="1" rIns="91425" wrap="square" tIns="91425">
+            <a:noAutofit/>
+          </a:bodyPr>
+          <a:lstStyle/>
+          <a:p>
+            <a:pPr indent="0" lvl="0" marL="0" rtl="0" algn="l">
+              <a:spcBef>
+                <a:spcPts val="0"/>
+              </a:spcBef>
+              <a:spcAft>
+                <a:spcPts val="0"/>
+              </a:spcAft>
+              <a:buNone/>
+            </a:pPr>
+            <a:r>
+              <a:t/>
+            </a:r>
+            <a:endParaRPr/>
+          </a:p>
+        </p:txBody>
+      </p:sp>
+    </p:spTree>
+  </p:cSld>
+  <p:clrMapOvr>
+    <a:masterClrMapping/>
+  </p:clrMapOvr>
+</p:sld>
+</file>
+
+<file path=ppt/slides/slide57.xml><?xml version="1.0" encoding="utf-8"?>
+<p:sld xmlns:a="http://schemas.openxmlformats.org/drawingml/2006/main" xmlns:r="http://schemas.openxmlformats.org/officeDocument/2006/relationships" xmlns:mc="http://schemas.openxmlformats.org/markup-compatibility/2006" xmlns:mv="urn:schemas-microsoft-com:mac:vml" xmlns:p="http://schemas.openxmlformats.org/presentationml/2006/main" xmlns:c="http://schemas.openxmlformats.org/drawingml/2006/chart" xmlns:dgm="http://schemas.openxmlformats.org/drawingml/2006/diagram" xmlns:o="urn:schemas-microsoft-com:office:office" xmlns:v="urn:schemas-microsoft-com:vml" xmlns:pvml="urn:schemas-microsoft-com:office:powerpoint" xmlns:com="http://schemas.openxmlformats.org/drawingml/2006/compatibility" xmlns:p14="http://schemas.microsoft.com/office/powerpoint/2010/main" xmlns:p15="http://schemas.microsoft.com/office/powerpoint/2012/main" xmlns:ahyp="http://schemas.microsoft.com/office/drawing/2018/hyperlinkcolor">
+  <p:cSld>
+    <p:spTree>
+      <p:nvGrpSpPr>
+        <p:cNvPr id="474" name="Shape 474"/>
+        <p:cNvGrpSpPr/>
+        <p:nvPr/>
+      </p:nvGrpSpPr>
+      <p:grpSpPr>
+        <a:xfrm>
+          <a:off x="0" y="0"/>
+          <a:ext cx="0" cy="0"/>
+          <a:chOff x="0" y="0"/>
+          <a:chExt cx="0" cy="0"/>
+        </a:xfrm>
+      </p:grpSpPr>
+      <p:sp>
+        <p:nvSpPr>
+          <p:cNvPr id="475" name="Google Shape;475;p69"/>
+          <p:cNvSpPr txBox="1"/>
+          <p:nvPr>
+            <p:ph type="title"/>
+          </p:nvPr>
+        </p:nvSpPr>
+        <p:spPr>
+          <a:xfrm>
+            <a:off x="311700" y="445025"/>
+            <a:ext cx="8520600" cy="572700"/>
+          </a:xfrm>
+          <a:prstGeom prst="rect">
+            <a:avLst/>
+          </a:prstGeom>
+        </p:spPr>
+        <p:txBody>
+          <a:bodyPr anchorCtr="0" anchor="t" bIns="91425" lIns="91425" spcFirstLastPara="1" rIns="91425" wrap="square" tIns="91425">
+            <a:normAutofit fontScale="90000"/>
+          </a:bodyPr>
+          <a:lstStyle/>
+          <a:p>
+            <a:pPr indent="0" lvl="0" marL="0" rtl="0" algn="l">
+              <a:spcBef>
+                <a:spcPts val="0"/>
+              </a:spcBef>
+              <a:spcAft>
+                <a:spcPts val="0"/>
+              </a:spcAft>
+              <a:buNone/>
+            </a:pPr>
+            <a:r>
+              <a:rPr lang="en"/>
+              <a:t>5. Deployment: API Levels</a:t>
+            </a:r>
+            <a:endParaRPr/>
+          </a:p>
+        </p:txBody>
+      </p:sp>
+      <p:sp>
+        <p:nvSpPr>
+          <p:cNvPr id="476" name="Google Shape;476;p69"/>
+          <p:cNvSpPr txBox="1"/>
+          <p:nvPr>
+            <p:ph idx="1" type="body"/>
+          </p:nvPr>
+        </p:nvSpPr>
+        <p:spPr>
+          <a:xfrm>
+            <a:off x="311700" y="1152475"/>
+            <a:ext cx="8520600" cy="3416400"/>
+          </a:xfrm>
+          <a:prstGeom prst="rect">
+            <a:avLst/>
+          </a:prstGeom>
+        </p:spPr>
+        <p:txBody>
+          <a:bodyPr anchorCtr="0" anchor="t" bIns="91425" lIns="91425" spcFirstLastPara="1" rIns="91425" wrap="square" tIns="91425">
+            <a:normAutofit/>
+          </a:bodyPr>
+          <a:lstStyle/>
+          <a:p>
+            <a:pPr indent="0" lvl="0" marL="0" rtl="0" algn="l">
+              <a:spcBef>
+                <a:spcPts val="0"/>
+              </a:spcBef>
+              <a:spcAft>
+                <a:spcPts val="1200"/>
+              </a:spcAft>
+              <a:buNone/>
+            </a:pPr>
+            <a:r>
+              <a:t/>
+            </a:r>
+            <a:endParaRPr/>
+          </a:p>
+        </p:txBody>
+      </p:sp>
+      <p:pic>
+        <p:nvPicPr>
+          <p:cNvPr id="477" name="Google Shape;477;p69"/>
+          <p:cNvPicPr preferRelativeResize="0"/>
+          <p:nvPr/>
+        </p:nvPicPr>
+        <p:blipFill>
+          <a:blip r:embed="rId3">
+            <a:alphaModFix/>
+          </a:blip>
+          <a:stretch>
+            <a:fillRect/>
+          </a:stretch>
+        </p:blipFill>
+        <p:spPr>
+          <a:xfrm>
+            <a:off x="921171" y="1628750"/>
+            <a:ext cx="2289075" cy="2635925"/>
+          </a:xfrm>
+          <a:prstGeom prst="rect">
+            <a:avLst/>
+          </a:prstGeom>
+          <a:noFill/>
+          <a:ln>
+            <a:noFill/>
+          </a:ln>
+        </p:spPr>
+      </p:pic>
+      <p:sp>
+        <p:nvSpPr>
+          <p:cNvPr id="478" name="Google Shape;478;p69"/>
+          <p:cNvSpPr/>
+          <p:nvPr/>
+        </p:nvSpPr>
+        <p:spPr>
+          <a:xfrm>
+            <a:off x="3683175" y="3795550"/>
+            <a:ext cx="2878500" cy="405900"/>
+          </a:xfrm>
+          <a:prstGeom prst="rect">
+            <a:avLst/>
+          </a:prstGeom>
+          <a:solidFill>
+            <a:schemeClr val="lt2"/>
+          </a:solidFill>
+          <a:ln cap="flat" cmpd="sng" w="9525">
+            <a:solidFill>
+              <a:schemeClr val="dk2"/>
+            </a:solidFill>
+            <a:prstDash val="solid"/>
+            <a:round/>
+            <a:headEnd len="sm" w="sm" type="none"/>
+            <a:tailEnd len="sm" w="sm" type="none"/>
+          </a:ln>
+        </p:spPr>
+        <p:txBody>
+          <a:bodyPr anchorCtr="0" anchor="ctr" bIns="91425" lIns="91425" spcFirstLastPara="1" rIns="91425" wrap="square" tIns="91425">
+            <a:noAutofit/>
+          </a:bodyPr>
+          <a:lstStyle/>
+          <a:p>
+            <a:pPr indent="0" lvl="0" marL="0" rtl="0" algn="ctr">
+              <a:spcBef>
+                <a:spcPts val="0"/>
+              </a:spcBef>
+              <a:spcAft>
+                <a:spcPts val="0"/>
+              </a:spcAft>
+              <a:buNone/>
+            </a:pPr>
+            <a:r>
+              <a:rPr lang="en" sz="1300"/>
+              <a:t>Host machine</a:t>
+            </a:r>
+            <a:endParaRPr sz="1300"/>
+          </a:p>
+        </p:txBody>
+      </p:sp>
+      <p:sp>
+        <p:nvSpPr>
+          <p:cNvPr id="479" name="Google Shape;479;p69"/>
+          <p:cNvSpPr/>
+          <p:nvPr/>
+        </p:nvSpPr>
+        <p:spPr>
+          <a:xfrm>
+            <a:off x="3210250" y="3965900"/>
+            <a:ext cx="391800" cy="126300"/>
+          </a:xfrm>
+          <a:prstGeom prst="leftArrow">
+            <a:avLst>
+              <a:gd fmla="val 50000" name="adj1"/>
+              <a:gd fmla="val 50000" name="adj2"/>
+            </a:avLst>
+          </a:prstGeom>
+          <a:solidFill>
+            <a:schemeClr val="lt2"/>
+          </a:solidFill>
+          <a:ln cap="flat" cmpd="sng" w="9525">
+            <a:solidFill>
+              <a:schemeClr val="dk2"/>
+            </a:solidFill>
+            <a:prstDash val="solid"/>
+            <a:round/>
+            <a:headEnd len="sm" w="sm" type="none"/>
+            <a:tailEnd len="sm" w="sm" type="none"/>
+          </a:ln>
+        </p:spPr>
+        <p:txBody>
+          <a:bodyPr anchorCtr="0" anchor="ctr" bIns="91425" lIns="91425" spcFirstLastPara="1" rIns="91425" wrap="square" tIns="91425">
+            <a:noAutofit/>
+          </a:bodyPr>
+          <a:lstStyle/>
+          <a:p>
+            <a:pPr indent="0" lvl="0" marL="0" rtl="0" algn="l">
+              <a:spcBef>
+                <a:spcPts val="0"/>
+              </a:spcBef>
+              <a:spcAft>
+                <a:spcPts val="0"/>
+              </a:spcAft>
+              <a:buNone/>
+            </a:pPr>
+            <a:r>
+              <a:t/>
+            </a:r>
+            <a:endParaRPr/>
+          </a:p>
+        </p:txBody>
+      </p:sp>
+      <p:sp>
+        <p:nvSpPr>
+          <p:cNvPr id="480" name="Google Shape;480;p69"/>
+          <p:cNvSpPr/>
+          <p:nvPr/>
+        </p:nvSpPr>
+        <p:spPr>
+          <a:xfrm>
+            <a:off x="3683175" y="3054525"/>
+            <a:ext cx="2923800" cy="405900"/>
+          </a:xfrm>
+          <a:prstGeom prst="rect">
+            <a:avLst/>
+          </a:prstGeom>
+          <a:solidFill>
+            <a:schemeClr val="lt2"/>
+          </a:solidFill>
+          <a:ln cap="flat" cmpd="sng" w="9525">
+            <a:solidFill>
+              <a:schemeClr val="dk2"/>
+            </a:solidFill>
+            <a:prstDash val="solid"/>
+            <a:round/>
+            <a:headEnd len="sm" w="sm" type="none"/>
+            <a:tailEnd len="sm" w="sm" type="none"/>
+          </a:ln>
+        </p:spPr>
+        <p:txBody>
+          <a:bodyPr anchorCtr="0" anchor="ctr" bIns="91425" lIns="91425" spcFirstLastPara="1" rIns="91425" wrap="square" tIns="91425">
+            <a:noAutofit/>
+          </a:bodyPr>
+          <a:lstStyle/>
+          <a:p>
+            <a:pPr indent="0" lvl="0" marL="0" rtl="0" algn="ctr">
+              <a:spcBef>
+                <a:spcPts val="0"/>
+              </a:spcBef>
+              <a:spcAft>
+                <a:spcPts val="0"/>
+              </a:spcAft>
+              <a:buNone/>
+            </a:pPr>
+            <a:r>
+              <a:rPr lang="en" sz="1300"/>
+              <a:t>When creating a complete new model</a:t>
+            </a:r>
+            <a:endParaRPr sz="1300"/>
+          </a:p>
+        </p:txBody>
+      </p:sp>
+      <p:sp>
+        <p:nvSpPr>
+          <p:cNvPr id="481" name="Google Shape;481;p69"/>
+          <p:cNvSpPr/>
+          <p:nvPr/>
+        </p:nvSpPr>
+        <p:spPr>
+          <a:xfrm>
+            <a:off x="3210250" y="3224950"/>
+            <a:ext cx="391800" cy="126300"/>
+          </a:xfrm>
+          <a:prstGeom prst="leftArrow">
+            <a:avLst>
+              <a:gd fmla="val 50000" name="adj1"/>
+              <a:gd fmla="val 50000" name="adj2"/>
+            </a:avLst>
+          </a:prstGeom>
+          <a:solidFill>
+            <a:schemeClr val="lt2"/>
+          </a:solidFill>
+          <a:ln cap="flat" cmpd="sng" w="9525">
+            <a:solidFill>
+              <a:schemeClr val="dk2"/>
+            </a:solidFill>
+            <a:prstDash val="solid"/>
+            <a:round/>
+            <a:headEnd len="sm" w="sm" type="none"/>
+            <a:tailEnd len="sm" w="sm" type="none"/>
+          </a:ln>
+        </p:spPr>
+        <p:txBody>
+          <a:bodyPr anchorCtr="0" anchor="ctr" bIns="91425" lIns="91425" spcFirstLastPara="1" rIns="91425" wrap="square" tIns="91425">
+            <a:noAutofit/>
+          </a:bodyPr>
+          <a:lstStyle/>
+          <a:p>
+            <a:pPr indent="0" lvl="0" marL="0" rtl="0" algn="l">
+              <a:spcBef>
+                <a:spcPts val="0"/>
+              </a:spcBef>
+              <a:spcAft>
+                <a:spcPts val="0"/>
+              </a:spcAft>
+              <a:buNone/>
+            </a:pPr>
+            <a:r>
+              <a:t/>
+            </a:r>
+            <a:endParaRPr/>
+          </a:p>
+        </p:txBody>
+      </p:sp>
+      <p:sp>
+        <p:nvSpPr>
+          <p:cNvPr id="482" name="Google Shape;482;p69"/>
+          <p:cNvSpPr/>
+          <p:nvPr/>
+        </p:nvSpPr>
+        <p:spPr>
+          <a:xfrm>
+            <a:off x="3683175" y="2368725"/>
+            <a:ext cx="2923800" cy="405900"/>
+          </a:xfrm>
+          <a:prstGeom prst="rect">
+            <a:avLst/>
+          </a:prstGeom>
+          <a:solidFill>
+            <a:schemeClr val="lt2"/>
+          </a:solidFill>
+          <a:ln cap="flat" cmpd="sng" w="9525">
+            <a:solidFill>
+              <a:schemeClr val="dk2"/>
+            </a:solidFill>
+            <a:prstDash val="solid"/>
+            <a:round/>
+            <a:headEnd len="sm" w="sm" type="none"/>
+            <a:tailEnd len="sm" w="sm" type="none"/>
+          </a:ln>
+        </p:spPr>
+        <p:txBody>
+          <a:bodyPr anchorCtr="0" anchor="ctr" bIns="91425" lIns="91425" spcFirstLastPara="1" rIns="91425" wrap="square" tIns="91425">
+            <a:noAutofit/>
+          </a:bodyPr>
+          <a:lstStyle/>
+          <a:p>
+            <a:pPr indent="0" lvl="0" marL="0" rtl="0" algn="ctr">
+              <a:spcBef>
+                <a:spcPts val="0"/>
+              </a:spcBef>
+              <a:spcAft>
+                <a:spcPts val="0"/>
+              </a:spcAft>
+              <a:buNone/>
+            </a:pPr>
+            <a:r>
+              <a:rPr lang="en" sz="1300"/>
+              <a:t>When creating a complete new model (no preprocess needed)</a:t>
+            </a:r>
+            <a:endParaRPr sz="1300"/>
+          </a:p>
+        </p:txBody>
+      </p:sp>
+      <p:sp>
+        <p:nvSpPr>
+          <p:cNvPr id="483" name="Google Shape;483;p69"/>
+          <p:cNvSpPr/>
+          <p:nvPr/>
+        </p:nvSpPr>
+        <p:spPr>
+          <a:xfrm>
+            <a:off x="3210250" y="2539150"/>
+            <a:ext cx="391800" cy="126300"/>
+          </a:xfrm>
+          <a:prstGeom prst="leftArrow">
+            <a:avLst>
+              <a:gd fmla="val 50000" name="adj1"/>
+              <a:gd fmla="val 50000" name="adj2"/>
+            </a:avLst>
+          </a:prstGeom>
+          <a:solidFill>
+            <a:schemeClr val="lt2"/>
+          </a:solidFill>
+          <a:ln cap="flat" cmpd="sng" w="9525">
+            <a:solidFill>
+              <a:schemeClr val="dk2"/>
+            </a:solidFill>
+            <a:prstDash val="solid"/>
+            <a:round/>
+            <a:headEnd len="sm" w="sm" type="none"/>
+            <a:tailEnd len="sm" w="sm" type="none"/>
+          </a:ln>
+        </p:spPr>
+        <p:txBody>
+          <a:bodyPr anchorCtr="0" anchor="ctr" bIns="91425" lIns="91425" spcFirstLastPara="1" rIns="91425" wrap="square" tIns="91425">
+            <a:noAutofit/>
+          </a:bodyPr>
+          <a:lstStyle/>
+          <a:p>
+            <a:pPr indent="0" lvl="0" marL="0" rtl="0" algn="l">
+              <a:spcBef>
+                <a:spcPts val="0"/>
+              </a:spcBef>
+              <a:spcAft>
+                <a:spcPts val="0"/>
+              </a:spcAft>
+              <a:buNone/>
+            </a:pPr>
+            <a:r>
+              <a:t/>
+            </a:r>
+            <a:endParaRPr/>
+          </a:p>
+        </p:txBody>
+      </p:sp>
+      <p:sp>
+        <p:nvSpPr>
+          <p:cNvPr id="484" name="Google Shape;484;p69"/>
+          <p:cNvSpPr/>
+          <p:nvPr/>
+        </p:nvSpPr>
+        <p:spPr>
+          <a:xfrm>
+            <a:off x="3683175" y="1682925"/>
+            <a:ext cx="2923800" cy="405900"/>
+          </a:xfrm>
+          <a:prstGeom prst="rect">
+            <a:avLst/>
+          </a:prstGeom>
+          <a:solidFill>
+            <a:schemeClr val="lt2"/>
+          </a:solidFill>
+          <a:ln cap="flat" cmpd="sng" w="9525">
+            <a:solidFill>
+              <a:schemeClr val="dk2"/>
+            </a:solidFill>
+            <a:prstDash val="solid"/>
+            <a:round/>
+            <a:headEnd len="sm" w="sm" type="none"/>
+            <a:tailEnd len="sm" w="sm" type="none"/>
+          </a:ln>
+        </p:spPr>
+        <p:txBody>
+          <a:bodyPr anchorCtr="0" anchor="ctr" bIns="91425" lIns="91425" spcFirstLastPara="1" rIns="91425" wrap="square" tIns="91425">
+            <a:noAutofit/>
+          </a:bodyPr>
+          <a:lstStyle/>
+          <a:p>
+            <a:pPr indent="0" lvl="0" marL="0" rtl="0" algn="ctr">
+              <a:spcBef>
+                <a:spcPts val="0"/>
+              </a:spcBef>
+              <a:spcAft>
+                <a:spcPts val="0"/>
+              </a:spcAft>
+              <a:buNone/>
+            </a:pPr>
+            <a:r>
+              <a:rPr lang="en" sz="1300"/>
+              <a:t>For models already available on Vitis AI</a:t>
+            </a:r>
+            <a:endParaRPr sz="1300"/>
+          </a:p>
+        </p:txBody>
+      </p:sp>
+      <p:sp>
+        <p:nvSpPr>
+          <p:cNvPr id="485" name="Google Shape;485;p69"/>
+          <p:cNvSpPr/>
+          <p:nvPr/>
+        </p:nvSpPr>
+        <p:spPr>
+          <a:xfrm>
+            <a:off x="3210250" y="1853350"/>
+            <a:ext cx="391800" cy="126300"/>
+          </a:xfrm>
+          <a:prstGeom prst="leftArrow">
+            <a:avLst>
+              <a:gd fmla="val 50000" name="adj1"/>
+              <a:gd fmla="val 50000" name="adj2"/>
+            </a:avLst>
+          </a:prstGeom>
+          <a:solidFill>
+            <a:schemeClr val="lt2"/>
+          </a:solidFill>
+          <a:ln cap="flat" cmpd="sng" w="9525">
+            <a:solidFill>
+              <a:schemeClr val="dk2"/>
+            </a:solidFill>
+            <a:prstDash val="solid"/>
+            <a:round/>
+            <a:headEnd len="sm" w="sm" type="none"/>
+            <a:tailEnd len="sm" w="sm" type="none"/>
+          </a:ln>
+        </p:spPr>
+        <p:txBody>
+          <a:bodyPr anchorCtr="0" anchor="ctr" bIns="91425" lIns="91425" spcFirstLastPara="1" rIns="91425" wrap="square" tIns="91425">
+            <a:noAutofit/>
+          </a:bodyPr>
+          <a:lstStyle/>
+          <a:p>
+            <a:pPr indent="0" lvl="0" marL="0" rtl="0" algn="l">
+              <a:spcBef>
+                <a:spcPts val="0"/>
+              </a:spcBef>
+              <a:spcAft>
+                <a:spcPts val="0"/>
+              </a:spcAft>
+              <a:buNone/>
+            </a:pPr>
+            <a:r>
+              <a:t/>
+            </a:r>
+            <a:endParaRPr/>
+          </a:p>
+        </p:txBody>
+      </p:sp>
+    </p:spTree>
+  </p:cSld>
+  <p:clrMapOvr>
+    <a:masterClrMapping/>
+  </p:clrMapOvr>
+</p:sld>
+</file>
+
+<file path=ppt/slides/slide58.xml><?xml version="1.0" encoding="utf-8"?>
+<p:sld xmlns:a="http://schemas.openxmlformats.org/drawingml/2006/main" xmlns:r="http://schemas.openxmlformats.org/officeDocument/2006/relationships" xmlns:mc="http://schemas.openxmlformats.org/markup-compatibility/2006" xmlns:mv="urn:schemas-microsoft-com:mac:vml" xmlns:p="http://schemas.openxmlformats.org/presentationml/2006/main" xmlns:c="http://schemas.openxmlformats.org/drawingml/2006/chart" xmlns:dgm="http://schemas.openxmlformats.org/drawingml/2006/diagram" xmlns:o="urn:schemas-microsoft-com:office:office" xmlns:v="urn:schemas-microsoft-com:vml" xmlns:pvml="urn:schemas-microsoft-com:office:powerpoint" xmlns:com="http://schemas.openxmlformats.org/drawingml/2006/compatibility" xmlns:p14="http://schemas.microsoft.com/office/powerpoint/2010/main" xmlns:p15="http://schemas.microsoft.com/office/powerpoint/2012/main" xmlns:ahyp="http://schemas.microsoft.com/office/drawing/2018/hyperlinkcolor">
+  <p:cSld>
+    <p:spTree>
+      <p:nvGrpSpPr>
+        <p:cNvPr id="489" name="Shape 489"/>
+        <p:cNvGrpSpPr/>
+        <p:nvPr/>
+      </p:nvGrpSpPr>
+      <p:grpSpPr>
+        <a:xfrm>
+          <a:off x="0" y="0"/>
+          <a:ext cx="0" cy="0"/>
+          <a:chOff x="0" y="0"/>
+          <a:chExt cx="0" cy="0"/>
+        </a:xfrm>
+      </p:grpSpPr>
+      <p:sp>
+        <p:nvSpPr>
+          <p:cNvPr id="490" name="Google Shape;490;p70"/>
+          <p:cNvSpPr txBox="1"/>
+          <p:nvPr>
+            <p:ph type="title"/>
+          </p:nvPr>
+        </p:nvSpPr>
+        <p:spPr>
+          <a:xfrm>
+            <a:off x="311700" y="445025"/>
+            <a:ext cx="8520600" cy="572700"/>
+          </a:xfrm>
+          <a:prstGeom prst="rect">
+            <a:avLst/>
+          </a:prstGeom>
+        </p:spPr>
+        <p:txBody>
+          <a:bodyPr anchorCtr="0" anchor="t" bIns="91425" lIns="91425" spcFirstLastPara="1" rIns="91425" wrap="square" tIns="91425">
+            <a:normAutofit fontScale="90000"/>
+          </a:bodyPr>
+          <a:lstStyle/>
+          <a:p>
+            <a:pPr indent="0" lvl="0" marL="0" rtl="0" algn="l">
+              <a:spcBef>
+                <a:spcPts val="0"/>
+              </a:spcBef>
+              <a:spcAft>
+                <a:spcPts val="0"/>
+              </a:spcAft>
+              <a:buNone/>
+            </a:pPr>
+            <a:r>
+              <a:rPr lang="en"/>
+              <a:t>5. Deployment: API Levels</a:t>
+            </a:r>
+            <a:endParaRPr/>
+          </a:p>
+        </p:txBody>
+      </p:sp>
+      <p:sp>
+        <p:nvSpPr>
+          <p:cNvPr id="491" name="Google Shape;491;p70"/>
+          <p:cNvSpPr txBox="1"/>
+          <p:nvPr>
+            <p:ph idx="1" type="body"/>
+          </p:nvPr>
+        </p:nvSpPr>
+        <p:spPr>
+          <a:xfrm>
+            <a:off x="311700" y="1152475"/>
+            <a:ext cx="8520600" cy="3416400"/>
+          </a:xfrm>
+          <a:prstGeom prst="rect">
+            <a:avLst/>
+          </a:prstGeom>
+        </p:spPr>
+        <p:txBody>
+          <a:bodyPr anchorCtr="0" anchor="t" bIns="91425" lIns="91425" spcFirstLastPara="1" rIns="91425" wrap="square" tIns="91425">
+            <a:normAutofit/>
+          </a:bodyPr>
+          <a:lstStyle/>
+          <a:p>
+            <a:pPr indent="0" lvl="0" marL="0" rtl="0" algn="l">
+              <a:spcBef>
+                <a:spcPts val="0"/>
+              </a:spcBef>
+              <a:spcAft>
+                <a:spcPts val="1200"/>
+              </a:spcAft>
+              <a:buNone/>
+            </a:pPr>
+            <a:r>
+              <a:t/>
+            </a:r>
+            <a:endParaRPr/>
+          </a:p>
+        </p:txBody>
+      </p:sp>
+      <p:pic>
+        <p:nvPicPr>
+          <p:cNvPr id="492" name="Google Shape;492;p70"/>
+          <p:cNvPicPr preferRelativeResize="0"/>
+          <p:nvPr/>
+        </p:nvPicPr>
+        <p:blipFill>
+          <a:blip r:embed="rId3">
+            <a:alphaModFix/>
+          </a:blip>
+          <a:stretch>
+            <a:fillRect/>
+          </a:stretch>
+        </p:blipFill>
+        <p:spPr>
+          <a:xfrm>
+            <a:off x="921171" y="1628750"/>
+            <a:ext cx="2289075" cy="2635925"/>
+          </a:xfrm>
+          <a:prstGeom prst="rect">
+            <a:avLst/>
+          </a:prstGeom>
+          <a:noFill/>
+          <a:ln>
+            <a:noFill/>
+          </a:ln>
+        </p:spPr>
+      </p:pic>
+      <p:sp>
+        <p:nvSpPr>
+          <p:cNvPr id="493" name="Google Shape;493;p70"/>
+          <p:cNvSpPr/>
+          <p:nvPr/>
+        </p:nvSpPr>
+        <p:spPr>
+          <a:xfrm>
+            <a:off x="3683175" y="3795550"/>
+            <a:ext cx="2878500" cy="405900"/>
+          </a:xfrm>
+          <a:prstGeom prst="rect">
+            <a:avLst/>
+          </a:prstGeom>
+          <a:solidFill>
+            <a:schemeClr val="lt2"/>
+          </a:solidFill>
+          <a:ln cap="flat" cmpd="sng" w="9525">
+            <a:solidFill>
+              <a:schemeClr val="dk2"/>
+            </a:solidFill>
+            <a:prstDash val="solid"/>
+            <a:round/>
+            <a:headEnd len="sm" w="sm" type="none"/>
+            <a:tailEnd len="sm" w="sm" type="none"/>
+          </a:ln>
+        </p:spPr>
+        <p:txBody>
+          <a:bodyPr anchorCtr="0" anchor="ctr" bIns="91425" lIns="91425" spcFirstLastPara="1" rIns="91425" wrap="square" tIns="91425">
+            <a:noAutofit/>
+          </a:bodyPr>
+          <a:lstStyle/>
+          <a:p>
+            <a:pPr indent="0" lvl="0" marL="0" rtl="0" algn="ctr">
+              <a:spcBef>
+                <a:spcPts val="0"/>
+              </a:spcBef>
+              <a:spcAft>
+                <a:spcPts val="0"/>
+              </a:spcAft>
+              <a:buNone/>
+            </a:pPr>
+            <a:r>
+              <a:rPr lang="en" sz="1300"/>
+              <a:t>Host machine</a:t>
+            </a:r>
+            <a:endParaRPr sz="1300"/>
+          </a:p>
+        </p:txBody>
+      </p:sp>
+      <p:sp>
+        <p:nvSpPr>
+          <p:cNvPr id="494" name="Google Shape;494;p70"/>
+          <p:cNvSpPr/>
+          <p:nvPr/>
+        </p:nvSpPr>
+        <p:spPr>
+          <a:xfrm>
+            <a:off x="3210250" y="3965900"/>
+            <a:ext cx="391800" cy="126300"/>
+          </a:xfrm>
+          <a:prstGeom prst="leftArrow">
+            <a:avLst>
+              <a:gd fmla="val 50000" name="adj1"/>
+              <a:gd fmla="val 50000" name="adj2"/>
+            </a:avLst>
+          </a:prstGeom>
+          <a:solidFill>
+            <a:schemeClr val="lt2"/>
+          </a:solidFill>
+          <a:ln cap="flat" cmpd="sng" w="9525">
+            <a:solidFill>
+              <a:schemeClr val="dk2"/>
+            </a:solidFill>
+            <a:prstDash val="solid"/>
+            <a:round/>
+            <a:headEnd len="sm" w="sm" type="none"/>
+            <a:tailEnd len="sm" w="sm" type="none"/>
+          </a:ln>
+        </p:spPr>
+        <p:txBody>
+          <a:bodyPr anchorCtr="0" anchor="ctr" bIns="91425" lIns="91425" spcFirstLastPara="1" rIns="91425" wrap="square" tIns="91425">
+            <a:noAutofit/>
+          </a:bodyPr>
+          <a:lstStyle/>
+          <a:p>
+            <a:pPr indent="0" lvl="0" marL="0" rtl="0" algn="l">
+              <a:spcBef>
+                <a:spcPts val="0"/>
+              </a:spcBef>
+              <a:spcAft>
+                <a:spcPts val="0"/>
+              </a:spcAft>
+              <a:buNone/>
+            </a:pPr>
+            <a:r>
+              <a:t/>
+            </a:r>
+            <a:endParaRPr/>
+          </a:p>
+        </p:txBody>
+      </p:sp>
+      <p:sp>
+        <p:nvSpPr>
+          <p:cNvPr id="495" name="Google Shape;495;p70"/>
+          <p:cNvSpPr/>
+          <p:nvPr/>
+        </p:nvSpPr>
+        <p:spPr>
+          <a:xfrm>
+            <a:off x="3683175" y="3054525"/>
+            <a:ext cx="2923800" cy="405900"/>
+          </a:xfrm>
+          <a:prstGeom prst="rect">
+            <a:avLst/>
+          </a:prstGeom>
+          <a:solidFill>
+            <a:schemeClr val="lt2"/>
+          </a:solidFill>
+          <a:ln cap="flat" cmpd="sng" w="9525">
+            <a:solidFill>
+              <a:schemeClr val="dk2"/>
+            </a:solidFill>
+            <a:prstDash val="solid"/>
+            <a:round/>
+            <a:headEnd len="sm" w="sm" type="none"/>
+            <a:tailEnd len="sm" w="sm" type="none"/>
+          </a:ln>
+        </p:spPr>
+        <p:txBody>
+          <a:bodyPr anchorCtr="0" anchor="ctr" bIns="91425" lIns="91425" spcFirstLastPara="1" rIns="91425" wrap="square" tIns="91425">
+            <a:noAutofit/>
+          </a:bodyPr>
+          <a:lstStyle/>
+          <a:p>
+            <a:pPr indent="0" lvl="0" marL="0" rtl="0" algn="ctr">
+              <a:spcBef>
+                <a:spcPts val="0"/>
+              </a:spcBef>
+              <a:spcAft>
+                <a:spcPts val="0"/>
+              </a:spcAft>
+              <a:buNone/>
+            </a:pPr>
+            <a:r>
+              <a:rPr lang="en" sz="1300"/>
+              <a:t>When creating a complete new model</a:t>
+            </a:r>
+            <a:endParaRPr sz="1300"/>
+          </a:p>
+        </p:txBody>
+      </p:sp>
+      <p:sp>
+        <p:nvSpPr>
+          <p:cNvPr id="496" name="Google Shape;496;p70"/>
+          <p:cNvSpPr/>
+          <p:nvPr/>
+        </p:nvSpPr>
+        <p:spPr>
+          <a:xfrm>
+            <a:off x="3210250" y="3224950"/>
+            <a:ext cx="391800" cy="126300"/>
+          </a:xfrm>
+          <a:prstGeom prst="leftArrow">
+            <a:avLst>
+              <a:gd fmla="val 50000" name="adj1"/>
+              <a:gd fmla="val 50000" name="adj2"/>
+            </a:avLst>
+          </a:prstGeom>
+          <a:solidFill>
+            <a:schemeClr val="lt2"/>
+          </a:solidFill>
+          <a:ln cap="flat" cmpd="sng" w="9525">
+            <a:solidFill>
+              <a:schemeClr val="dk2"/>
+            </a:solidFill>
+            <a:prstDash val="solid"/>
+            <a:round/>
+            <a:headEnd len="sm" w="sm" type="none"/>
+            <a:tailEnd len="sm" w="sm" type="none"/>
+          </a:ln>
+        </p:spPr>
+        <p:txBody>
+          <a:bodyPr anchorCtr="0" anchor="ctr" bIns="91425" lIns="91425" spcFirstLastPara="1" rIns="91425" wrap="square" tIns="91425">
+            <a:noAutofit/>
+          </a:bodyPr>
+          <a:lstStyle/>
+          <a:p>
+            <a:pPr indent="0" lvl="0" marL="0" rtl="0" algn="l">
+              <a:spcBef>
+                <a:spcPts val="0"/>
+              </a:spcBef>
+              <a:spcAft>
+                <a:spcPts val="0"/>
+              </a:spcAft>
+              <a:buNone/>
+            </a:pPr>
+            <a:r>
+              <a:t/>
+            </a:r>
+            <a:endParaRPr/>
+          </a:p>
+        </p:txBody>
+      </p:sp>
+      <p:sp>
+        <p:nvSpPr>
+          <p:cNvPr id="497" name="Google Shape;497;p70"/>
+          <p:cNvSpPr/>
+          <p:nvPr/>
+        </p:nvSpPr>
+        <p:spPr>
+          <a:xfrm>
+            <a:off x="3683175" y="2368725"/>
+            <a:ext cx="2923800" cy="405900"/>
+          </a:xfrm>
+          <a:prstGeom prst="rect">
+            <a:avLst/>
+          </a:prstGeom>
+          <a:solidFill>
+            <a:schemeClr val="lt2"/>
+          </a:solidFill>
+          <a:ln cap="flat" cmpd="sng" w="9525">
+            <a:solidFill>
+              <a:schemeClr val="dk2"/>
+            </a:solidFill>
+            <a:prstDash val="solid"/>
+            <a:round/>
+            <a:headEnd len="sm" w="sm" type="none"/>
+            <a:tailEnd len="sm" w="sm" type="none"/>
+          </a:ln>
+        </p:spPr>
+        <p:txBody>
+          <a:bodyPr anchorCtr="0" anchor="ctr" bIns="91425" lIns="91425" spcFirstLastPara="1" rIns="91425" wrap="square" tIns="91425">
+            <a:noAutofit/>
+          </a:bodyPr>
+          <a:lstStyle/>
+          <a:p>
+            <a:pPr indent="0" lvl="0" marL="0" rtl="0" algn="ctr">
+              <a:spcBef>
+                <a:spcPts val="0"/>
+              </a:spcBef>
+              <a:spcAft>
+                <a:spcPts val="0"/>
+              </a:spcAft>
+              <a:buNone/>
+            </a:pPr>
+            <a:r>
+              <a:rPr lang="en" sz="1300"/>
+              <a:t>When creating a complete new model (no preprocess needed)</a:t>
+            </a:r>
+            <a:endParaRPr sz="1300"/>
+          </a:p>
+        </p:txBody>
+      </p:sp>
+      <p:sp>
+        <p:nvSpPr>
+          <p:cNvPr id="498" name="Google Shape;498;p70"/>
+          <p:cNvSpPr/>
+          <p:nvPr/>
+        </p:nvSpPr>
+        <p:spPr>
+          <a:xfrm>
+            <a:off x="3210250" y="2539150"/>
+            <a:ext cx="391800" cy="126300"/>
+          </a:xfrm>
+          <a:prstGeom prst="leftArrow">
+            <a:avLst>
+              <a:gd fmla="val 50000" name="adj1"/>
+              <a:gd fmla="val 50000" name="adj2"/>
+            </a:avLst>
+          </a:prstGeom>
+          <a:solidFill>
+            <a:schemeClr val="lt2"/>
+          </a:solidFill>
+          <a:ln cap="flat" cmpd="sng" w="9525">
+            <a:solidFill>
+              <a:schemeClr val="dk2"/>
+            </a:solidFill>
+            <a:prstDash val="solid"/>
+            <a:round/>
+            <a:headEnd len="sm" w="sm" type="none"/>
+            <a:tailEnd len="sm" w="sm" type="none"/>
+          </a:ln>
+        </p:spPr>
+        <p:txBody>
+          <a:bodyPr anchorCtr="0" anchor="ctr" bIns="91425" lIns="91425" spcFirstLastPara="1" rIns="91425" wrap="square" tIns="91425">
+            <a:noAutofit/>
+          </a:bodyPr>
+          <a:lstStyle/>
+          <a:p>
+            <a:pPr indent="0" lvl="0" marL="0" rtl="0" algn="l">
+              <a:spcBef>
+                <a:spcPts val="0"/>
+              </a:spcBef>
+              <a:spcAft>
+                <a:spcPts val="0"/>
+              </a:spcAft>
+              <a:buNone/>
+            </a:pPr>
+            <a:r>
+              <a:t/>
+            </a:r>
+            <a:endParaRPr/>
+          </a:p>
+        </p:txBody>
+      </p:sp>
+      <p:sp>
+        <p:nvSpPr>
+          <p:cNvPr id="499" name="Google Shape;499;p70"/>
+          <p:cNvSpPr/>
+          <p:nvPr/>
+        </p:nvSpPr>
+        <p:spPr>
+          <a:xfrm>
+            <a:off x="3683175" y="1682925"/>
+            <a:ext cx="2923800" cy="405900"/>
+          </a:xfrm>
+          <a:prstGeom prst="rect">
+            <a:avLst/>
+          </a:prstGeom>
+          <a:solidFill>
+            <a:schemeClr val="lt2"/>
+          </a:solidFill>
+          <a:ln cap="flat" cmpd="sng" w="9525">
+            <a:solidFill>
+              <a:schemeClr val="dk2"/>
+            </a:solidFill>
+            <a:prstDash val="solid"/>
+            <a:round/>
+            <a:headEnd len="sm" w="sm" type="none"/>
+            <a:tailEnd len="sm" w="sm" type="none"/>
+          </a:ln>
+        </p:spPr>
+        <p:txBody>
+          <a:bodyPr anchorCtr="0" anchor="ctr" bIns="91425" lIns="91425" spcFirstLastPara="1" rIns="91425" wrap="square" tIns="91425">
+            <a:noAutofit/>
+          </a:bodyPr>
+          <a:lstStyle/>
+          <a:p>
+            <a:pPr indent="0" lvl="0" marL="0" rtl="0" algn="ctr">
+              <a:spcBef>
+                <a:spcPts val="0"/>
+              </a:spcBef>
+              <a:spcAft>
+                <a:spcPts val="0"/>
+              </a:spcAft>
+              <a:buNone/>
+            </a:pPr>
+            <a:r>
+              <a:rPr lang="en" sz="1300"/>
+              <a:t>For models already available on Vitis AI</a:t>
+            </a:r>
+            <a:endParaRPr sz="1300"/>
+          </a:p>
+        </p:txBody>
+      </p:sp>
+      <p:sp>
+        <p:nvSpPr>
+          <p:cNvPr id="500" name="Google Shape;500;p70"/>
+          <p:cNvSpPr/>
+          <p:nvPr/>
+        </p:nvSpPr>
+        <p:spPr>
+          <a:xfrm>
+            <a:off x="3210250" y="1853350"/>
+            <a:ext cx="391800" cy="126300"/>
+          </a:xfrm>
+          <a:prstGeom prst="leftArrow">
+            <a:avLst>
+              <a:gd fmla="val 50000" name="adj1"/>
+              <a:gd fmla="val 50000" name="adj2"/>
+            </a:avLst>
+          </a:prstGeom>
+          <a:solidFill>
+            <a:schemeClr val="lt2"/>
+          </a:solidFill>
+          <a:ln cap="flat" cmpd="sng" w="9525">
+            <a:solidFill>
+              <a:schemeClr val="dk2"/>
+            </a:solidFill>
+            <a:prstDash val="solid"/>
+            <a:round/>
+            <a:headEnd len="sm" w="sm" type="none"/>
+            <a:tailEnd len="sm" w="sm" type="none"/>
+          </a:ln>
+        </p:spPr>
+        <p:txBody>
+          <a:bodyPr anchorCtr="0" anchor="ctr" bIns="91425" lIns="91425" spcFirstLastPara="1" rIns="91425" wrap="square" tIns="91425">
+            <a:noAutofit/>
+          </a:bodyPr>
+          <a:lstStyle/>
+          <a:p>
+            <a:pPr indent="0" lvl="0" marL="0" rtl="0" algn="l">
+              <a:spcBef>
+                <a:spcPts val="0"/>
+              </a:spcBef>
+              <a:spcAft>
+                <a:spcPts val="0"/>
+              </a:spcAft>
+              <a:buNone/>
+            </a:pPr>
+            <a:r>
+              <a:t/>
+            </a:r>
+            <a:endParaRPr/>
+          </a:p>
+        </p:txBody>
+      </p:sp>
+      <p:sp>
+        <p:nvSpPr>
+          <p:cNvPr id="501" name="Google Shape;501;p70"/>
+          <p:cNvSpPr/>
+          <p:nvPr/>
+        </p:nvSpPr>
+        <p:spPr>
+          <a:xfrm>
+            <a:off x="822650" y="2910150"/>
+            <a:ext cx="5883600" cy="1506900"/>
+          </a:xfrm>
+          <a:prstGeom prst="rect">
+            <a:avLst/>
+          </a:prstGeom>
+          <a:noFill/>
+          <a:ln cap="flat" cmpd="sng" w="28575">
+            <a:solidFill>
+              <a:srgbClr val="FF0000"/>
+            </a:solidFill>
+            <a:prstDash val="solid"/>
+            <a:round/>
+            <a:headEnd len="sm" w="sm" type="none"/>
+            <a:tailEnd len="sm" w="sm" type="none"/>
+          </a:ln>
+        </p:spPr>
+        <p:txBody>
+          <a:bodyPr anchorCtr="0" anchor="ctr" bIns="91425" lIns="91425" spcFirstLastPara="1" rIns="91425" wrap="square" tIns="91425">
+            <a:noAutofit/>
+          </a:bodyPr>
+          <a:lstStyle/>
+          <a:p>
+            <a:pPr indent="0" lvl="0" marL="0" rtl="0" algn="l">
+              <a:spcBef>
+                <a:spcPts val="0"/>
+              </a:spcBef>
+              <a:spcAft>
+                <a:spcPts val="0"/>
+              </a:spcAft>
+              <a:buNone/>
+            </a:pPr>
+            <a:r>
+              <a:t/>
+            </a:r>
+            <a:endParaRPr/>
+          </a:p>
+        </p:txBody>
+      </p:sp>
+      <p:sp>
+        <p:nvSpPr>
+          <p:cNvPr id="502" name="Google Shape;502;p70"/>
+          <p:cNvSpPr/>
+          <p:nvPr/>
+        </p:nvSpPr>
+        <p:spPr>
+          <a:xfrm>
+            <a:off x="7263200" y="3189900"/>
+            <a:ext cx="1353600" cy="947400"/>
+          </a:xfrm>
+          <a:prstGeom prst="rect">
+            <a:avLst/>
+          </a:prstGeom>
+          <a:solidFill>
+            <a:schemeClr val="lt2"/>
+          </a:solidFill>
+          <a:ln cap="flat" cmpd="sng" w="9525">
+            <a:solidFill>
+              <a:schemeClr val="dk2"/>
+            </a:solidFill>
+            <a:prstDash val="solid"/>
+            <a:round/>
+            <a:headEnd len="sm" w="sm" type="none"/>
+            <a:tailEnd len="sm" w="sm" type="none"/>
+          </a:ln>
+        </p:spPr>
+        <p:txBody>
+          <a:bodyPr anchorCtr="0" anchor="ctr" bIns="91425" lIns="91425" spcFirstLastPara="1" rIns="91425" wrap="square" tIns="91425">
+            <a:noAutofit/>
+          </a:bodyPr>
+          <a:lstStyle/>
+          <a:p>
+            <a:pPr indent="0" lvl="0" marL="0" rtl="0" algn="ctr">
+              <a:spcBef>
+                <a:spcPts val="0"/>
+              </a:spcBef>
+              <a:spcAft>
+                <a:spcPts val="0"/>
+              </a:spcAft>
+              <a:buNone/>
+            </a:pPr>
+            <a:r>
+              <a:rPr lang="en" sz="1300"/>
+              <a:t>We will work at this level</a:t>
+            </a:r>
+            <a:endParaRPr sz="1300"/>
+          </a:p>
+        </p:txBody>
+      </p:sp>
+      <p:sp>
+        <p:nvSpPr>
+          <p:cNvPr id="503" name="Google Shape;503;p70"/>
+          <p:cNvSpPr/>
+          <p:nvPr/>
+        </p:nvSpPr>
+        <p:spPr>
+          <a:xfrm>
+            <a:off x="6782438" y="3568800"/>
+            <a:ext cx="425100" cy="189600"/>
+          </a:xfrm>
+          <a:prstGeom prst="leftArrow">
+            <a:avLst>
+              <a:gd fmla="val 50000" name="adj1"/>
+              <a:gd fmla="val 50000" name="adj2"/>
+            </a:avLst>
+          </a:prstGeom>
+          <a:solidFill>
+            <a:schemeClr val="lt2"/>
+          </a:solidFill>
+          <a:ln cap="flat" cmpd="sng" w="9525">
+            <a:solidFill>
+              <a:schemeClr val="dk2"/>
+            </a:solidFill>
+            <a:prstDash val="solid"/>
+            <a:round/>
+            <a:headEnd len="sm" w="sm" type="none"/>
+            <a:tailEnd len="sm" w="sm" type="none"/>
+          </a:ln>
+        </p:spPr>
+        <p:txBody>
+          <a:bodyPr anchorCtr="0" anchor="ctr" bIns="91425" lIns="91425" spcFirstLastPara="1" rIns="91425" wrap="square" tIns="91425">
+            <a:noAutofit/>
+          </a:bodyPr>
+          <a:lstStyle/>
+          <a:p>
+            <a:pPr indent="0" lvl="0" marL="0" rtl="0" algn="l">
+              <a:spcBef>
+                <a:spcPts val="0"/>
+              </a:spcBef>
+              <a:spcAft>
+                <a:spcPts val="0"/>
+              </a:spcAft>
+              <a:buNone/>
+            </a:pPr>
+            <a:r>
+              <a:t/>
+            </a:r>
+            <a:endParaRPr/>
           </a:p>
         </p:txBody>
       </p:sp>
